--- a/powerpoints/Amstelhaege PP 2.pptx
+++ b/powerpoints/Amstelhaege PP 2.pptx
@@ -124,7 +124,7 @@
 <file path=ppt/revisionInfo.xml><?xml version="1.0" encoding="utf-8"?>
 <p1510:revInfo xmlns:a="http://schemas.openxmlformats.org/drawingml/2006/main" xmlns:r="http://schemas.openxmlformats.org/officeDocument/2006/relationships" xmlns:p1510="http://schemas.microsoft.com/office/powerpoint/2015/10/main">
   <p1510:revLst>
-    <p1510:client id="{17347822-A3AA-4E09-8D72-9B39D786E58C}" v="29" dt="2018-11-09T09:02:32.520"/>
+    <p1510:client id="{37C6B3A9-C949-4AED-BED5-BBA274FEFC81}" v="1" dt="2018-11-15T08:39:23.135"/>
   </p1510:revLst>
 </p1510:revInfo>
 </file>
@@ -152,20 +152,6 @@
             <ac:spMk id="3" creationId="{5CC4032A-E48A-464D-9FA6-FAF2E332B93F}"/>
           </ac:spMkLst>
         </pc:spChg>
-      </pc:sldChg>
-      <pc:sldChg chg="del">
-        <pc:chgData name="Eveline Tiekink" userId="6058ae45eb5242b7" providerId="LiveId" clId="{0B75A35C-8182-43AF-803E-BA2F44FFB750}" dt="2018-11-09T09:00:58.550" v="125" actId="2696"/>
-        <pc:sldMkLst>
-          <pc:docMk/>
-          <pc:sldMk cId="33498976" sldId="258"/>
-        </pc:sldMkLst>
-      </pc:sldChg>
-      <pc:sldChg chg="del">
-        <pc:chgData name="Eveline Tiekink" userId="6058ae45eb5242b7" providerId="LiveId" clId="{0B75A35C-8182-43AF-803E-BA2F44FFB750}" dt="2018-11-09T09:00:35.320" v="121" actId="2696"/>
-        <pc:sldMkLst>
-          <pc:docMk/>
-          <pc:sldMk cId="1282047479" sldId="259"/>
-        </pc:sldMkLst>
       </pc:sldChg>
       <pc:sldChg chg="modSp">
         <pc:chgData name="Eveline Tiekink" userId="6058ae45eb5242b7" providerId="LiveId" clId="{0B75A35C-8182-43AF-803E-BA2F44FFB750}" dt="2018-11-09T08:56:28.007" v="54" actId="20577"/>
@@ -196,20 +182,6 @@
             <ac:spMk id="3" creationId="{E6AA6751-1E7E-4FB0-945B-9AE4A1E98468}"/>
           </ac:spMkLst>
         </pc:spChg>
-      </pc:sldChg>
-      <pc:sldChg chg="add del">
-        <pc:chgData name="Eveline Tiekink" userId="6058ae45eb5242b7" providerId="LiveId" clId="{0B75A35C-8182-43AF-803E-BA2F44FFB750}" dt="2018-11-09T09:00:54.940" v="124" actId="2696"/>
-        <pc:sldMkLst>
-          <pc:docMk/>
-          <pc:sldMk cId="1298260377" sldId="263"/>
-        </pc:sldMkLst>
-      </pc:sldChg>
-      <pc:sldChg chg="del">
-        <pc:chgData name="Eveline Tiekink" userId="6058ae45eb5242b7" providerId="LiveId" clId="{0B75A35C-8182-43AF-803E-BA2F44FFB750}" dt="2018-11-09T08:57:01.629" v="72" actId="2696"/>
-        <pc:sldMkLst>
-          <pc:docMk/>
-          <pc:sldMk cId="2220814860" sldId="265"/>
-        </pc:sldMkLst>
       </pc:sldChg>
       <pc:sldChg chg="modSp">
         <pc:chgData name="Eveline Tiekink" userId="6058ae45eb5242b7" providerId="LiveId" clId="{0B75A35C-8182-43AF-803E-BA2F44FFB750}" dt="2018-11-09T09:02:32.520" v="152" actId="20577"/>
@@ -248,12 +220,29 @@
           </ac:spMkLst>
         </pc:spChg>
       </pc:sldChg>
-      <pc:sldChg chg="del">
-        <pc:chgData name="Eveline Tiekink" userId="6058ae45eb5242b7" providerId="LiveId" clId="{0B75A35C-8182-43AF-803E-BA2F44FFB750}" dt="2018-11-09T09:01:11.713" v="126" actId="2696"/>
+    </pc:docChg>
+  </pc:docChgLst>
+  <pc:docChgLst>
+    <pc:chgData name="Eveline Tiekink" userId="6058ae45eb5242b7" providerId="LiveId" clId="{37C6B3A9-C949-4AED-BED5-BBA274FEFC81}"/>
+    <pc:docChg chg="modSld">
+      <pc:chgData name="Eveline Tiekink" userId="6058ae45eb5242b7" providerId="LiveId" clId="{37C6B3A9-C949-4AED-BED5-BBA274FEFC81}" dt="2018-11-15T08:39:27.649" v="1" actId="1076"/>
+      <pc:docMkLst>
+        <pc:docMk/>
+      </pc:docMkLst>
+      <pc:sldChg chg="addSp modSp modAnim">
+        <pc:chgData name="Eveline Tiekink" userId="6058ae45eb5242b7" providerId="LiveId" clId="{37C6B3A9-C949-4AED-BED5-BBA274FEFC81}" dt="2018-11-15T08:39:27.649" v="1" actId="1076"/>
         <pc:sldMkLst>
           <pc:docMk/>
-          <pc:sldMk cId="1005221805" sldId="270"/>
+          <pc:sldMk cId="2013438566" sldId="267"/>
         </pc:sldMkLst>
+        <pc:picChg chg="add mod">
+          <ac:chgData name="Eveline Tiekink" userId="6058ae45eb5242b7" providerId="LiveId" clId="{37C6B3A9-C949-4AED-BED5-BBA274FEFC81}" dt="2018-11-15T08:39:27.649" v="1" actId="1076"/>
+          <ac:picMkLst>
+            <pc:docMk/>
+            <pc:sldMk cId="2013438566" sldId="267"/>
+            <ac:picMk id="3" creationId="{C6BDCE62-EDDE-45E3-8A1F-7AB6A315D9CF}"/>
+          </ac:picMkLst>
+        </pc:picChg>
       </pc:sldChg>
     </pc:docChg>
   </pc:docChgLst>
@@ -342,7 +331,7 @@
           <a:p>
             <a:fld id="{6E4CFFD8-571C-48B2-909E-9B5FE253D121}" type="datetimeFigureOut">
               <a:rPr lang="nl-NL" smtClean="0"/>
-              <a:t>9-11-2018</a:t>
+              <a:t>15-11-2018</a:t>
             </a:fld>
             <a:endParaRPr lang="nl-NL"/>
           </a:p>
@@ -1420,7 +1409,7 @@
             <a:fld id="{B61BEF0D-F0BB-DE4B-95CE-6DB70DBA9567}" type="datetimeFigureOut">
               <a:rPr lang="en-US" smtClean="0"/>
               <a:pPr/>
-              <a:t>11/9/2018</a:t>
+              <a:t>11/15/2018</a:t>
             </a:fld>
             <a:endParaRPr lang="en-US" dirty="0"/>
           </a:p>
@@ -1673,7 +1662,7 @@
             <a:fld id="{B61BEF0D-F0BB-DE4B-95CE-6DB70DBA9567}" type="datetimeFigureOut">
               <a:rPr lang="en-US" smtClean="0"/>
               <a:pPr/>
-              <a:t>11/9/2018</a:t>
+              <a:t>11/15/2018</a:t>
             </a:fld>
             <a:endParaRPr lang="en-US" dirty="0"/>
           </a:p>
@@ -1989,7 +1978,7 @@
             <a:fld id="{B61BEF0D-F0BB-DE4B-95CE-6DB70DBA9567}" type="datetimeFigureOut">
               <a:rPr lang="en-US" smtClean="0"/>
               <a:pPr/>
-              <a:t>11/9/2018</a:t>
+              <a:t>11/15/2018</a:t>
             </a:fld>
             <a:endParaRPr lang="en-US" dirty="0"/>
           </a:p>
@@ -2318,7 +2307,7 @@
             <a:fld id="{B61BEF0D-F0BB-DE4B-95CE-6DB70DBA9567}" type="datetimeFigureOut">
               <a:rPr lang="en-US" smtClean="0"/>
               <a:pPr/>
-              <a:t>11/9/2018</a:t>
+              <a:t>11/15/2018</a:t>
             </a:fld>
             <a:endParaRPr lang="en-US" dirty="0"/>
           </a:p>
@@ -2634,7 +2623,7 @@
             <a:fld id="{B61BEF0D-F0BB-DE4B-95CE-6DB70DBA9567}" type="datetimeFigureOut">
               <a:rPr lang="en-US" smtClean="0"/>
               <a:pPr/>
-              <a:t>11/9/2018</a:t>
+              <a:t>11/15/2018</a:t>
             </a:fld>
             <a:endParaRPr lang="en-US" dirty="0"/>
           </a:p>
@@ -3023,7 +3012,7 @@
             <a:fld id="{B61BEF0D-F0BB-DE4B-95CE-6DB70DBA9567}" type="datetimeFigureOut">
               <a:rPr lang="en-US" smtClean="0"/>
               <a:pPr/>
-              <a:t>11/9/2018</a:t>
+              <a:t>11/15/2018</a:t>
             </a:fld>
             <a:endParaRPr lang="en-US" dirty="0"/>
           </a:p>
@@ -3194,7 +3183,7 @@
           <a:p>
             <a:fld id="{55C6B4A9-1611-4792-9094-5F34BCA07E0B}" type="datetimeFigureOut">
               <a:rPr lang="en-US" smtClean="0"/>
-              <a:t>11/9/2018</a:t>
+              <a:t>11/15/2018</a:t>
             </a:fld>
             <a:endParaRPr lang="en-US" dirty="0"/>
           </a:p>
@@ -3375,7 +3364,7 @@
             <a:fld id="{B61BEF0D-F0BB-DE4B-95CE-6DB70DBA9567}" type="datetimeFigureOut">
               <a:rPr lang="en-US" smtClean="0"/>
               <a:pPr/>
-              <a:t>11/9/2018</a:t>
+              <a:t>11/15/2018</a:t>
             </a:fld>
             <a:endParaRPr lang="en-US" dirty="0"/>
           </a:p>
@@ -3546,7 +3535,7 @@
           <a:p>
             <a:fld id="{42A54C80-263E-416B-A8E0-580EDEADCBDC}" type="datetimeFigureOut">
               <a:rPr lang="en-US" smtClean="0"/>
-              <a:t>11/9/2018</a:t>
+              <a:t>11/15/2018</a:t>
             </a:fld>
             <a:endParaRPr lang="en-US" dirty="0"/>
           </a:p>
@@ -3794,7 +3783,7 @@
             <a:fld id="{B61BEF0D-F0BB-DE4B-95CE-6DB70DBA9567}" type="datetimeFigureOut">
               <a:rPr lang="en-US" smtClean="0"/>
               <a:pPr/>
-              <a:t>11/9/2018</a:t>
+              <a:t>11/15/2018</a:t>
             </a:fld>
             <a:endParaRPr lang="en-US" dirty="0"/>
           </a:p>
@@ -4027,7 +4016,7 @@
           <a:p>
             <a:fld id="{42A54C80-263E-416B-A8E0-580EDEADCBDC}" type="datetimeFigureOut">
               <a:rPr lang="en-US" smtClean="0"/>
-              <a:t>11/9/2018</a:t>
+              <a:t>11/15/2018</a:t>
             </a:fld>
             <a:endParaRPr lang="en-US" dirty="0"/>
           </a:p>
@@ -4402,7 +4391,7 @@
             <a:fld id="{B61BEF0D-F0BB-DE4B-95CE-6DB70DBA9567}" type="datetimeFigureOut">
               <a:rPr lang="en-US" smtClean="0"/>
               <a:pPr/>
-              <a:t>11/9/2018</a:t>
+              <a:t>11/15/2018</a:t>
             </a:fld>
             <a:endParaRPr lang="en-US" dirty="0"/>
           </a:p>
@@ -4527,7 +4516,7 @@
             <a:fld id="{B61BEF0D-F0BB-DE4B-95CE-6DB70DBA9567}" type="datetimeFigureOut">
               <a:rPr lang="en-US" smtClean="0"/>
               <a:pPr/>
-              <a:t>11/9/2018</a:t>
+              <a:t>11/15/2018</a:t>
             </a:fld>
             <a:endParaRPr lang="en-US" dirty="0"/>
           </a:p>
@@ -4624,7 +4613,7 @@
             <a:fld id="{B61BEF0D-F0BB-DE4B-95CE-6DB70DBA9567}" type="datetimeFigureOut">
               <a:rPr lang="en-US" smtClean="0"/>
               <a:pPr/>
-              <a:t>11/9/2018</a:t>
+              <a:t>11/15/2018</a:t>
             </a:fld>
             <a:endParaRPr lang="en-US" dirty="0"/>
           </a:p>
@@ -4880,7 +4869,7 @@
           <a:p>
             <a:fld id="{42A54C80-263E-416B-A8E0-580EDEADCBDC}" type="datetimeFigureOut">
               <a:rPr lang="en-US" smtClean="0"/>
-              <a:t>11/9/2018</a:t>
+              <a:t>11/15/2018</a:t>
             </a:fld>
             <a:endParaRPr lang="en-US" dirty="0"/>
           </a:p>
@@ -5144,7 +5133,7 @@
             <a:fld id="{B61BEF0D-F0BB-DE4B-95CE-6DB70DBA9567}" type="datetimeFigureOut">
               <a:rPr lang="en-US" smtClean="0"/>
               <a:pPr/>
-              <a:t>11/9/2018</a:t>
+              <a:t>11/15/2018</a:t>
             </a:fld>
             <a:endParaRPr lang="en-US" dirty="0"/>
           </a:p>
@@ -5891,7 +5880,7 @@
             <a:fld id="{B61BEF0D-F0BB-DE4B-95CE-6DB70DBA9567}" type="datetimeFigureOut">
               <a:rPr lang="en-US" smtClean="0"/>
               <a:pPr/>
-              <a:t>11/9/2018</a:t>
+              <a:t>11/15/2018</a:t>
             </a:fld>
             <a:endParaRPr lang="en-US" dirty="0"/>
           </a:p>
@@ -8172,7 +8161,7 @@
                   <a:prstDash val="solid"/>
                 </a:ln>
                 <a:blipFill>
-                  <a:blip r:embed="rId2"/>
+                  <a:blip r:embed="rId4"/>
                   <a:tile tx="0" ty="0" sx="100000" sy="100000" flip="none" algn="tl"/>
                 </a:blipFill>
                 <a:effectLst>
@@ -8299,6 +8288,44 @@
           </a:p>
         </p:txBody>
       </p:sp>
+      <p:pic>
+        <p:nvPicPr>
+          <p:cNvPr id="3" name="Eindliedje -Jostiband - 20th Century Fox Intro -  HD 1080p">
+            <a:hlinkClick r:id="" action="ppaction://media"/>
+            <a:extLst>
+              <a:ext uri="{FF2B5EF4-FFF2-40B4-BE49-F238E27FC236}">
+                <a16:creationId xmlns:a16="http://schemas.microsoft.com/office/drawing/2014/main" id="{C6BDCE62-EDDE-45E3-8A1F-7AB6A315D9CF}"/>
+              </a:ext>
+            </a:extLst>
+          </p:cNvPr>
+          <p:cNvPicPr>
+            <a:picLocks noChangeAspect="1"/>
+          </p:cNvPicPr>
+          <p:nvPr>
+            <a:audioFile r:link="rId2"/>
+            <p:extLst>
+              <p:ext uri="{DAA4B4D4-6D71-4841-9C94-3DE7FCFB9230}">
+                <p14:media xmlns:p14="http://schemas.microsoft.com/office/powerpoint/2010/main" r:embed="rId1"/>
+              </p:ext>
+            </p:extLst>
+          </p:nvPr>
+        </p:nvPicPr>
+        <p:blipFill>
+          <a:blip r:embed="rId5"/>
+          <a:stretch>
+            <a:fillRect/>
+          </a:stretch>
+        </p:blipFill>
+        <p:spPr>
+          <a:xfrm>
+            <a:off x="269765" y="188310"/>
+            <a:ext cx="406400" cy="406400"/>
+          </a:xfrm>
+          <a:prstGeom prst="rect">
+            <a:avLst/>
+          </a:prstGeom>
+        </p:spPr>
+      </p:pic>
     </p:spTree>
     <p:extLst>
       <p:ext uri="{BB962C8B-B14F-4D97-AF65-F5344CB8AC3E}">
@@ -8355,6 +8382,41 @@
                       </p:childTnLst>
                     </p:cTn>
                   </p:par>
+                  <p:par>
+                    <p:cTn id="7" fill="hold">
+                      <p:stCondLst>
+                        <p:cond delay="indefinite"/>
+                      </p:stCondLst>
+                      <p:childTnLst>
+                        <p:par>
+                          <p:cTn id="8" fill="hold">
+                            <p:stCondLst>
+                              <p:cond delay="0"/>
+                            </p:stCondLst>
+                            <p:childTnLst>
+                              <p:par>
+                                <p:cTn id="9" presetID="1" presetClass="mediacall" presetSubtype="0" fill="hold" nodeType="clickEffect">
+                                  <p:stCondLst>
+                                    <p:cond delay="0"/>
+                                  </p:stCondLst>
+                                  <p:childTnLst>
+                                    <p:cmd type="call" cmd="playFrom(0.0)">
+                                      <p:cBhvr>
+                                        <p:cTn id="10" dur="23457" fill="hold"/>
+                                        <p:tgtEl>
+                                          <p:spTgt spid="3"/>
+                                        </p:tgtEl>
+                                      </p:cBhvr>
+                                    </p:cmd>
+                                  </p:childTnLst>
+                                </p:cTn>
+                              </p:par>
+                            </p:childTnLst>
+                          </p:cTn>
+                        </p:par>
+                      </p:childTnLst>
+                    </p:cTn>
+                  </p:par>
                 </p:childTnLst>
               </p:cTn>
               <p:prevCondLst>
@@ -8372,6 +8434,25 @@
                 </p:cond>
               </p:nextCondLst>
             </p:seq>
+            <p:audio>
+              <p:cMediaNode vol="80000">
+                <p:cTn id="11" fill="hold" display="0">
+                  <p:stCondLst>
+                    <p:cond delay="indefinite"/>
+                  </p:stCondLst>
+                  <p:endCondLst>
+                    <p:cond evt="onStopAudio" delay="0">
+                      <p:tgtEl>
+                        <p:sldTgt/>
+                      </p:tgtEl>
+                    </p:cond>
+                  </p:endCondLst>
+                </p:cTn>
+                <p:tgtEl>
+                  <p:spTgt spid="3"/>
+                </p:tgtEl>
+              </p:cMediaNode>
+            </p:audio>
           </p:childTnLst>
         </p:cTn>
       </p:par>

--- a/powerpoints/Amstelhaege PP 2.pptx
+++ b/powerpoints/Amstelhaege PP 2.pptx
@@ -5,16 +5,20 @@
     <p:sldMasterId id="2147483686" r:id="rId1"/>
   </p:sldMasterIdLst>
   <p:notesMasterIdLst>
-    <p:notesMasterId r:id="rId9"/>
+    <p:notesMasterId r:id="rId13"/>
   </p:notesMasterIdLst>
   <p:sldIdLst>
     <p:sldId id="256" r:id="rId2"/>
     <p:sldId id="260" r:id="rId3"/>
     <p:sldId id="262" r:id="rId4"/>
-    <p:sldId id="269" r:id="rId5"/>
-    <p:sldId id="268" r:id="rId6"/>
-    <p:sldId id="266" r:id="rId7"/>
-    <p:sldId id="267" r:id="rId8"/>
+    <p:sldId id="270" r:id="rId5"/>
+    <p:sldId id="271" r:id="rId6"/>
+    <p:sldId id="272" r:id="rId7"/>
+    <p:sldId id="275" r:id="rId8"/>
+    <p:sldId id="273" r:id="rId9"/>
+    <p:sldId id="274" r:id="rId10"/>
+    <p:sldId id="266" r:id="rId11"/>
+    <p:sldId id="267" r:id="rId12"/>
   </p:sldIdLst>
   <p:sldSz cx="12192000" cy="6858000"/>
   <p:notesSz cx="6858000" cy="9144000"/>
@@ -124,7 +128,7 @@
 <file path=ppt/revisionInfo.xml><?xml version="1.0" encoding="utf-8"?>
 <p1510:revInfo xmlns:a="http://schemas.openxmlformats.org/drawingml/2006/main" xmlns:r="http://schemas.openxmlformats.org/officeDocument/2006/relationships" xmlns:p1510="http://schemas.microsoft.com/office/powerpoint/2015/10/main">
   <p1510:revLst>
-    <p1510:client id="{37C6B3A9-C949-4AED-BED5-BBA274FEFC81}" v="1" dt="2018-11-15T08:39:23.135"/>
+    <p1510:client id="{17347822-A3AA-4E09-8D72-9B39D786E58C}" v="199" dt="2018-11-16T13:59:33.594"/>
   </p1510:revLst>
 </p1510:revInfo>
 </file>
@@ -132,9 +136,209 @@
 <file path=ppt/changesInfos/changesInfo1.xml><?xml version="1.0" encoding="utf-8"?>
 <pc:chgInfo xmlns:a="http://schemas.openxmlformats.org/drawingml/2006/main" xmlns:r="http://schemas.openxmlformats.org/officeDocument/2006/relationships" xmlns:ac="http://schemas.microsoft.com/office/drawing/2013/main/command" xmlns:pc="http://schemas.microsoft.com/office/powerpoint/2013/main/command">
   <pc:docChgLst>
+    <pc:chgData name="Eveline Tiekink" userId="6058ae45eb5242b7" providerId="LiveId" clId="{17347822-A3AA-4E09-8D72-9B39D786E58C}"/>
+    <pc:docChg chg="undo custSel mod addSld delSld modSld sldOrd">
+      <pc:chgData name="Eveline Tiekink" userId="6058ae45eb5242b7" providerId="LiveId" clId="{17347822-A3AA-4E09-8D72-9B39D786E58C}" dt="2018-11-16T15:16:01.851" v="525" actId="20577"/>
+      <pc:docMkLst>
+        <pc:docMk/>
+      </pc:docMkLst>
+      <pc:sldChg chg="modSp">
+        <pc:chgData name="Eveline Tiekink" userId="6058ae45eb5242b7" providerId="LiveId" clId="{17347822-A3AA-4E09-8D72-9B39D786E58C}" dt="2018-11-16T15:16:01.851" v="525" actId="20577"/>
+        <pc:sldMkLst>
+          <pc:docMk/>
+          <pc:sldMk cId="2010605495" sldId="256"/>
+        </pc:sldMkLst>
+        <pc:spChg chg="mod">
+          <ac:chgData name="Eveline Tiekink" userId="6058ae45eb5242b7" providerId="LiveId" clId="{17347822-A3AA-4E09-8D72-9B39D786E58C}" dt="2018-11-16T15:16:01.851" v="525" actId="20577"/>
+          <ac:spMkLst>
+            <pc:docMk/>
+            <pc:sldMk cId="2010605495" sldId="256"/>
+            <ac:spMk id="3" creationId="{5CC4032A-E48A-464D-9FA6-FAF2E332B93F}"/>
+          </ac:spMkLst>
+        </pc:spChg>
+      </pc:sldChg>
+      <pc:sldChg chg="modSp">
+        <pc:chgData name="Eveline Tiekink" userId="6058ae45eb5242b7" providerId="LiveId" clId="{17347822-A3AA-4E09-8D72-9B39D786E58C}" dt="2018-11-16T13:31:32.609" v="142" actId="20577"/>
+        <pc:sldMkLst>
+          <pc:docMk/>
+          <pc:sldMk cId="3357264709" sldId="260"/>
+        </pc:sldMkLst>
+        <pc:spChg chg="mod">
+          <ac:chgData name="Eveline Tiekink" userId="6058ae45eb5242b7" providerId="LiveId" clId="{17347822-A3AA-4E09-8D72-9B39D786E58C}" dt="2018-11-16T13:31:32.609" v="142" actId="20577"/>
+          <ac:spMkLst>
+            <pc:docMk/>
+            <pc:sldMk cId="3357264709" sldId="260"/>
+            <ac:spMk id="3" creationId="{EFD33601-E7C0-4701-A19B-17BAB89029EF}"/>
+          </ac:spMkLst>
+        </pc:spChg>
+      </pc:sldChg>
+      <pc:sldChg chg="modSp">
+        <pc:chgData name="Eveline Tiekink" userId="6058ae45eb5242b7" providerId="LiveId" clId="{17347822-A3AA-4E09-8D72-9B39D786E58C}" dt="2018-11-16T13:30:54.158" v="109" actId="20577"/>
+        <pc:sldMkLst>
+          <pc:docMk/>
+          <pc:sldMk cId="1309883284" sldId="266"/>
+        </pc:sldMkLst>
+        <pc:spChg chg="mod">
+          <ac:chgData name="Eveline Tiekink" userId="6058ae45eb5242b7" providerId="LiveId" clId="{17347822-A3AA-4E09-8D72-9B39D786E58C}" dt="2018-11-16T13:30:54.158" v="109" actId="20577"/>
+          <ac:spMkLst>
+            <pc:docMk/>
+            <pc:sldMk cId="1309883284" sldId="266"/>
+            <ac:spMk id="3" creationId="{D4AC6523-359B-4196-8675-576AAB629574}"/>
+          </ac:spMkLst>
+        </pc:spChg>
+      </pc:sldChg>
+      <pc:sldChg chg="modTransition">
+        <pc:chgData name="Eveline Tiekink" userId="6058ae45eb5242b7" providerId="LiveId" clId="{17347822-A3AA-4E09-8D72-9B39D786E58C}" dt="2018-11-16T13:27:49.347" v="22"/>
+        <pc:sldMkLst>
+          <pc:docMk/>
+          <pc:sldMk cId="1512266678" sldId="271"/>
+        </pc:sldMkLst>
+      </pc:sldChg>
+      <pc:sldChg chg="modSp modAnim">
+        <pc:chgData name="Eveline Tiekink" userId="6058ae45eb5242b7" providerId="LiveId" clId="{17347822-A3AA-4E09-8D72-9B39D786E58C}" dt="2018-11-16T13:45:53.023" v="229"/>
+        <pc:sldMkLst>
+          <pc:docMk/>
+          <pc:sldMk cId="512347333" sldId="272"/>
+        </pc:sldMkLst>
+        <pc:spChg chg="mod">
+          <ac:chgData name="Eveline Tiekink" userId="6058ae45eb5242b7" providerId="LiveId" clId="{17347822-A3AA-4E09-8D72-9B39D786E58C}" dt="2018-11-16T13:28:31.098" v="40" actId="20577"/>
+          <ac:spMkLst>
+            <pc:docMk/>
+            <pc:sldMk cId="512347333" sldId="272"/>
+            <ac:spMk id="2" creationId="{E7E760FB-FAAD-470C-868E-18C90A334CEE}"/>
+          </ac:spMkLst>
+        </pc:spChg>
+        <pc:spChg chg="mod">
+          <ac:chgData name="Eveline Tiekink" userId="6058ae45eb5242b7" providerId="LiveId" clId="{17347822-A3AA-4E09-8D72-9B39D786E58C}" dt="2018-11-16T13:45:39.098" v="224" actId="1076"/>
+          <ac:spMkLst>
+            <pc:docMk/>
+            <pc:sldMk cId="512347333" sldId="272"/>
+            <ac:spMk id="3" creationId="{78DB1EAC-5548-47F6-8CF8-7C2EA9106A7B}"/>
+          </ac:spMkLst>
+        </pc:spChg>
+      </pc:sldChg>
+      <pc:sldChg chg="addSp delSp modSp">
+        <pc:chgData name="Eveline Tiekink" userId="6058ae45eb5242b7" providerId="LiveId" clId="{17347822-A3AA-4E09-8D72-9B39D786E58C}" dt="2018-11-16T14:17:34.900" v="522" actId="20577"/>
+        <pc:sldMkLst>
+          <pc:docMk/>
+          <pc:sldMk cId="2419183952" sldId="273"/>
+        </pc:sldMkLst>
+        <pc:spChg chg="mod">
+          <ac:chgData name="Eveline Tiekink" userId="6058ae45eb5242b7" providerId="LiveId" clId="{17347822-A3AA-4E09-8D72-9B39D786E58C}" dt="2018-11-16T13:29:53.779" v="84" actId="20577"/>
+          <ac:spMkLst>
+            <pc:docMk/>
+            <pc:sldMk cId="2419183952" sldId="273"/>
+            <ac:spMk id="2" creationId="{720D3B42-B582-444A-9BE0-9AF7B03FB834}"/>
+          </ac:spMkLst>
+        </pc:spChg>
+        <pc:spChg chg="add mod">
+          <ac:chgData name="Eveline Tiekink" userId="6058ae45eb5242b7" providerId="LiveId" clId="{17347822-A3AA-4E09-8D72-9B39D786E58C}" dt="2018-11-16T14:17:34.900" v="522" actId="20577"/>
+          <ac:spMkLst>
+            <pc:docMk/>
+            <pc:sldMk cId="2419183952" sldId="273"/>
+            <ac:spMk id="4" creationId="{F4CA8750-D6F8-47D5-BFE7-238DBF9FB3A1}"/>
+          </ac:spMkLst>
+        </pc:spChg>
+        <pc:spChg chg="mod">
+          <ac:chgData name="Eveline Tiekink" userId="6058ae45eb5242b7" providerId="LiveId" clId="{17347822-A3AA-4E09-8D72-9B39D786E58C}" dt="2018-11-16T13:50:30.740" v="494"/>
+          <ac:spMkLst>
+            <pc:docMk/>
+            <pc:sldMk cId="2419183952" sldId="273"/>
+            <ac:spMk id="11" creationId="{DAB3D4E9-2485-40A8-AE5E-1D7338D5C40E}"/>
+          </ac:spMkLst>
+        </pc:spChg>
+        <pc:picChg chg="del">
+          <ac:chgData name="Eveline Tiekink" userId="6058ae45eb5242b7" providerId="LiveId" clId="{17347822-A3AA-4E09-8D72-9B39D786E58C}" dt="2018-11-16T13:46:06.197" v="230" actId="478"/>
+          <ac:picMkLst>
+            <pc:docMk/>
+            <pc:sldMk cId="2419183952" sldId="273"/>
+            <ac:picMk id="5" creationId="{88F7898B-EAD0-42D5-A6C8-1576C3B5D808}"/>
+          </ac:picMkLst>
+        </pc:picChg>
+      </pc:sldChg>
+      <pc:sldChg chg="modSp">
+        <pc:chgData name="Eveline Tiekink" userId="6058ae45eb5242b7" providerId="LiveId" clId="{17347822-A3AA-4E09-8D72-9B39D786E58C}" dt="2018-11-16T13:49:57.661" v="493" actId="20577"/>
+        <pc:sldMkLst>
+          <pc:docMk/>
+          <pc:sldMk cId="2087692485" sldId="274"/>
+        </pc:sldMkLst>
+        <pc:spChg chg="mod">
+          <ac:chgData name="Eveline Tiekink" userId="6058ae45eb5242b7" providerId="LiveId" clId="{17347822-A3AA-4E09-8D72-9B39D786E58C}" dt="2018-11-16T13:30:41.320" v="88" actId="20577"/>
+          <ac:spMkLst>
+            <pc:docMk/>
+            <pc:sldMk cId="2087692485" sldId="274"/>
+            <ac:spMk id="2" creationId="{EE923E43-3BDA-403D-9D51-EAB2F8DE15EB}"/>
+          </ac:spMkLst>
+        </pc:spChg>
+        <pc:spChg chg="mod">
+          <ac:chgData name="Eveline Tiekink" userId="6058ae45eb5242b7" providerId="LiveId" clId="{17347822-A3AA-4E09-8D72-9B39D786E58C}" dt="2018-11-16T13:49:57.661" v="493" actId="20577"/>
+          <ac:spMkLst>
+            <pc:docMk/>
+            <pc:sldMk cId="2087692485" sldId="274"/>
+            <ac:spMk id="3" creationId="{082F8E5A-26F2-49DD-9A4C-3FD8820D0EDD}"/>
+          </ac:spMkLst>
+        </pc:spChg>
+      </pc:sldChg>
+      <pc:sldChg chg="addSp delSp modSp add mod setBg">
+        <pc:chgData name="Eveline Tiekink" userId="6058ae45eb5242b7" providerId="LiveId" clId="{17347822-A3AA-4E09-8D72-9B39D786E58C}" dt="2018-11-16T14:00:09.164" v="508" actId="26606"/>
+        <pc:sldMkLst>
+          <pc:docMk/>
+          <pc:sldMk cId="439447985" sldId="275"/>
+        </pc:sldMkLst>
+        <pc:spChg chg="mod">
+          <ac:chgData name="Eveline Tiekink" userId="6058ae45eb5242b7" providerId="LiveId" clId="{17347822-A3AA-4E09-8D72-9B39D786E58C}" dt="2018-11-16T14:00:09.164" v="508" actId="26606"/>
+          <ac:spMkLst>
+            <pc:docMk/>
+            <pc:sldMk cId="439447985" sldId="275"/>
+            <ac:spMk id="2" creationId="{19521285-8621-400A-8640-0B6C43FD0B15}"/>
+          </ac:spMkLst>
+        </pc:spChg>
+        <pc:spChg chg="del">
+          <ac:chgData name="Eveline Tiekink" userId="6058ae45eb5242b7" providerId="LiveId" clId="{17347822-A3AA-4E09-8D72-9B39D786E58C}" dt="2018-11-16T13:59:33.593" v="498"/>
+          <ac:spMkLst>
+            <pc:docMk/>
+            <pc:sldMk cId="439447985" sldId="275"/>
+            <ac:spMk id="3" creationId="{29F5BF62-686C-4DF8-854F-A709A09C8C8D}"/>
+          </ac:spMkLst>
+        </pc:spChg>
+        <pc:grpChg chg="add del">
+          <ac:chgData name="Eveline Tiekink" userId="6058ae45eb5242b7" providerId="LiveId" clId="{17347822-A3AA-4E09-8D72-9B39D786E58C}" dt="2018-11-16T14:00:09.164" v="508" actId="26606"/>
+          <ac:grpSpMkLst>
+            <pc:docMk/>
+            <pc:sldMk cId="439447985" sldId="275"/>
+            <ac:grpSpMk id="9" creationId="{E09B7E24-271E-4A3A-9D65-EE95ED9723D3}"/>
+          </ac:grpSpMkLst>
+        </pc:grpChg>
+        <pc:picChg chg="add mod modCrop">
+          <ac:chgData name="Eveline Tiekink" userId="6058ae45eb5242b7" providerId="LiveId" clId="{17347822-A3AA-4E09-8D72-9B39D786E58C}" dt="2018-11-16T14:00:09.164" v="508" actId="26606"/>
+          <ac:picMkLst>
+            <pc:docMk/>
+            <pc:sldMk cId="439447985" sldId="275"/>
+            <ac:picMk id="4" creationId="{A5A0F3A1-3DC6-4E91-A320-2B8F1A4F8D32}"/>
+          </ac:picMkLst>
+        </pc:picChg>
+      </pc:sldChg>
+      <pc:sldChg chg="modSp add del ord">
+        <pc:chgData name="Eveline Tiekink" userId="6058ae45eb5242b7" providerId="LiveId" clId="{17347822-A3AA-4E09-8D72-9B39D786E58C}" dt="2018-11-16T13:48:12.400" v="316" actId="2696"/>
+        <pc:sldMkLst>
+          <pc:docMk/>
+          <pc:sldMk cId="1795031200" sldId="275"/>
+        </pc:sldMkLst>
+        <pc:spChg chg="mod">
+          <ac:chgData name="Eveline Tiekink" userId="6058ae45eb5242b7" providerId="LiveId" clId="{17347822-A3AA-4E09-8D72-9B39D786E58C}" dt="2018-11-16T13:27:20.275" v="20" actId="313"/>
+          <ac:spMkLst>
+            <pc:docMk/>
+            <pc:sldMk cId="1795031200" sldId="275"/>
+            <ac:spMk id="2" creationId="{E0271109-D315-4573-8183-607FCD3C6BA5}"/>
+          </ac:spMkLst>
+        </pc:spChg>
+      </pc:sldChg>
+    </pc:docChg>
+  </pc:docChgLst>
+  <pc:docChgLst>
     <pc:chgData name="Eveline Tiekink" userId="6058ae45eb5242b7" providerId="LiveId" clId="{0B75A35C-8182-43AF-803E-BA2F44FFB750}"/>
-    <pc:docChg chg="undo custSel addSld delSld modSld sldOrd">
-      <pc:chgData name="Eveline Tiekink" userId="6058ae45eb5242b7" providerId="LiveId" clId="{0B75A35C-8182-43AF-803E-BA2F44FFB750}" dt="2018-11-09T09:02:32.520" v="152" actId="20577"/>
+    <pc:docChg chg="undo custSel mod addSld delSld modSld sldOrd">
+      <pc:chgData name="Eveline Tiekink" userId="6058ae45eb5242b7" providerId="LiveId" clId="{0B75A35C-8182-43AF-803E-BA2F44FFB750}" dt="2018-11-09T15:03:18.685" v="1435" actId="20577"/>
       <pc:docMkLst>
         <pc:docMk/>
       </pc:docMkLst>
@@ -154,13 +358,13 @@
         </pc:spChg>
       </pc:sldChg>
       <pc:sldChg chg="modSp">
-        <pc:chgData name="Eveline Tiekink" userId="6058ae45eb5242b7" providerId="LiveId" clId="{0B75A35C-8182-43AF-803E-BA2F44FFB750}" dt="2018-11-09T08:56:28.007" v="54" actId="20577"/>
+        <pc:chgData name="Eveline Tiekink" userId="6058ae45eb5242b7" providerId="LiveId" clId="{0B75A35C-8182-43AF-803E-BA2F44FFB750}" dt="2018-11-09T13:39:22.702" v="1288" actId="20577"/>
         <pc:sldMkLst>
           <pc:docMk/>
           <pc:sldMk cId="3357264709" sldId="260"/>
         </pc:sldMkLst>
         <pc:spChg chg="mod">
-          <ac:chgData name="Eveline Tiekink" userId="6058ae45eb5242b7" providerId="LiveId" clId="{0B75A35C-8182-43AF-803E-BA2F44FFB750}" dt="2018-11-09T08:56:28.007" v="54" actId="20577"/>
+          <ac:chgData name="Eveline Tiekink" userId="6058ae45eb5242b7" providerId="LiveId" clId="{0B75A35C-8182-43AF-803E-BA2F44FFB750}" dt="2018-11-09T13:39:22.702" v="1288" actId="20577"/>
           <ac:spMkLst>
             <pc:docMk/>
             <pc:sldMk cId="3357264709" sldId="260"/>
@@ -169,13 +373,13 @@
         </pc:spChg>
       </pc:sldChg>
       <pc:sldChg chg="modSp">
-        <pc:chgData name="Eveline Tiekink" userId="6058ae45eb5242b7" providerId="LiveId" clId="{0B75A35C-8182-43AF-803E-BA2F44FFB750}" dt="2018-11-09T09:00:19.679" v="120" actId="20577"/>
+        <pc:chgData name="Eveline Tiekink" userId="6058ae45eb5242b7" providerId="LiveId" clId="{0B75A35C-8182-43AF-803E-BA2F44FFB750}" dt="2018-11-09T13:48:58.638" v="1357" actId="20577"/>
         <pc:sldMkLst>
           <pc:docMk/>
           <pc:sldMk cId="2885689349" sldId="262"/>
         </pc:sldMkLst>
         <pc:spChg chg="mod">
-          <ac:chgData name="Eveline Tiekink" userId="6058ae45eb5242b7" providerId="LiveId" clId="{0B75A35C-8182-43AF-803E-BA2F44FFB750}" dt="2018-11-09T09:00:19.679" v="120" actId="20577"/>
+          <ac:chgData name="Eveline Tiekink" userId="6058ae45eb5242b7" providerId="LiveId" clId="{0B75A35C-8182-43AF-803E-BA2F44FFB750}" dt="2018-11-09T13:48:58.638" v="1357" actId="20577"/>
           <ac:spMkLst>
             <pc:docMk/>
             <pc:sldMk cId="2885689349" sldId="262"/>
@@ -184,13 +388,13 @@
         </pc:spChg>
       </pc:sldChg>
       <pc:sldChg chg="modSp">
-        <pc:chgData name="Eveline Tiekink" userId="6058ae45eb5242b7" providerId="LiveId" clId="{0B75A35C-8182-43AF-803E-BA2F44FFB750}" dt="2018-11-09T09:02:32.520" v="152" actId="20577"/>
+        <pc:chgData name="Eveline Tiekink" userId="6058ae45eb5242b7" providerId="LiveId" clId="{0B75A35C-8182-43AF-803E-BA2F44FFB750}" dt="2018-11-09T13:56:28.008" v="1384" actId="20577"/>
         <pc:sldMkLst>
           <pc:docMk/>
           <pc:sldMk cId="1309883284" sldId="266"/>
         </pc:sldMkLst>
         <pc:spChg chg="mod">
-          <ac:chgData name="Eveline Tiekink" userId="6058ae45eb5242b7" providerId="LiveId" clId="{0B75A35C-8182-43AF-803E-BA2F44FFB750}" dt="2018-11-09T09:02:32.520" v="152" actId="20577"/>
+          <ac:chgData name="Eveline Tiekink" userId="6058ae45eb5242b7" providerId="LiveId" clId="{0B75A35C-8182-43AF-803E-BA2F44FFB750}" dt="2018-11-09T13:56:28.008" v="1384" actId="20577"/>
           <ac:spMkLst>
             <pc:docMk/>
             <pc:sldMk cId="1309883284" sldId="266"/>
@@ -198,51 +402,279 @@
           </ac:spMkLst>
         </pc:spChg>
       </pc:sldChg>
-      <pc:sldChg chg="modAnim">
-        <pc:chgData name="Eveline Tiekink" userId="6058ae45eb5242b7" providerId="LiveId" clId="{0B75A35C-8182-43AF-803E-BA2F44FFB750}" dt="2018-11-09T09:01:50.254" v="130"/>
+      <pc:sldChg chg="modAnim modNotesTx">
+        <pc:chgData name="Eveline Tiekink" userId="6058ae45eb5242b7" providerId="LiveId" clId="{0B75A35C-8182-43AF-803E-BA2F44FFB750}" dt="2018-11-09T15:03:18.685" v="1435" actId="20577"/>
         <pc:sldMkLst>
           <pc:docMk/>
           <pc:sldMk cId="2013438566" sldId="267"/>
         </pc:sldMkLst>
       </pc:sldChg>
-      <pc:sldChg chg="modSp ord">
-        <pc:chgData name="Eveline Tiekink" userId="6058ae45eb5242b7" providerId="LiveId" clId="{0B75A35C-8182-43AF-803E-BA2F44FFB750}" dt="2018-11-09T08:58:02.315" v="76" actId="20577"/>
+      <pc:sldChg chg="addSp delSp modSp add modAnim">
+        <pc:chgData name="Eveline Tiekink" userId="6058ae45eb5242b7" providerId="LiveId" clId="{0B75A35C-8182-43AF-803E-BA2F44FFB750}" dt="2018-11-09T13:47:34.919" v="1338"/>
         <pc:sldMkLst>
           <pc:docMk/>
-          <pc:sldMk cId="1159434009" sldId="269"/>
+          <pc:sldMk cId="1402981865" sldId="270"/>
         </pc:sldMkLst>
         <pc:spChg chg="mod">
-          <ac:chgData name="Eveline Tiekink" userId="6058ae45eb5242b7" providerId="LiveId" clId="{0B75A35C-8182-43AF-803E-BA2F44FFB750}" dt="2018-11-09T08:58:02.315" v="76" actId="20577"/>
+          <ac:chgData name="Eveline Tiekink" userId="6058ae45eb5242b7" providerId="LiveId" clId="{0B75A35C-8182-43AF-803E-BA2F44FFB750}" dt="2018-11-09T12:50:35.792" v="225" actId="20577"/>
           <ac:spMkLst>
             <pc:docMk/>
-            <pc:sldMk cId="1159434009" sldId="269"/>
-            <ac:spMk id="2" creationId="{82AD9D86-1786-490A-B56D-E842D513B872}"/>
+            <pc:sldMk cId="1402981865" sldId="270"/>
+            <ac:spMk id="2" creationId="{1A7E11E6-A131-4C80-89C8-0F80745243EA}"/>
           </ac:spMkLst>
         </pc:spChg>
+        <pc:spChg chg="mod">
+          <ac:chgData name="Eveline Tiekink" userId="6058ae45eb5242b7" providerId="LiveId" clId="{0B75A35C-8182-43AF-803E-BA2F44FFB750}" dt="2018-11-09T13:11:05.825" v="776" actId="20577"/>
+          <ac:spMkLst>
+            <pc:docMk/>
+            <pc:sldMk cId="1402981865" sldId="270"/>
+            <ac:spMk id="3" creationId="{73F00F81-1FA2-4CBC-BA87-E81EADFD710D}"/>
+          </ac:spMkLst>
+        </pc:spChg>
+        <pc:picChg chg="add del mod">
+          <ac:chgData name="Eveline Tiekink" userId="6058ae45eb5242b7" providerId="LiveId" clId="{0B75A35C-8182-43AF-803E-BA2F44FFB750}" dt="2018-11-09T13:04:03.696" v="535" actId="478"/>
+          <ac:picMkLst>
+            <pc:docMk/>
+            <pc:sldMk cId="1402981865" sldId="270"/>
+            <ac:picMk id="4" creationId="{06C7B50E-D3C6-4329-9678-244EFC4497BD}"/>
+          </ac:picMkLst>
+        </pc:picChg>
       </pc:sldChg>
-    </pc:docChg>
-  </pc:docChgLst>
-  <pc:docChgLst>
-    <pc:chgData name="Eveline Tiekink" userId="6058ae45eb5242b7" providerId="LiveId" clId="{37C6B3A9-C949-4AED-BED5-BBA274FEFC81}"/>
-    <pc:docChg chg="modSld">
-      <pc:chgData name="Eveline Tiekink" userId="6058ae45eb5242b7" providerId="LiveId" clId="{37C6B3A9-C949-4AED-BED5-BBA274FEFC81}" dt="2018-11-15T08:39:27.649" v="1" actId="1076"/>
-      <pc:docMkLst>
-        <pc:docMk/>
-      </pc:docMkLst>
-      <pc:sldChg chg="addSp modSp modAnim">
-        <pc:chgData name="Eveline Tiekink" userId="6058ae45eb5242b7" providerId="LiveId" clId="{37C6B3A9-C949-4AED-BED5-BBA274FEFC81}" dt="2018-11-15T08:39:27.649" v="1" actId="1076"/>
+      <pc:sldChg chg="addSp delSp modSp add">
+        <pc:chgData name="Eveline Tiekink" userId="6058ae45eb5242b7" providerId="LiveId" clId="{0B75A35C-8182-43AF-803E-BA2F44FFB750}" dt="2018-11-09T13:10:19.441" v="731" actId="20577"/>
         <pc:sldMkLst>
           <pc:docMk/>
-          <pc:sldMk cId="2013438566" sldId="267"/>
+          <pc:sldMk cId="1512266678" sldId="271"/>
         </pc:sldMkLst>
+        <pc:spChg chg="mod">
+          <ac:chgData name="Eveline Tiekink" userId="6058ae45eb5242b7" providerId="LiveId" clId="{0B75A35C-8182-43AF-803E-BA2F44FFB750}" dt="2018-11-09T13:06:02.318" v="652"/>
+          <ac:spMkLst>
+            <pc:docMk/>
+            <pc:sldMk cId="1512266678" sldId="271"/>
+            <ac:spMk id="2" creationId="{943144D0-897A-4AA8-B059-E1E0154457B3}"/>
+          </ac:spMkLst>
+        </pc:spChg>
+        <pc:spChg chg="mod">
+          <ac:chgData name="Eveline Tiekink" userId="6058ae45eb5242b7" providerId="LiveId" clId="{0B75A35C-8182-43AF-803E-BA2F44FFB750}" dt="2018-11-09T13:10:19.441" v="731" actId="20577"/>
+          <ac:spMkLst>
+            <pc:docMk/>
+            <pc:sldMk cId="1512266678" sldId="271"/>
+            <ac:spMk id="3" creationId="{7042BEE0-95CD-4090-8698-41DD4AFCB6C6}"/>
+          </ac:spMkLst>
+        </pc:spChg>
+        <pc:spChg chg="add del mod">
+          <ac:chgData name="Eveline Tiekink" userId="6058ae45eb5242b7" providerId="LiveId" clId="{0B75A35C-8182-43AF-803E-BA2F44FFB750}" dt="2018-11-09T13:07:28.012" v="683" actId="478"/>
+          <ac:spMkLst>
+            <pc:docMk/>
+            <pc:sldMk cId="1512266678" sldId="271"/>
+            <ac:spMk id="4" creationId="{F06C1F9C-5185-40D5-ACA7-A297DBE7B56C}"/>
+          </ac:spMkLst>
+        </pc:spChg>
         <pc:picChg chg="add mod">
-          <ac:chgData name="Eveline Tiekink" userId="6058ae45eb5242b7" providerId="LiveId" clId="{37C6B3A9-C949-4AED-BED5-BBA274FEFC81}" dt="2018-11-15T08:39:27.649" v="1" actId="1076"/>
+          <ac:chgData name="Eveline Tiekink" userId="6058ae45eb5242b7" providerId="LiveId" clId="{0B75A35C-8182-43AF-803E-BA2F44FFB750}" dt="2018-11-09T13:07:38.863" v="686" actId="1076"/>
           <ac:picMkLst>
             <pc:docMk/>
-            <pc:sldMk cId="2013438566" sldId="267"/>
-            <ac:picMk id="3" creationId="{C6BDCE62-EDDE-45E3-8A1F-7AB6A315D9CF}"/>
+            <pc:sldMk cId="1512266678" sldId="271"/>
+            <ac:picMk id="5" creationId="{62A67B38-DB78-42A5-AB97-D4451FA11AD6}"/>
           </ac:picMkLst>
         </pc:picChg>
+      </pc:sldChg>
+      <pc:sldChg chg="addSp modSp add mod setBg">
+        <pc:chgData name="Eveline Tiekink" userId="6058ae45eb5242b7" providerId="LiveId" clId="{0B75A35C-8182-43AF-803E-BA2F44FFB750}" dt="2018-11-09T13:14:22.509" v="946" actId="20577"/>
+        <pc:sldMkLst>
+          <pc:docMk/>
+          <pc:sldMk cId="512347333" sldId="272"/>
+        </pc:sldMkLst>
+        <pc:spChg chg="mod">
+          <ac:chgData name="Eveline Tiekink" userId="6058ae45eb5242b7" providerId="LiveId" clId="{0B75A35C-8182-43AF-803E-BA2F44FFB750}" dt="2018-11-09T13:14:22.509" v="946" actId="20577"/>
+          <ac:spMkLst>
+            <pc:docMk/>
+            <pc:sldMk cId="512347333" sldId="272"/>
+            <ac:spMk id="2" creationId="{E7E760FB-FAAD-470C-868E-18C90A334CEE}"/>
+          </ac:spMkLst>
+        </pc:spChg>
+        <pc:spChg chg="mod">
+          <ac:chgData name="Eveline Tiekink" userId="6058ae45eb5242b7" providerId="LiveId" clId="{0B75A35C-8182-43AF-803E-BA2F44FFB750}" dt="2018-11-09T13:13:51.828" v="942" actId="26606"/>
+          <ac:spMkLst>
+            <pc:docMk/>
+            <pc:sldMk cId="512347333" sldId="272"/>
+            <ac:spMk id="3" creationId="{78DB1EAC-5548-47F6-8CF8-7C2EA9106A7B}"/>
+          </ac:spMkLst>
+        </pc:spChg>
+        <pc:spChg chg="add">
+          <ac:chgData name="Eveline Tiekink" userId="6058ae45eb5242b7" providerId="LiveId" clId="{0B75A35C-8182-43AF-803E-BA2F44FFB750}" dt="2018-11-09T13:13:51.828" v="942" actId="26606"/>
+          <ac:spMkLst>
+            <pc:docMk/>
+            <pc:sldMk cId="512347333" sldId="272"/>
+            <ac:spMk id="14" creationId="{3F088236-D655-4F88-B238-E16762358025}"/>
+          </ac:spMkLst>
+        </pc:spChg>
+        <pc:spChg chg="add">
+          <ac:chgData name="Eveline Tiekink" userId="6058ae45eb5242b7" providerId="LiveId" clId="{0B75A35C-8182-43AF-803E-BA2F44FFB750}" dt="2018-11-09T13:13:51.828" v="942" actId="26606"/>
+          <ac:spMkLst>
+            <pc:docMk/>
+            <pc:sldMk cId="512347333" sldId="272"/>
+            <ac:spMk id="16" creationId="{3DAC0C92-199E-475C-9390-119A9B027276}"/>
+          </ac:spMkLst>
+        </pc:spChg>
+        <pc:spChg chg="add">
+          <ac:chgData name="Eveline Tiekink" userId="6058ae45eb5242b7" providerId="LiveId" clId="{0B75A35C-8182-43AF-803E-BA2F44FFB750}" dt="2018-11-09T13:13:51.828" v="942" actId="26606"/>
+          <ac:spMkLst>
+            <pc:docMk/>
+            <pc:sldMk cId="512347333" sldId="272"/>
+            <ac:spMk id="18" creationId="{C4CFB339-0ED8-4FE2-9EF1-6D1375B8499B}"/>
+          </ac:spMkLst>
+        </pc:spChg>
+        <pc:spChg chg="add">
+          <ac:chgData name="Eveline Tiekink" userId="6058ae45eb5242b7" providerId="LiveId" clId="{0B75A35C-8182-43AF-803E-BA2F44FFB750}" dt="2018-11-09T13:13:51.828" v="942" actId="26606"/>
+          <ac:spMkLst>
+            <pc:docMk/>
+            <pc:sldMk cId="512347333" sldId="272"/>
+            <ac:spMk id="20" creationId="{31896C80-2069-4431-9C19-83B913734490}"/>
+          </ac:spMkLst>
+        </pc:spChg>
+        <pc:spChg chg="add">
+          <ac:chgData name="Eveline Tiekink" userId="6058ae45eb5242b7" providerId="LiveId" clId="{0B75A35C-8182-43AF-803E-BA2F44FFB750}" dt="2018-11-09T13:13:51.828" v="942" actId="26606"/>
+          <ac:spMkLst>
+            <pc:docMk/>
+            <pc:sldMk cId="512347333" sldId="272"/>
+            <ac:spMk id="22" creationId="{BF120A21-0841-4823-B0C4-28AEBCEF9B78}"/>
+          </ac:spMkLst>
+        </pc:spChg>
+        <pc:spChg chg="add">
+          <ac:chgData name="Eveline Tiekink" userId="6058ae45eb5242b7" providerId="LiveId" clId="{0B75A35C-8182-43AF-803E-BA2F44FFB750}" dt="2018-11-09T13:13:51.828" v="942" actId="26606"/>
+          <ac:spMkLst>
+            <pc:docMk/>
+            <pc:sldMk cId="512347333" sldId="272"/>
+            <ac:spMk id="24" creationId="{DBB05BAE-BBD3-4289-899F-A6851503C6B0}"/>
+          </ac:spMkLst>
+        </pc:spChg>
+        <pc:spChg chg="add">
+          <ac:chgData name="Eveline Tiekink" userId="6058ae45eb5242b7" providerId="LiveId" clId="{0B75A35C-8182-43AF-803E-BA2F44FFB750}" dt="2018-11-09T13:13:51.828" v="942" actId="26606"/>
+          <ac:spMkLst>
+            <pc:docMk/>
+            <pc:sldMk cId="512347333" sldId="272"/>
+            <ac:spMk id="26" creationId="{9874D11C-36F5-4BBE-A490-019A54E953B0}"/>
+          </ac:spMkLst>
+        </pc:spChg>
+        <pc:picChg chg="add mod ord">
+          <ac:chgData name="Eveline Tiekink" userId="6058ae45eb5242b7" providerId="LiveId" clId="{0B75A35C-8182-43AF-803E-BA2F44FFB750}" dt="2018-11-09T13:14:03.306" v="943" actId="166"/>
+          <ac:picMkLst>
+            <pc:docMk/>
+            <pc:sldMk cId="512347333" sldId="272"/>
+            <ac:picMk id="5" creationId="{BC74A977-092E-488F-9CCD-8B954ECAB986}"/>
+          </ac:picMkLst>
+        </pc:picChg>
+        <pc:cxnChg chg="add">
+          <ac:chgData name="Eveline Tiekink" userId="6058ae45eb5242b7" providerId="LiveId" clId="{0B75A35C-8182-43AF-803E-BA2F44FFB750}" dt="2018-11-09T13:13:51.828" v="942" actId="26606"/>
+          <ac:cxnSpMkLst>
+            <pc:docMk/>
+            <pc:sldMk cId="512347333" sldId="272"/>
+            <ac:cxnSpMk id="10" creationId="{64FA5DFF-7FE6-4855-84E6-DFA78EE978BD}"/>
+          </ac:cxnSpMkLst>
+        </pc:cxnChg>
+        <pc:cxnChg chg="add">
+          <ac:chgData name="Eveline Tiekink" userId="6058ae45eb5242b7" providerId="LiveId" clId="{0B75A35C-8182-43AF-803E-BA2F44FFB750}" dt="2018-11-09T13:13:51.828" v="942" actId="26606"/>
+          <ac:cxnSpMkLst>
+            <pc:docMk/>
+            <pc:sldMk cId="512347333" sldId="272"/>
+            <ac:cxnSpMk id="12" creationId="{2AFD8CBA-54A3-4363-991B-B9C631BBFA74}"/>
+          </ac:cxnSpMkLst>
+        </pc:cxnChg>
+      </pc:sldChg>
+      <pc:sldChg chg="addSp delSp modSp add mod setBg">
+        <pc:chgData name="Eveline Tiekink" userId="6058ae45eb5242b7" providerId="LiveId" clId="{0B75A35C-8182-43AF-803E-BA2F44FFB750}" dt="2018-11-09T13:32:04.763" v="1030" actId="20577"/>
+        <pc:sldMkLst>
+          <pc:docMk/>
+          <pc:sldMk cId="2419183952" sldId="273"/>
+        </pc:sldMkLst>
+        <pc:spChg chg="mod">
+          <ac:chgData name="Eveline Tiekink" userId="6058ae45eb5242b7" providerId="LiveId" clId="{0B75A35C-8182-43AF-803E-BA2F44FFB750}" dt="2018-11-09T13:29:37.009" v="956" actId="26606"/>
+          <ac:spMkLst>
+            <pc:docMk/>
+            <pc:sldMk cId="2419183952" sldId="273"/>
+            <ac:spMk id="2" creationId="{720D3B42-B582-444A-9BE0-9AF7B03FB834}"/>
+          </ac:spMkLst>
+        </pc:spChg>
+        <pc:spChg chg="del">
+          <ac:chgData name="Eveline Tiekink" userId="6058ae45eb5242b7" providerId="LiveId" clId="{0B75A35C-8182-43AF-803E-BA2F44FFB750}" dt="2018-11-09T13:29:08.166" v="949" actId="931"/>
+          <ac:spMkLst>
+            <pc:docMk/>
+            <pc:sldMk cId="2419183952" sldId="273"/>
+            <ac:spMk id="3" creationId="{3D81F698-66B4-4345-BF3D-66A0471E8277}"/>
+          </ac:spMkLst>
+        </pc:spChg>
+        <pc:spChg chg="add del mod">
+          <ac:chgData name="Eveline Tiekink" userId="6058ae45eb5242b7" providerId="LiveId" clId="{0B75A35C-8182-43AF-803E-BA2F44FFB750}" dt="2018-11-09T13:30:19.725" v="962"/>
+          <ac:spMkLst>
+            <pc:docMk/>
+            <pc:sldMk cId="2419183952" sldId="273"/>
+            <ac:spMk id="6" creationId="{FA76A423-BE98-404D-8F93-D5041F3468D0}"/>
+          </ac:spMkLst>
+        </pc:spChg>
+        <pc:spChg chg="add del mod">
+          <ac:chgData name="Eveline Tiekink" userId="6058ae45eb5242b7" providerId="LiveId" clId="{0B75A35C-8182-43AF-803E-BA2F44FFB750}" dt="2018-11-09T13:31:18.972" v="975" actId="478"/>
+          <ac:spMkLst>
+            <pc:docMk/>
+            <pc:sldMk cId="2419183952" sldId="273"/>
+            <ac:spMk id="7" creationId="{016D0639-4518-4158-A619-7E72B2F00390}"/>
+          </ac:spMkLst>
+        </pc:spChg>
+        <pc:spChg chg="add del">
+          <ac:chgData name="Eveline Tiekink" userId="6058ae45eb5242b7" providerId="LiveId" clId="{0B75A35C-8182-43AF-803E-BA2F44FFB750}" dt="2018-11-09T13:29:37.009" v="956" actId="26606"/>
+          <ac:spMkLst>
+            <pc:docMk/>
+            <pc:sldMk cId="2419183952" sldId="273"/>
+            <ac:spMk id="10" creationId="{77693FEB-3072-4FBA-88A4-7A930DD0CA56}"/>
+          </ac:spMkLst>
+        </pc:spChg>
+        <pc:spChg chg="add mod">
+          <ac:chgData name="Eveline Tiekink" userId="6058ae45eb5242b7" providerId="LiveId" clId="{0B75A35C-8182-43AF-803E-BA2F44FFB750}" dt="2018-11-09T13:32:04.763" v="1030" actId="20577"/>
+          <ac:spMkLst>
+            <pc:docMk/>
+            <pc:sldMk cId="2419183952" sldId="273"/>
+            <ac:spMk id="11" creationId="{DAB3D4E9-2485-40A8-AE5E-1D7338D5C40E}"/>
+          </ac:spMkLst>
+        </pc:spChg>
+        <pc:picChg chg="add del mod">
+          <ac:chgData name="Eveline Tiekink" userId="6058ae45eb5242b7" providerId="LiveId" clId="{0B75A35C-8182-43AF-803E-BA2F44FFB750}" dt="2018-11-09T13:30:07.841" v="957" actId="1076"/>
+          <ac:picMkLst>
+            <pc:docMk/>
+            <pc:sldMk cId="2419183952" sldId="273"/>
+            <ac:picMk id="5" creationId="{88F7898B-EAD0-42D5-A6C8-1576C3B5D808}"/>
+          </ac:picMkLst>
+        </pc:picChg>
+        <pc:picChg chg="add del">
+          <ac:chgData name="Eveline Tiekink" userId="6058ae45eb5242b7" providerId="LiveId" clId="{0B75A35C-8182-43AF-803E-BA2F44FFB750}" dt="2018-11-09T13:29:37.009" v="956" actId="26606"/>
+          <ac:picMkLst>
+            <pc:docMk/>
+            <pc:sldMk cId="2419183952" sldId="273"/>
+            <ac:picMk id="8" creationId="{88F7898B-EAD0-42D5-A6C8-1576C3B5D808}"/>
+          </ac:picMkLst>
+        </pc:picChg>
+      </pc:sldChg>
+      <pc:sldChg chg="modSp add">
+        <pc:chgData name="Eveline Tiekink" userId="6058ae45eb5242b7" providerId="LiveId" clId="{0B75A35C-8182-43AF-803E-BA2F44FFB750}" dt="2018-11-09T13:39:15.290" v="1286" actId="20577"/>
+        <pc:sldMkLst>
+          <pc:docMk/>
+          <pc:sldMk cId="2087692485" sldId="274"/>
+        </pc:sldMkLst>
+        <pc:spChg chg="mod">
+          <ac:chgData name="Eveline Tiekink" userId="6058ae45eb5242b7" providerId="LiveId" clId="{0B75A35C-8182-43AF-803E-BA2F44FFB750}" dt="2018-11-09T13:39:15.290" v="1286" actId="20577"/>
+          <ac:spMkLst>
+            <pc:docMk/>
+            <pc:sldMk cId="2087692485" sldId="274"/>
+            <ac:spMk id="2" creationId="{EE923E43-3BDA-403D-9D51-EAB2F8DE15EB}"/>
+          </ac:spMkLst>
+        </pc:spChg>
+        <pc:spChg chg="mod">
+          <ac:chgData name="Eveline Tiekink" userId="6058ae45eb5242b7" providerId="LiveId" clId="{0B75A35C-8182-43AF-803E-BA2F44FFB750}" dt="2018-11-09T13:38:00.632" v="1218" actId="20577"/>
+          <ac:spMkLst>
+            <pc:docMk/>
+            <pc:sldMk cId="2087692485" sldId="274"/>
+            <ac:spMk id="3" creationId="{082F8E5A-26F2-49DD-9A4C-3FD8820D0EDD}"/>
+          </ac:spMkLst>
+        </pc:spChg>
       </pc:sldChg>
     </pc:docChg>
   </pc:docChgLst>
@@ -331,7 +763,7 @@
           <a:p>
             <a:fld id="{6E4CFFD8-571C-48B2-909E-9B5FE253D121}" type="datetimeFigureOut">
               <a:rPr lang="nl-NL" smtClean="0"/>
-              <a:t>15-11-2018</a:t>
+              <a:t>16-11-2018</a:t>
             </a:fld>
             <a:endParaRPr lang="nl-NL"/>
           </a:p>
@@ -642,7 +1074,10 @@
           <a:bodyPr/>
           <a:lstStyle/>
           <a:p>
-            <a:endParaRPr lang="nl-NL" dirty="0"/>
+            <a:r>
+              <a:rPr lang="nl-NL" dirty="0"/>
+              <a:t>Kerstmuziek!!!!!!!!!!!!!!!!!!!!!!!!</a:t>
+            </a:r>
           </a:p>
         </p:txBody>
       </p:sp>
@@ -663,7 +1098,7 @@
           <a:p>
             <a:fld id="{6DA5F5ED-64BB-4C5C-A82B-3BA43ACDDE50}" type="slidenum">
               <a:rPr lang="nl-NL" smtClean="0"/>
-              <a:t>5</a:t>
+              <a:t>11</a:t>
             </a:fld>
             <a:endParaRPr lang="nl-NL"/>
           </a:p>
@@ -672,7 +1107,7 @@
     </p:spTree>
     <p:extLst>
       <p:ext uri="{BB962C8B-B14F-4D97-AF65-F5344CB8AC3E}">
-        <p14:creationId xmlns:p14="http://schemas.microsoft.com/office/powerpoint/2010/main" val="1821006533"/>
+        <p14:creationId xmlns:p14="http://schemas.microsoft.com/office/powerpoint/2010/main" val="349784830"/>
       </p:ext>
     </p:extLst>
   </p:cSld>
@@ -1409,7 +1844,7 @@
             <a:fld id="{B61BEF0D-F0BB-DE4B-95CE-6DB70DBA9567}" type="datetimeFigureOut">
               <a:rPr lang="en-US" smtClean="0"/>
               <a:pPr/>
-              <a:t>11/15/2018</a:t>
+              <a:t>11/16/2018</a:t>
             </a:fld>
             <a:endParaRPr lang="en-US" dirty="0"/>
           </a:p>
@@ -1662,7 +2097,7 @@
             <a:fld id="{B61BEF0D-F0BB-DE4B-95CE-6DB70DBA9567}" type="datetimeFigureOut">
               <a:rPr lang="en-US" smtClean="0"/>
               <a:pPr/>
-              <a:t>11/15/2018</a:t>
+              <a:t>11/16/2018</a:t>
             </a:fld>
             <a:endParaRPr lang="en-US" dirty="0"/>
           </a:p>
@@ -1978,7 +2413,7 @@
             <a:fld id="{B61BEF0D-F0BB-DE4B-95CE-6DB70DBA9567}" type="datetimeFigureOut">
               <a:rPr lang="en-US" smtClean="0"/>
               <a:pPr/>
-              <a:t>11/15/2018</a:t>
+              <a:t>11/16/2018</a:t>
             </a:fld>
             <a:endParaRPr lang="en-US" dirty="0"/>
           </a:p>
@@ -2307,7 +2742,7 @@
             <a:fld id="{B61BEF0D-F0BB-DE4B-95CE-6DB70DBA9567}" type="datetimeFigureOut">
               <a:rPr lang="en-US" smtClean="0"/>
               <a:pPr/>
-              <a:t>11/15/2018</a:t>
+              <a:t>11/16/2018</a:t>
             </a:fld>
             <a:endParaRPr lang="en-US" dirty="0"/>
           </a:p>
@@ -2623,7 +3058,7 @@
             <a:fld id="{B61BEF0D-F0BB-DE4B-95CE-6DB70DBA9567}" type="datetimeFigureOut">
               <a:rPr lang="en-US" smtClean="0"/>
               <a:pPr/>
-              <a:t>11/15/2018</a:t>
+              <a:t>11/16/2018</a:t>
             </a:fld>
             <a:endParaRPr lang="en-US" dirty="0"/>
           </a:p>
@@ -3012,7 +3447,7 @@
             <a:fld id="{B61BEF0D-F0BB-DE4B-95CE-6DB70DBA9567}" type="datetimeFigureOut">
               <a:rPr lang="en-US" smtClean="0"/>
               <a:pPr/>
-              <a:t>11/15/2018</a:t>
+              <a:t>11/16/2018</a:t>
             </a:fld>
             <a:endParaRPr lang="en-US" dirty="0"/>
           </a:p>
@@ -3183,7 +3618,7 @@
           <a:p>
             <a:fld id="{55C6B4A9-1611-4792-9094-5F34BCA07E0B}" type="datetimeFigureOut">
               <a:rPr lang="en-US" smtClean="0"/>
-              <a:t>11/15/2018</a:t>
+              <a:t>11/16/2018</a:t>
             </a:fld>
             <a:endParaRPr lang="en-US" dirty="0"/>
           </a:p>
@@ -3364,7 +3799,7 @@
             <a:fld id="{B61BEF0D-F0BB-DE4B-95CE-6DB70DBA9567}" type="datetimeFigureOut">
               <a:rPr lang="en-US" smtClean="0"/>
               <a:pPr/>
-              <a:t>11/15/2018</a:t>
+              <a:t>11/16/2018</a:t>
             </a:fld>
             <a:endParaRPr lang="en-US" dirty="0"/>
           </a:p>
@@ -3535,7 +3970,7 @@
           <a:p>
             <a:fld id="{42A54C80-263E-416B-A8E0-580EDEADCBDC}" type="datetimeFigureOut">
               <a:rPr lang="en-US" smtClean="0"/>
-              <a:t>11/15/2018</a:t>
+              <a:t>11/16/2018</a:t>
             </a:fld>
             <a:endParaRPr lang="en-US" dirty="0"/>
           </a:p>
@@ -3783,7 +4218,7 @@
             <a:fld id="{B61BEF0D-F0BB-DE4B-95CE-6DB70DBA9567}" type="datetimeFigureOut">
               <a:rPr lang="en-US" smtClean="0"/>
               <a:pPr/>
-              <a:t>11/15/2018</a:t>
+              <a:t>11/16/2018</a:t>
             </a:fld>
             <a:endParaRPr lang="en-US" dirty="0"/>
           </a:p>
@@ -4016,7 +4451,7 @@
           <a:p>
             <a:fld id="{42A54C80-263E-416B-A8E0-580EDEADCBDC}" type="datetimeFigureOut">
               <a:rPr lang="en-US" smtClean="0"/>
-              <a:t>11/15/2018</a:t>
+              <a:t>11/16/2018</a:t>
             </a:fld>
             <a:endParaRPr lang="en-US" dirty="0"/>
           </a:p>
@@ -4391,7 +4826,7 @@
             <a:fld id="{B61BEF0D-F0BB-DE4B-95CE-6DB70DBA9567}" type="datetimeFigureOut">
               <a:rPr lang="en-US" smtClean="0"/>
               <a:pPr/>
-              <a:t>11/15/2018</a:t>
+              <a:t>11/16/2018</a:t>
             </a:fld>
             <a:endParaRPr lang="en-US" dirty="0"/>
           </a:p>
@@ -4516,7 +4951,7 @@
             <a:fld id="{B61BEF0D-F0BB-DE4B-95CE-6DB70DBA9567}" type="datetimeFigureOut">
               <a:rPr lang="en-US" smtClean="0"/>
               <a:pPr/>
-              <a:t>11/15/2018</a:t>
+              <a:t>11/16/2018</a:t>
             </a:fld>
             <a:endParaRPr lang="en-US" dirty="0"/>
           </a:p>
@@ -4613,7 +5048,7 @@
             <a:fld id="{B61BEF0D-F0BB-DE4B-95CE-6DB70DBA9567}" type="datetimeFigureOut">
               <a:rPr lang="en-US" smtClean="0"/>
               <a:pPr/>
-              <a:t>11/15/2018</a:t>
+              <a:t>11/16/2018</a:t>
             </a:fld>
             <a:endParaRPr lang="en-US" dirty="0"/>
           </a:p>
@@ -4869,7 +5304,7 @@
           <a:p>
             <a:fld id="{42A54C80-263E-416B-A8E0-580EDEADCBDC}" type="datetimeFigureOut">
               <a:rPr lang="en-US" smtClean="0"/>
-              <a:t>11/15/2018</a:t>
+              <a:t>11/16/2018</a:t>
             </a:fld>
             <a:endParaRPr lang="en-US" dirty="0"/>
           </a:p>
@@ -5133,7 +5568,7 @@
             <a:fld id="{B61BEF0D-F0BB-DE4B-95CE-6DB70DBA9567}" type="datetimeFigureOut">
               <a:rPr lang="en-US" smtClean="0"/>
               <a:pPr/>
-              <a:t>11/15/2018</a:t>
+              <a:t>11/16/2018</a:t>
             </a:fld>
             <a:endParaRPr lang="en-US" dirty="0"/>
           </a:p>
@@ -5880,7 +6315,7 @@
             <a:fld id="{B61BEF0D-F0BB-DE4B-95CE-6DB70DBA9567}" type="datetimeFigureOut">
               <a:rPr lang="en-US" smtClean="0"/>
               <a:pPr/>
-              <a:t>11/15/2018</a:t>
+              <a:t>11/16/2018</a:t>
             </a:fld>
             <a:endParaRPr lang="en-US" dirty="0"/>
           </a:p>
@@ -6512,7 +6947,7 @@
                   </a:schemeClr>
                 </a:solidFill>
               </a:rPr>
-              <a:t> 9/11/2018</a:t>
+              <a:t> 16/11/2018</a:t>
             </a:r>
           </a:p>
           <a:p>
@@ -6541,6 +6976,422 @@
   <p:clrMapOvr>
     <a:masterClrMapping/>
   </p:clrMapOvr>
+</p:sld>
+</file>
+
+<file path=ppt/slides/slide10.xml><?xml version="1.0" encoding="utf-8"?>
+<p:sld xmlns:a="http://schemas.openxmlformats.org/drawingml/2006/main" xmlns:r="http://schemas.openxmlformats.org/officeDocument/2006/relationships" xmlns:p="http://schemas.openxmlformats.org/presentationml/2006/main">
+  <p:cSld>
+    <p:spTree>
+      <p:nvGrpSpPr>
+        <p:cNvPr id="1" name=""/>
+        <p:cNvGrpSpPr/>
+        <p:nvPr/>
+      </p:nvGrpSpPr>
+      <p:grpSpPr>
+        <a:xfrm>
+          <a:off x="0" y="0"/>
+          <a:ext cx="0" cy="0"/>
+          <a:chOff x="0" y="0"/>
+          <a:chExt cx="0" cy="0"/>
+        </a:xfrm>
+      </p:grpSpPr>
+      <p:sp>
+        <p:nvSpPr>
+          <p:cNvPr id="2" name="Titel 1">
+            <a:extLst>
+              <a:ext uri="{FF2B5EF4-FFF2-40B4-BE49-F238E27FC236}">
+                <a16:creationId xmlns:a16="http://schemas.microsoft.com/office/drawing/2014/main" id="{3C13B0F9-1C71-4CE4-AABF-5618AC558334}"/>
+              </a:ext>
+            </a:extLst>
+          </p:cNvPr>
+          <p:cNvSpPr>
+            <a:spLocks noGrp="1"/>
+          </p:cNvSpPr>
+          <p:nvPr>
+            <p:ph type="title"/>
+          </p:nvPr>
+        </p:nvSpPr>
+        <p:spPr>
+          <a:xfrm>
+            <a:off x="677334" y="609600"/>
+            <a:ext cx="8596668" cy="1320800"/>
+          </a:xfrm>
+        </p:spPr>
+        <p:txBody>
+          <a:bodyPr/>
+          <a:lstStyle/>
+          <a:p>
+            <a:r>
+              <a:rPr lang="nl-NL" dirty="0"/>
+              <a:t>Slot</a:t>
+            </a:r>
+          </a:p>
+        </p:txBody>
+      </p:sp>
+      <p:sp>
+        <p:nvSpPr>
+          <p:cNvPr id="3" name="Tijdelijke aanduiding voor inhoud 2">
+            <a:extLst>
+              <a:ext uri="{FF2B5EF4-FFF2-40B4-BE49-F238E27FC236}">
+                <a16:creationId xmlns:a16="http://schemas.microsoft.com/office/drawing/2014/main" id="{D4AC6523-359B-4196-8675-576AAB629574}"/>
+              </a:ext>
+            </a:extLst>
+          </p:cNvPr>
+          <p:cNvSpPr>
+            <a:spLocks noGrp="1"/>
+          </p:cNvSpPr>
+          <p:nvPr>
+            <p:ph idx="1"/>
+          </p:nvPr>
+        </p:nvSpPr>
+        <p:spPr/>
+        <p:txBody>
+          <a:bodyPr/>
+          <a:lstStyle/>
+          <a:p>
+            <a:r>
+              <a:rPr lang="nl-NL" dirty="0"/>
+              <a:t>20-huizenvariant</a:t>
+            </a:r>
+          </a:p>
+          <a:p>
+            <a:r>
+              <a:rPr lang="nl-NL" dirty="0" err="1"/>
+              <a:t>Lower</a:t>
+            </a:r>
+            <a:r>
+              <a:rPr lang="nl-NL" dirty="0"/>
+              <a:t> </a:t>
+            </a:r>
+            <a:r>
+              <a:rPr lang="nl-NL" dirty="0" err="1"/>
+              <a:t>Bound</a:t>
+            </a:r>
+            <a:r>
+              <a:rPr lang="nl-NL" dirty="0"/>
+              <a:t> </a:t>
+            </a:r>
+          </a:p>
+          <a:p>
+            <a:r>
+              <a:rPr lang="nl-NL" dirty="0" err="1"/>
+              <a:t>Upper</a:t>
+            </a:r>
+            <a:r>
+              <a:rPr lang="nl-NL" dirty="0"/>
+              <a:t> </a:t>
+            </a:r>
+            <a:r>
+              <a:rPr lang="nl-NL" dirty="0" err="1"/>
+              <a:t>Bound</a:t>
+            </a:r>
+            <a:endParaRPr lang="nl-NL" dirty="0"/>
+          </a:p>
+          <a:p>
+            <a:r>
+              <a:rPr lang="nl-NL" dirty="0" err="1"/>
+              <a:t>Grid</a:t>
+            </a:r>
+            <a:r>
+              <a:rPr lang="nl-NL" dirty="0"/>
+              <a:t> gemaakt met huizen en water</a:t>
+            </a:r>
+          </a:p>
+          <a:p>
+            <a:r>
+              <a:rPr lang="nl-NL" dirty="0"/>
+              <a:t>Doelstelling</a:t>
+            </a:r>
+          </a:p>
+        </p:txBody>
+      </p:sp>
+    </p:spTree>
+    <p:extLst>
+      <p:ext uri="{BB962C8B-B14F-4D97-AF65-F5344CB8AC3E}">
+        <p14:creationId xmlns:p14="http://schemas.microsoft.com/office/powerpoint/2010/main" val="1309883284"/>
+      </p:ext>
+    </p:extLst>
+  </p:cSld>
+  <p:clrMapOvr>
+    <a:masterClrMapping/>
+  </p:clrMapOvr>
+</p:sld>
+</file>
+
+<file path=ppt/slides/slide11.xml><?xml version="1.0" encoding="utf-8"?>
+<p:sld xmlns:a="http://schemas.openxmlformats.org/drawingml/2006/main" xmlns:r="http://schemas.openxmlformats.org/officeDocument/2006/relationships" xmlns:p="http://schemas.openxmlformats.org/presentationml/2006/main">
+  <p:cSld>
+    <p:spTree>
+      <p:nvGrpSpPr>
+        <p:cNvPr id="1" name=""/>
+        <p:cNvGrpSpPr/>
+        <p:nvPr/>
+      </p:nvGrpSpPr>
+      <p:grpSpPr>
+        <a:xfrm>
+          <a:off x="0" y="0"/>
+          <a:ext cx="0" cy="0"/>
+          <a:chOff x="0" y="0"/>
+          <a:chExt cx="0" cy="0"/>
+        </a:xfrm>
+      </p:grpSpPr>
+      <p:sp>
+        <p:nvSpPr>
+          <p:cNvPr id="4" name="Rechthoek 3">
+            <a:extLst>
+              <a:ext uri="{FF2B5EF4-FFF2-40B4-BE49-F238E27FC236}">
+                <a16:creationId xmlns:a16="http://schemas.microsoft.com/office/drawing/2014/main" id="{77E3EA1A-AC57-4BBB-9DA7-5668898EC55A}"/>
+              </a:ext>
+            </a:extLst>
+          </p:cNvPr>
+          <p:cNvSpPr/>
+          <p:nvPr/>
+        </p:nvSpPr>
+        <p:spPr>
+          <a:xfrm>
+            <a:off x="2935224" y="2171700"/>
+            <a:ext cx="6096000" cy="1718965"/>
+          </a:xfrm>
+          <a:prstGeom prst="rect">
+            <a:avLst/>
+          </a:prstGeom>
+          <a:noFill/>
+        </p:spPr>
+        <p:txBody>
+          <a:bodyPr wrap="none" lIns="91440" tIns="45720" rIns="91440" bIns="45720">
+            <a:prstTxWarp prst="textCurveDown">
+              <a:avLst/>
+            </a:prstTxWarp>
+            <a:spAutoFit/>
+            <a:scene3d>
+              <a:camera prst="orthographicFront"/>
+              <a:lightRig rig="threePt" dir="t"/>
+            </a:scene3d>
+            <a:sp3d extrusionH="57150">
+              <a:bevelT w="38100" h="38100" prst="angle"/>
+            </a:sp3d>
+          </a:bodyPr>
+          <a:lstStyle/>
+          <a:p>
+            <a:pPr algn="ctr"/>
+            <a:r>
+              <a:rPr lang="nl-NL" sz="5400" b="1" dirty="0">
+                <a:ln w="57150">
+                  <a:solidFill>
+                    <a:schemeClr val="accent1"/>
+                  </a:solidFill>
+                  <a:prstDash val="solid"/>
+                </a:ln>
+                <a:blipFill>
+                  <a:blip r:embed="rId3"/>
+                  <a:tile tx="0" ty="0" sx="100000" sy="100000" flip="none" algn="tl"/>
+                </a:blipFill>
+                <a:effectLst>
+                  <a:glow rad="63500">
+                    <a:schemeClr val="accent2">
+                      <a:satMod val="175000"/>
+                      <a:alpha val="40000"/>
+                    </a:schemeClr>
+                  </a:glow>
+                  <a:outerShdw blurRad="50800" dist="38100" dir="2700000" algn="tl" rotWithShape="0">
+                    <a:prstClr val="black">
+                      <a:alpha val="40000"/>
+                    </a:prstClr>
+                  </a:outerShdw>
+                  <a:reflection blurRad="6350" stA="55000" endA="300" endPos="45500" dir="5400000" sy="-100000" algn="bl" rotWithShape="0"/>
+                </a:effectLst>
+                <a:latin typeface="Blackadder ITC" panose="04020505051007020D02" pitchFamily="82" charset="0"/>
+              </a:rPr>
+              <a:t>Bedankt</a:t>
+            </a:r>
+            <a:r>
+              <a:rPr lang="nl-NL" sz="5400" b="1" dirty="0">
+                <a:ln w="12700">
+                  <a:solidFill>
+                    <a:schemeClr val="accent1"/>
+                  </a:solidFill>
+                  <a:prstDash val="solid"/>
+                </a:ln>
+                <a:pattFill prst="pct50">
+                  <a:fgClr>
+                    <a:schemeClr val="accent1"/>
+                  </a:fgClr>
+                  <a:bgClr>
+                    <a:schemeClr val="accent1">
+                      <a:lumMod val="20000"/>
+                      <a:lumOff val="80000"/>
+                    </a:schemeClr>
+                  </a:bgClr>
+                </a:pattFill>
+                <a:effectLst>
+                  <a:outerShdw dist="38100" dir="2640000" algn="bl" rotWithShape="0">
+                    <a:schemeClr val="accent1"/>
+                  </a:outerShdw>
+                </a:effectLst>
+              </a:rPr>
+              <a:t>!</a:t>
+            </a:r>
+            <a:endParaRPr lang="nl-NL" sz="5400" b="1" cap="none" spc="0" dirty="0">
+              <a:ln w="12700">
+                <a:solidFill>
+                  <a:schemeClr val="accent1"/>
+                </a:solidFill>
+                <a:prstDash val="solid"/>
+              </a:ln>
+              <a:pattFill prst="pct50">
+                <a:fgClr>
+                  <a:schemeClr val="accent1"/>
+                </a:fgClr>
+                <a:bgClr>
+                  <a:schemeClr val="accent1">
+                    <a:lumMod val="20000"/>
+                    <a:lumOff val="80000"/>
+                  </a:schemeClr>
+                </a:bgClr>
+              </a:pattFill>
+              <a:effectLst>
+                <a:outerShdw dist="38100" dir="2640000" algn="bl" rotWithShape="0">
+                  <a:schemeClr val="accent1"/>
+                </a:outerShdw>
+              </a:effectLst>
+            </a:endParaRPr>
+          </a:p>
+        </p:txBody>
+      </p:sp>
+      <p:sp>
+        <p:nvSpPr>
+          <p:cNvPr id="2" name="Rechthoek 1">
+            <a:extLst>
+              <a:ext uri="{FF2B5EF4-FFF2-40B4-BE49-F238E27FC236}">
+                <a16:creationId xmlns:a16="http://schemas.microsoft.com/office/drawing/2014/main" id="{DE1A5C2A-7160-4B6F-B67C-A2A07D397204}"/>
+              </a:ext>
+            </a:extLst>
+          </p:cNvPr>
+          <p:cNvSpPr/>
+          <p:nvPr/>
+        </p:nvSpPr>
+        <p:spPr>
+          <a:xfrm>
+            <a:off x="791642" y="6211669"/>
+            <a:ext cx="6096000" cy="646331"/>
+          </a:xfrm>
+          <a:prstGeom prst="rect">
+            <a:avLst/>
+          </a:prstGeom>
+        </p:spPr>
+        <p:txBody>
+          <a:bodyPr>
+            <a:spAutoFit/>
+          </a:bodyPr>
+          <a:lstStyle/>
+          <a:p>
+            <a:r>
+              <a:rPr lang="nl-NL" dirty="0">
+                <a:solidFill>
+                  <a:schemeClr val="bg2">
+                    <a:lumMod val="50000"/>
+                  </a:schemeClr>
+                </a:solidFill>
+              </a:rPr>
+              <a:t>Corné Heijnen, Coen Mol en Eveline Tiekink</a:t>
+            </a:r>
+          </a:p>
+          <a:p>
+            <a:r>
+              <a:rPr lang="nl-NL" dirty="0">
+                <a:solidFill>
+                  <a:schemeClr val="bg2">
+                    <a:lumMod val="50000"/>
+                  </a:schemeClr>
+                </a:solidFill>
+              </a:rPr>
+              <a:t>Lekker Oké</a:t>
+            </a:r>
+          </a:p>
+        </p:txBody>
+      </p:sp>
+    </p:spTree>
+    <p:extLst>
+      <p:ext uri="{BB962C8B-B14F-4D97-AF65-F5344CB8AC3E}">
+        <p14:creationId xmlns:p14="http://schemas.microsoft.com/office/powerpoint/2010/main" val="2013438566"/>
+      </p:ext>
+    </p:extLst>
+  </p:cSld>
+  <p:clrMapOvr>
+    <a:masterClrMapping/>
+  </p:clrMapOvr>
+  <p:timing>
+    <p:tnLst>
+      <p:par>
+        <p:cTn id="1" dur="indefinite" restart="never" nodeType="tmRoot">
+          <p:childTnLst>
+            <p:seq concurrent="1" nextAc="seek">
+              <p:cTn id="2" dur="indefinite" nodeType="mainSeq">
+                <p:childTnLst>
+                  <p:par>
+                    <p:cTn id="3" fill="hold">
+                      <p:stCondLst>
+                        <p:cond delay="indefinite"/>
+                      </p:stCondLst>
+                      <p:childTnLst>
+                        <p:par>
+                          <p:cTn id="4" fill="hold">
+                            <p:stCondLst>
+                              <p:cond delay="0"/>
+                            </p:stCondLst>
+                            <p:childTnLst>
+                              <p:par>
+                                <p:cTn id="5" presetID="8" presetClass="emph" presetSubtype="0" fill="hold" grpId="0" nodeType="clickEffect">
+                                  <p:stCondLst>
+                                    <p:cond delay="0"/>
+                                  </p:stCondLst>
+                                  <p:childTnLst>
+                                    <p:animRot by="21600000">
+                                      <p:cBhvr>
+                                        <p:cTn id="6" dur="2000" fill="hold"/>
+                                        <p:tgtEl>
+                                          <p:spTgt spid="4"/>
+                                        </p:tgtEl>
+                                        <p:attrNameLst>
+                                          <p:attrName>r</p:attrName>
+                                        </p:attrNameLst>
+                                      </p:cBhvr>
+                                    </p:animRot>
+                                  </p:childTnLst>
+                                </p:cTn>
+                              </p:par>
+                            </p:childTnLst>
+                          </p:cTn>
+                        </p:par>
+                      </p:childTnLst>
+                    </p:cTn>
+                  </p:par>
+                </p:childTnLst>
+              </p:cTn>
+              <p:prevCondLst>
+                <p:cond evt="onPrev" delay="0">
+                  <p:tgtEl>
+                    <p:sldTgt/>
+                  </p:tgtEl>
+                </p:cond>
+              </p:prevCondLst>
+              <p:nextCondLst>
+                <p:cond evt="onNext" delay="0">
+                  <p:tgtEl>
+                    <p:sldTgt/>
+                  </p:tgtEl>
+                </p:cond>
+              </p:nextCondLst>
+            </p:seq>
+          </p:childTnLst>
+        </p:cTn>
+      </p:par>
+    </p:tnLst>
+    <p:bldLst>
+      <p:bldP spid="4" grpId="0"/>
+    </p:bldLst>
+  </p:timing>
 </p:sld>
 </file>
 
@@ -6635,6 +7486,30 @@
             <a:r>
               <a:rPr lang="nl-NL" dirty="0"/>
               <a:t>Inleiding</a:t>
+            </a:r>
+          </a:p>
+          <a:p>
+            <a:r>
+              <a:rPr lang="nl-NL" dirty="0"/>
+              <a:t>Theorie</a:t>
+            </a:r>
+          </a:p>
+          <a:p>
+            <a:r>
+              <a:rPr lang="nl-NL" dirty="0"/>
+              <a:t>Doelen van week 2 en 3</a:t>
+            </a:r>
+          </a:p>
+          <a:p>
+            <a:r>
+              <a:rPr lang="nl-NL" dirty="0"/>
+              <a:t>Doelen voor week 4</a:t>
+            </a:r>
+          </a:p>
+          <a:p>
+            <a:r>
+              <a:rPr lang="nl-NL" dirty="0"/>
+              <a:t>Random “Algoritme”</a:t>
             </a:r>
           </a:p>
           <a:p>
@@ -7727,11 +8602,8 @@
           <a:p>
             <a:r>
               <a:rPr lang="nl-NL" dirty="0"/>
-              <a:t>Plattegrond</a:t>
-            </a:r>
-          </a:p>
-          <a:p>
-            <a:endParaRPr lang="nl-NL" dirty="0"/>
+              <a:t>Opdracht</a:t>
+            </a:r>
           </a:p>
         </p:txBody>
       </p:sp>
@@ -7770,7 +8642,7 @@
           <p:cNvPr id="2" name="Titel 1">
             <a:extLst>
               <a:ext uri="{FF2B5EF4-FFF2-40B4-BE49-F238E27FC236}">
-                <a16:creationId xmlns:a16="http://schemas.microsoft.com/office/drawing/2014/main" id="{82AD9D86-1786-490A-B56D-E842D513B872}"/>
+                <a16:creationId xmlns:a16="http://schemas.microsoft.com/office/drawing/2014/main" id="{1A7E11E6-A131-4C80-89C8-0F80745243EA}"/>
               </a:ext>
             </a:extLst>
           </p:cNvPr>
@@ -7788,7 +8660,7 @@
           <a:p>
             <a:r>
               <a:rPr lang="nl-NL" dirty="0"/>
-              <a:t>Schematische versie I</a:t>
+              <a:t>Theorie</a:t>
             </a:r>
           </a:p>
         </p:txBody>
@@ -7798,7 +8670,7 @@
           <p:cNvPr id="3" name="Tijdelijke aanduiding voor inhoud 2">
             <a:extLst>
               <a:ext uri="{FF2B5EF4-FFF2-40B4-BE49-F238E27FC236}">
-                <a16:creationId xmlns:a16="http://schemas.microsoft.com/office/drawing/2014/main" id="{12083CD7-7BD3-4818-993F-15A22561EF7B}"/>
+                <a16:creationId xmlns:a16="http://schemas.microsoft.com/office/drawing/2014/main" id="{73F00F81-1FA2-4CBC-BA87-E81EADFD710D}"/>
               </a:ext>
             </a:extLst>
           </p:cNvPr>
@@ -7811,525 +8683,177 @@
         </p:nvSpPr>
         <p:spPr>
           <a:xfrm>
-            <a:off x="6289858" y="1351978"/>
-            <a:ext cx="3453232" cy="3880773"/>
+            <a:off x="677334" y="2160589"/>
+            <a:ext cx="8596668" cy="4492459"/>
           </a:xfrm>
         </p:spPr>
         <p:txBody>
-          <a:bodyPr/>
+          <a:bodyPr>
+            <a:normAutofit/>
+          </a:bodyPr>
           <a:lstStyle/>
           <a:p>
             <a:r>
+              <a:rPr lang="nl-NL" dirty="0" err="1"/>
+              <a:t>Lower</a:t>
+            </a:r>
+            <a:r>
               <a:rPr lang="nl-NL" dirty="0"/>
-              <a:t>Totale waarde €7.906.680</a:t>
-            </a:r>
-          </a:p>
-          <a:p>
+              <a:t> </a:t>
+            </a:r>
+            <a:r>
+              <a:rPr lang="nl-NL" dirty="0" err="1"/>
+              <a:t>Bound</a:t>
+            </a:r>
+            <a:r>
+              <a:rPr lang="nl-NL" dirty="0"/>
+              <a:t>: €7.215.000</a:t>
+            </a:r>
+          </a:p>
+          <a:p>
+            <a:pPr lvl="1"/>
+            <a:r>
+              <a:rPr lang="nl-NL" dirty="0"/>
+              <a:t>Minimale </a:t>
+            </a:r>
+            <a:r>
+              <a:rPr lang="nl-NL" dirty="0" err="1"/>
+              <a:t>vrijstand</a:t>
+            </a:r>
             <a:endParaRPr lang="nl-NL" dirty="0"/>
           </a:p>
-        </p:txBody>
-      </p:sp>
-      <p:pic>
-        <p:nvPicPr>
-          <p:cNvPr id="5" name="Afbeelding 4">
-            <a:extLst>
-              <a:ext uri="{FF2B5EF4-FFF2-40B4-BE49-F238E27FC236}">
-                <a16:creationId xmlns:a16="http://schemas.microsoft.com/office/drawing/2014/main" id="{79C3529E-D1ED-4694-B3CB-5B1D2442626C}"/>
-              </a:ext>
-            </a:extLst>
-          </p:cNvPr>
-          <p:cNvPicPr>
-            <a:picLocks noChangeAspect="1"/>
-          </p:cNvPicPr>
-          <p:nvPr/>
-        </p:nvPicPr>
-        <p:blipFill>
-          <a:blip r:embed="rId2"/>
-          <a:stretch>
-            <a:fillRect/>
-          </a:stretch>
-        </p:blipFill>
-        <p:spPr>
-          <a:xfrm>
-            <a:off x="742203" y="1351978"/>
-            <a:ext cx="5353797" cy="5372850"/>
-          </a:xfrm>
-          <a:prstGeom prst="rect">
-            <a:avLst/>
-          </a:prstGeom>
-        </p:spPr>
-      </p:pic>
+          <a:p>
+            <a:r>
+              <a:rPr lang="nl-NL" dirty="0" err="1"/>
+              <a:t>Upper</a:t>
+            </a:r>
+            <a:r>
+              <a:rPr lang="nl-NL" dirty="0"/>
+              <a:t> </a:t>
+            </a:r>
+            <a:r>
+              <a:rPr lang="nl-NL" dirty="0" err="1"/>
+              <a:t>Bound</a:t>
+            </a:r>
+            <a:r>
+              <a:rPr lang="nl-NL" dirty="0"/>
+              <a:t>: €16.029.000</a:t>
+            </a:r>
+          </a:p>
+          <a:p>
+            <a:pPr lvl="1"/>
+            <a:r>
+              <a:rPr lang="nl-NL" dirty="0"/>
+              <a:t>Alle </a:t>
+            </a:r>
+            <a:r>
+              <a:rPr lang="nl-NL" dirty="0" err="1"/>
+              <a:t>vrijstand</a:t>
+            </a:r>
+            <a:r>
+              <a:rPr lang="nl-NL" dirty="0"/>
+              <a:t> maximaal gebruiken voor </a:t>
+            </a:r>
+            <a:r>
+              <a:rPr lang="nl-NL" dirty="0" err="1"/>
+              <a:t>maisons</a:t>
+            </a:r>
+            <a:endParaRPr lang="nl-NL" dirty="0"/>
+          </a:p>
+          <a:p>
+            <a:r>
+              <a:rPr lang="nl-NL" dirty="0"/>
+              <a:t>Toestandsruimte (</a:t>
+            </a:r>
+            <a:r>
+              <a:rPr lang="nl-NL" dirty="0" err="1"/>
+              <a:t>Constraint</a:t>
+            </a:r>
+            <a:r>
+              <a:rPr lang="nl-NL" dirty="0"/>
+              <a:t> </a:t>
+            </a:r>
+            <a:r>
+              <a:rPr lang="nl-NL" dirty="0" err="1"/>
+              <a:t>Relaxation</a:t>
+            </a:r>
+            <a:r>
+              <a:rPr lang="nl-NL" dirty="0"/>
+              <a:t>)</a:t>
+            </a:r>
+          </a:p>
+          <a:p>
+            <a:pPr lvl="1"/>
+            <a:r>
+              <a:rPr lang="nl-NL" dirty="0"/>
+              <a:t>Minimale </a:t>
+            </a:r>
+            <a:r>
+              <a:rPr lang="nl-NL" dirty="0" err="1"/>
+              <a:t>vrijstand</a:t>
+            </a:r>
+            <a:r>
+              <a:rPr lang="nl-NL" dirty="0"/>
+              <a:t> niet in acht genomen</a:t>
+            </a:r>
+          </a:p>
+          <a:p>
+            <a:pPr lvl="1"/>
+            <a:r>
+              <a:rPr lang="nl-NL" dirty="0"/>
+              <a:t>Geen water</a:t>
+            </a:r>
+          </a:p>
+          <a:p>
+            <a:pPr lvl="1"/>
+            <a:r>
+              <a:rPr lang="nl-NL" dirty="0" err="1"/>
+              <a:t>Grid</a:t>
+            </a:r>
+            <a:r>
+              <a:rPr lang="nl-NL" dirty="0"/>
+              <a:t> vorming</a:t>
+            </a:r>
+          </a:p>
+          <a:p>
+            <a:pPr lvl="1"/>
+            <a:r>
+              <a:rPr lang="nl-NL" dirty="0"/>
+              <a:t>2.57 * 10</a:t>
+            </a:r>
+            <a:r>
+              <a:rPr lang="nl-NL" baseline="30000" dirty="0"/>
+              <a:t>87</a:t>
+            </a:r>
+            <a:endParaRPr lang="nl-NL" dirty="0"/>
+          </a:p>
+          <a:p>
+            <a:r>
+              <a:rPr lang="nl-NL" dirty="0" err="1"/>
+              <a:t>Constraint</a:t>
+            </a:r>
+            <a:r>
+              <a:rPr lang="nl-NL" dirty="0"/>
+              <a:t> </a:t>
+            </a:r>
+            <a:r>
+              <a:rPr lang="nl-NL" dirty="0" err="1"/>
+              <a:t>optimization</a:t>
+            </a:r>
+            <a:endParaRPr lang="nl-NL" dirty="0"/>
+          </a:p>
+          <a:p>
+            <a:pPr marL="457200" lvl="1" indent="0">
+              <a:buNone/>
+            </a:pPr>
+            <a:endParaRPr lang="nl-NL" dirty="0"/>
+          </a:p>
+        </p:txBody>
+      </p:sp>
     </p:spTree>
     <p:extLst>
       <p:ext uri="{BB962C8B-B14F-4D97-AF65-F5344CB8AC3E}">
-        <p14:creationId xmlns:p14="http://schemas.microsoft.com/office/powerpoint/2010/main" val="1159434009"/>
-      </p:ext>
-    </p:extLst>
-  </p:cSld>
-  <p:clrMapOvr>
-    <a:masterClrMapping/>
-  </p:clrMapOvr>
-</p:sld>
-</file>
-
-<file path=ppt/slides/slide5.xml><?xml version="1.0" encoding="utf-8"?>
-<p:sld xmlns:a="http://schemas.openxmlformats.org/drawingml/2006/main" xmlns:r="http://schemas.openxmlformats.org/officeDocument/2006/relationships" xmlns:p="http://schemas.openxmlformats.org/presentationml/2006/main">
-  <p:cSld>
-    <p:spTree>
-      <p:nvGrpSpPr>
-        <p:cNvPr id="1" name=""/>
-        <p:cNvGrpSpPr/>
-        <p:nvPr/>
-      </p:nvGrpSpPr>
-      <p:grpSpPr>
-        <a:xfrm>
-          <a:off x="0" y="0"/>
-          <a:ext cx="0" cy="0"/>
-          <a:chOff x="0" y="0"/>
-          <a:chExt cx="0" cy="0"/>
-        </a:xfrm>
-      </p:grpSpPr>
-      <p:sp>
-        <p:nvSpPr>
-          <p:cNvPr id="2" name="Titel 1">
-            <a:extLst>
-              <a:ext uri="{FF2B5EF4-FFF2-40B4-BE49-F238E27FC236}">
-                <a16:creationId xmlns:a16="http://schemas.microsoft.com/office/drawing/2014/main" id="{7F13CAAA-69FB-4B11-8982-5D718C1A2755}"/>
-              </a:ext>
-            </a:extLst>
-          </p:cNvPr>
-          <p:cNvSpPr>
-            <a:spLocks noGrp="1"/>
-          </p:cNvSpPr>
-          <p:nvPr>
-            <p:ph type="title"/>
-          </p:nvPr>
-        </p:nvSpPr>
-        <p:spPr/>
-        <p:txBody>
-          <a:bodyPr/>
-          <a:lstStyle/>
-          <a:p>
-            <a:r>
-              <a:rPr lang="nl-NL" dirty="0"/>
-              <a:t>Schematische versie II</a:t>
-            </a:r>
-          </a:p>
-        </p:txBody>
-      </p:sp>
-      <p:sp>
-        <p:nvSpPr>
-          <p:cNvPr id="3" name="Tijdelijke aanduiding voor inhoud 2">
-            <a:extLst>
-              <a:ext uri="{FF2B5EF4-FFF2-40B4-BE49-F238E27FC236}">
-                <a16:creationId xmlns:a16="http://schemas.microsoft.com/office/drawing/2014/main" id="{ED7C17D9-BD1F-46EF-B5E7-A46917BF7DBE}"/>
-              </a:ext>
-            </a:extLst>
-          </p:cNvPr>
-          <p:cNvSpPr>
-            <a:spLocks noGrp="1"/>
-          </p:cNvSpPr>
-          <p:nvPr>
-            <p:ph idx="1"/>
-          </p:nvPr>
-        </p:nvSpPr>
-        <p:spPr>
-          <a:xfrm>
-            <a:off x="6213531" y="1271879"/>
-            <a:ext cx="3383037" cy="3880773"/>
-          </a:xfrm>
-        </p:spPr>
-        <p:txBody>
-          <a:bodyPr/>
-          <a:lstStyle/>
-          <a:p>
-            <a:r>
-              <a:rPr lang="nl-NL" dirty="0"/>
-              <a:t>Totale waarde €17.940.600</a:t>
-            </a:r>
-          </a:p>
-        </p:txBody>
-      </p:sp>
-      <p:pic>
-        <p:nvPicPr>
-          <p:cNvPr id="4" name="Afbeelding 3">
-            <a:extLst>
-              <a:ext uri="{FF2B5EF4-FFF2-40B4-BE49-F238E27FC236}">
-                <a16:creationId xmlns:a16="http://schemas.microsoft.com/office/drawing/2014/main" id="{6437F781-AAFF-4EFD-A3A7-038CB7AB75A9}"/>
-              </a:ext>
-            </a:extLst>
-          </p:cNvPr>
-          <p:cNvPicPr>
-            <a:picLocks noChangeAspect="1"/>
-          </p:cNvPicPr>
-          <p:nvPr/>
-        </p:nvPicPr>
-        <p:blipFill rotWithShape="1">
-          <a:blip r:embed="rId3"/>
-          <a:srcRect l="23934" t="11134" r="23934" b="6207"/>
-          <a:stretch/>
-        </p:blipFill>
-        <p:spPr>
-          <a:xfrm>
-            <a:off x="677335" y="1266560"/>
-            <a:ext cx="5450216" cy="4860971"/>
-          </a:xfrm>
-          <a:prstGeom prst="rect">
-            <a:avLst/>
-          </a:prstGeom>
-        </p:spPr>
-      </p:pic>
-    </p:spTree>
-    <p:extLst>
-      <p:ext uri="{BB962C8B-B14F-4D97-AF65-F5344CB8AC3E}">
-        <p14:creationId xmlns:p14="http://schemas.microsoft.com/office/powerpoint/2010/main" val="982139956"/>
-      </p:ext>
-    </p:extLst>
-  </p:cSld>
-  <p:clrMapOvr>
-    <a:masterClrMapping/>
-  </p:clrMapOvr>
-</p:sld>
-</file>
-
-<file path=ppt/slides/slide6.xml><?xml version="1.0" encoding="utf-8"?>
-<p:sld xmlns:a="http://schemas.openxmlformats.org/drawingml/2006/main" xmlns:r="http://schemas.openxmlformats.org/officeDocument/2006/relationships" xmlns:p="http://schemas.openxmlformats.org/presentationml/2006/main">
-  <p:cSld>
-    <p:spTree>
-      <p:nvGrpSpPr>
-        <p:cNvPr id="1" name=""/>
-        <p:cNvGrpSpPr/>
-        <p:nvPr/>
-      </p:nvGrpSpPr>
-      <p:grpSpPr>
-        <a:xfrm>
-          <a:off x="0" y="0"/>
-          <a:ext cx="0" cy="0"/>
-          <a:chOff x="0" y="0"/>
-          <a:chExt cx="0" cy="0"/>
-        </a:xfrm>
-      </p:grpSpPr>
-      <p:sp>
-        <p:nvSpPr>
-          <p:cNvPr id="2" name="Titel 1">
-            <a:extLst>
-              <a:ext uri="{FF2B5EF4-FFF2-40B4-BE49-F238E27FC236}">
-                <a16:creationId xmlns:a16="http://schemas.microsoft.com/office/drawing/2014/main" id="{3C13B0F9-1C71-4CE4-AABF-5618AC558334}"/>
-              </a:ext>
-            </a:extLst>
-          </p:cNvPr>
-          <p:cNvSpPr>
-            <a:spLocks noGrp="1"/>
-          </p:cNvSpPr>
-          <p:nvPr>
-            <p:ph type="title"/>
-          </p:nvPr>
-        </p:nvSpPr>
-        <p:spPr>
-          <a:xfrm>
-            <a:off x="677334" y="609600"/>
-            <a:ext cx="8596668" cy="1320800"/>
-          </a:xfrm>
-        </p:spPr>
-        <p:txBody>
-          <a:bodyPr/>
-          <a:lstStyle/>
-          <a:p>
-            <a:r>
-              <a:rPr lang="nl-NL" dirty="0"/>
-              <a:t>Slot</a:t>
-            </a:r>
-          </a:p>
-        </p:txBody>
-      </p:sp>
-      <p:sp>
-        <p:nvSpPr>
-          <p:cNvPr id="3" name="Tijdelijke aanduiding voor inhoud 2">
-            <a:extLst>
-              <a:ext uri="{FF2B5EF4-FFF2-40B4-BE49-F238E27FC236}">
-                <a16:creationId xmlns:a16="http://schemas.microsoft.com/office/drawing/2014/main" id="{D4AC6523-359B-4196-8675-576AAB629574}"/>
-              </a:ext>
-            </a:extLst>
-          </p:cNvPr>
-          <p:cNvSpPr>
-            <a:spLocks noGrp="1"/>
-          </p:cNvSpPr>
-          <p:nvPr>
-            <p:ph idx="1"/>
-          </p:nvPr>
-        </p:nvSpPr>
-        <p:spPr/>
-        <p:txBody>
-          <a:bodyPr/>
-          <a:lstStyle/>
-          <a:p>
-            <a:r>
-              <a:rPr lang="nl-NL" dirty="0" err="1"/>
-              <a:t>Amstelhaege</a:t>
-            </a:r>
-            <a:endParaRPr lang="nl-NL" dirty="0"/>
-          </a:p>
-          <a:p>
-            <a:r>
-              <a:rPr lang="nl-NL" dirty="0"/>
-              <a:t>20-, 40- en 60-huizenvariant</a:t>
-            </a:r>
-          </a:p>
-          <a:p>
-            <a:r>
-              <a:rPr lang="nl-NL" dirty="0"/>
-              <a:t>Doelstelling: lelijkste eindslide</a:t>
-            </a:r>
-          </a:p>
-        </p:txBody>
-      </p:sp>
-    </p:spTree>
-    <p:extLst>
-      <p:ext uri="{BB962C8B-B14F-4D97-AF65-F5344CB8AC3E}">
-        <p14:creationId xmlns:p14="http://schemas.microsoft.com/office/powerpoint/2010/main" val="1309883284"/>
-      </p:ext>
-    </p:extLst>
-  </p:cSld>
-  <p:clrMapOvr>
-    <a:masterClrMapping/>
-  </p:clrMapOvr>
-</p:sld>
-</file>
-
-<file path=ppt/slides/slide7.xml><?xml version="1.0" encoding="utf-8"?>
-<p:sld xmlns:a="http://schemas.openxmlformats.org/drawingml/2006/main" xmlns:r="http://schemas.openxmlformats.org/officeDocument/2006/relationships" xmlns:p="http://schemas.openxmlformats.org/presentationml/2006/main">
-  <p:cSld>
-    <p:spTree>
-      <p:nvGrpSpPr>
-        <p:cNvPr id="1" name=""/>
-        <p:cNvGrpSpPr/>
-        <p:nvPr/>
-      </p:nvGrpSpPr>
-      <p:grpSpPr>
-        <a:xfrm>
-          <a:off x="0" y="0"/>
-          <a:ext cx="0" cy="0"/>
-          <a:chOff x="0" y="0"/>
-          <a:chExt cx="0" cy="0"/>
-        </a:xfrm>
-      </p:grpSpPr>
-      <p:sp>
-        <p:nvSpPr>
-          <p:cNvPr id="4" name="Rechthoek 3">
-            <a:extLst>
-              <a:ext uri="{FF2B5EF4-FFF2-40B4-BE49-F238E27FC236}">
-                <a16:creationId xmlns:a16="http://schemas.microsoft.com/office/drawing/2014/main" id="{77E3EA1A-AC57-4BBB-9DA7-5668898EC55A}"/>
-              </a:ext>
-            </a:extLst>
-          </p:cNvPr>
-          <p:cNvSpPr/>
-          <p:nvPr/>
-        </p:nvSpPr>
-        <p:spPr>
-          <a:xfrm>
-            <a:off x="2935224" y="2171700"/>
-            <a:ext cx="6096000" cy="1718965"/>
-          </a:xfrm>
-          <a:prstGeom prst="rect">
-            <a:avLst/>
-          </a:prstGeom>
-          <a:noFill/>
-        </p:spPr>
-        <p:txBody>
-          <a:bodyPr wrap="none" lIns="91440" tIns="45720" rIns="91440" bIns="45720">
-            <a:prstTxWarp prst="textCurveDown">
-              <a:avLst/>
-            </a:prstTxWarp>
-            <a:spAutoFit/>
-            <a:scene3d>
-              <a:camera prst="orthographicFront"/>
-              <a:lightRig rig="threePt" dir="t"/>
-            </a:scene3d>
-            <a:sp3d extrusionH="57150">
-              <a:bevelT w="38100" h="38100" prst="angle"/>
-            </a:sp3d>
-          </a:bodyPr>
-          <a:lstStyle/>
-          <a:p>
-            <a:pPr algn="ctr"/>
-            <a:r>
-              <a:rPr lang="nl-NL" sz="5400" b="1" dirty="0">
-                <a:ln w="57150">
-                  <a:solidFill>
-                    <a:schemeClr val="accent1"/>
-                  </a:solidFill>
-                  <a:prstDash val="solid"/>
-                </a:ln>
-                <a:blipFill>
-                  <a:blip r:embed="rId4"/>
-                  <a:tile tx="0" ty="0" sx="100000" sy="100000" flip="none" algn="tl"/>
-                </a:blipFill>
-                <a:effectLst>
-                  <a:glow rad="63500">
-                    <a:schemeClr val="accent2">
-                      <a:satMod val="175000"/>
-                      <a:alpha val="40000"/>
-                    </a:schemeClr>
-                  </a:glow>
-                  <a:outerShdw blurRad="50800" dist="38100" dir="2700000" algn="tl" rotWithShape="0">
-                    <a:prstClr val="black">
-                      <a:alpha val="40000"/>
-                    </a:prstClr>
-                  </a:outerShdw>
-                  <a:reflection blurRad="6350" stA="55000" endA="300" endPos="45500" dir="5400000" sy="-100000" algn="bl" rotWithShape="0"/>
-                </a:effectLst>
-                <a:latin typeface="Blackadder ITC" panose="04020505051007020D02" pitchFamily="82" charset="0"/>
-              </a:rPr>
-              <a:t>Bedankt</a:t>
-            </a:r>
-            <a:r>
-              <a:rPr lang="nl-NL" sz="5400" b="1" dirty="0">
-                <a:ln w="12700">
-                  <a:solidFill>
-                    <a:schemeClr val="accent1"/>
-                  </a:solidFill>
-                  <a:prstDash val="solid"/>
-                </a:ln>
-                <a:pattFill prst="pct50">
-                  <a:fgClr>
-                    <a:schemeClr val="accent1"/>
-                  </a:fgClr>
-                  <a:bgClr>
-                    <a:schemeClr val="accent1">
-                      <a:lumMod val="20000"/>
-                      <a:lumOff val="80000"/>
-                    </a:schemeClr>
-                  </a:bgClr>
-                </a:pattFill>
-                <a:effectLst>
-                  <a:outerShdw dist="38100" dir="2640000" algn="bl" rotWithShape="0">
-                    <a:schemeClr val="accent1"/>
-                  </a:outerShdw>
-                </a:effectLst>
-              </a:rPr>
-              <a:t>!</a:t>
-            </a:r>
-            <a:endParaRPr lang="nl-NL" sz="5400" b="1" cap="none" spc="0" dirty="0">
-              <a:ln w="12700">
-                <a:solidFill>
-                  <a:schemeClr val="accent1"/>
-                </a:solidFill>
-                <a:prstDash val="solid"/>
-              </a:ln>
-              <a:pattFill prst="pct50">
-                <a:fgClr>
-                  <a:schemeClr val="accent1"/>
-                </a:fgClr>
-                <a:bgClr>
-                  <a:schemeClr val="accent1">
-                    <a:lumMod val="20000"/>
-                    <a:lumOff val="80000"/>
-                  </a:schemeClr>
-                </a:bgClr>
-              </a:pattFill>
-              <a:effectLst>
-                <a:outerShdw dist="38100" dir="2640000" algn="bl" rotWithShape="0">
-                  <a:schemeClr val="accent1"/>
-                </a:outerShdw>
-              </a:effectLst>
-            </a:endParaRPr>
-          </a:p>
-        </p:txBody>
-      </p:sp>
-      <p:sp>
-        <p:nvSpPr>
-          <p:cNvPr id="2" name="Rechthoek 1">
-            <a:extLst>
-              <a:ext uri="{FF2B5EF4-FFF2-40B4-BE49-F238E27FC236}">
-                <a16:creationId xmlns:a16="http://schemas.microsoft.com/office/drawing/2014/main" id="{DE1A5C2A-7160-4B6F-B67C-A2A07D397204}"/>
-              </a:ext>
-            </a:extLst>
-          </p:cNvPr>
-          <p:cNvSpPr/>
-          <p:nvPr/>
-        </p:nvSpPr>
-        <p:spPr>
-          <a:xfrm>
-            <a:off x="791642" y="6211669"/>
-            <a:ext cx="6096000" cy="646331"/>
-          </a:xfrm>
-          <a:prstGeom prst="rect">
-            <a:avLst/>
-          </a:prstGeom>
-        </p:spPr>
-        <p:txBody>
-          <a:bodyPr>
-            <a:spAutoFit/>
-          </a:bodyPr>
-          <a:lstStyle/>
-          <a:p>
-            <a:r>
-              <a:rPr lang="nl-NL" dirty="0">
-                <a:solidFill>
-                  <a:schemeClr val="bg2">
-                    <a:lumMod val="50000"/>
-                  </a:schemeClr>
-                </a:solidFill>
-              </a:rPr>
-              <a:t>Corné Heijnen, Coen Mol en Eveline Tiekink</a:t>
-            </a:r>
-          </a:p>
-          <a:p>
-            <a:r>
-              <a:rPr lang="nl-NL" dirty="0">
-                <a:solidFill>
-                  <a:schemeClr val="bg2">
-                    <a:lumMod val="50000"/>
-                  </a:schemeClr>
-                </a:solidFill>
-              </a:rPr>
-              <a:t>Lekker Oké</a:t>
-            </a:r>
-          </a:p>
-        </p:txBody>
-      </p:sp>
-      <p:pic>
-        <p:nvPicPr>
-          <p:cNvPr id="3" name="Eindliedje -Jostiband - 20th Century Fox Intro -  HD 1080p">
-            <a:hlinkClick r:id="" action="ppaction://media"/>
-            <a:extLst>
-              <a:ext uri="{FF2B5EF4-FFF2-40B4-BE49-F238E27FC236}">
-                <a16:creationId xmlns:a16="http://schemas.microsoft.com/office/drawing/2014/main" id="{C6BDCE62-EDDE-45E3-8A1F-7AB6A315D9CF}"/>
-              </a:ext>
-            </a:extLst>
-          </p:cNvPr>
-          <p:cNvPicPr>
-            <a:picLocks noChangeAspect="1"/>
-          </p:cNvPicPr>
-          <p:nvPr>
-            <a:audioFile r:link="rId2"/>
-            <p:extLst>
-              <p:ext uri="{DAA4B4D4-6D71-4841-9C94-3DE7FCFB9230}">
-                <p14:media xmlns:p14="http://schemas.microsoft.com/office/powerpoint/2010/main" r:embed="rId1"/>
-              </p:ext>
-            </p:extLst>
-          </p:nvPr>
-        </p:nvPicPr>
-        <p:blipFill>
-          <a:blip r:embed="rId5"/>
-          <a:stretch>
-            <a:fillRect/>
-          </a:stretch>
-        </p:blipFill>
-        <p:spPr>
-          <a:xfrm>
-            <a:off x="269765" y="188310"/>
-            <a:ext cx="406400" cy="406400"/>
-          </a:xfrm>
-          <a:prstGeom prst="rect">
-            <a:avLst/>
-          </a:prstGeom>
-        </p:spPr>
-      </p:pic>
-    </p:spTree>
-    <p:extLst>
-      <p:ext uri="{BB962C8B-B14F-4D97-AF65-F5344CB8AC3E}">
-        <p14:creationId xmlns:p14="http://schemas.microsoft.com/office/powerpoint/2010/main" val="2013438566"/>
+        <p14:creationId xmlns:p14="http://schemas.microsoft.com/office/powerpoint/2010/main" val="1402981865"/>
       </p:ext>
     </p:extLst>
   </p:cSld>
@@ -8357,22 +8881,64 @@
                             </p:stCondLst>
                             <p:childTnLst>
                               <p:par>
-                                <p:cTn id="5" presetID="8" presetClass="emph" presetSubtype="0" fill="hold" grpId="0" nodeType="clickEffect">
+                                <p:cTn id="5" presetID="1" presetClass="entr" presetSubtype="0" fill="hold" nodeType="clickEffect">
                                   <p:stCondLst>
                                     <p:cond delay="0"/>
                                   </p:stCondLst>
                                   <p:childTnLst>
-                                    <p:animRot by="21600000">
+                                    <p:set>
                                       <p:cBhvr>
-                                        <p:cTn id="6" dur="2000" fill="hold"/>
+                                        <p:cTn id="6" dur="1" fill="hold">
+                                          <p:stCondLst>
+                                            <p:cond delay="0"/>
+                                          </p:stCondLst>
+                                        </p:cTn>
                                         <p:tgtEl>
-                                          <p:spTgt spid="4"/>
+                                          <p:spTgt spid="3">
+                                            <p:txEl>
+                                              <p:pRg st="2" end="2"/>
+                                            </p:txEl>
+                                          </p:spTgt>
                                         </p:tgtEl>
                                         <p:attrNameLst>
-                                          <p:attrName>r</p:attrName>
+                                          <p:attrName>style.visibility</p:attrName>
                                         </p:attrNameLst>
                                       </p:cBhvr>
-                                    </p:animRot>
+                                      <p:to>
+                                        <p:strVal val="visible"/>
+                                      </p:to>
+                                    </p:set>
+                                  </p:childTnLst>
+                                </p:cTn>
+                              </p:par>
+                              <p:par>
+                                <p:cTn id="7" presetID="1" presetClass="entr" presetSubtype="0" fill="hold" nodeType="withEffect">
+                                  <p:stCondLst>
+                                    <p:cond delay="0"/>
+                                  </p:stCondLst>
+                                  <p:childTnLst>
+                                    <p:set>
+                                      <p:cBhvr>
+                                        <p:cTn id="8" dur="1" fill="hold">
+                                          <p:stCondLst>
+                                            <p:cond delay="0"/>
+                                          </p:stCondLst>
+                                        </p:cTn>
+                                        <p:tgtEl>
+                                          <p:spTgt spid="3">
+                                            <p:txEl>
+                                              <p:pRg st="3" end="3"/>
+                                            </p:txEl>
+                                          </p:spTgt>
+                                        </p:tgtEl>
+                                        <p:attrNameLst>
+                                          <p:attrName>style.visibility</p:attrName>
+                                        </p:attrNameLst>
+                                      </p:cBhvr>
+                                      <p:to>
+                                        <p:strVal val="visible"/>
+                                      </p:to>
+                                    </p:set>
                                   </p:childTnLst>
                                 </p:cTn>
                               </p:par>
@@ -8383,31 +8949,218 @@
                     </p:cTn>
                   </p:par>
                   <p:par>
-                    <p:cTn id="7" fill="hold">
+                    <p:cTn id="9" fill="hold">
                       <p:stCondLst>
                         <p:cond delay="indefinite"/>
                       </p:stCondLst>
                       <p:childTnLst>
                         <p:par>
-                          <p:cTn id="8" fill="hold">
+                          <p:cTn id="10" fill="hold">
                             <p:stCondLst>
                               <p:cond delay="0"/>
                             </p:stCondLst>
                             <p:childTnLst>
                               <p:par>
-                                <p:cTn id="9" presetID="1" presetClass="mediacall" presetSubtype="0" fill="hold" nodeType="clickEffect">
+                                <p:cTn id="11" presetID="1" presetClass="entr" presetSubtype="0" fill="hold" nodeType="clickEffect">
                                   <p:stCondLst>
                                     <p:cond delay="0"/>
                                   </p:stCondLst>
                                   <p:childTnLst>
-                                    <p:cmd type="call" cmd="playFrom(0.0)">
+                                    <p:set>
                                       <p:cBhvr>
-                                        <p:cTn id="10" dur="23457" fill="hold"/>
+                                        <p:cTn id="12" dur="1" fill="hold">
+                                          <p:stCondLst>
+                                            <p:cond delay="0"/>
+                                          </p:stCondLst>
+                                        </p:cTn>
                                         <p:tgtEl>
-                                          <p:spTgt spid="3"/>
+                                          <p:spTgt spid="3">
+                                            <p:txEl>
+                                              <p:pRg st="4" end="4"/>
+                                            </p:txEl>
+                                          </p:spTgt>
                                         </p:tgtEl>
+                                        <p:attrNameLst>
+                                          <p:attrName>style.visibility</p:attrName>
+                                        </p:attrNameLst>
                                       </p:cBhvr>
-                                    </p:cmd>
+                                      <p:to>
+                                        <p:strVal val="visible"/>
+                                      </p:to>
+                                    </p:set>
+                                  </p:childTnLst>
+                                </p:cTn>
+                              </p:par>
+                              <p:par>
+                                <p:cTn id="13" presetID="1" presetClass="entr" presetSubtype="0" fill="hold" nodeType="withEffect">
+                                  <p:stCondLst>
+                                    <p:cond delay="0"/>
+                                  </p:stCondLst>
+                                  <p:childTnLst>
+                                    <p:set>
+                                      <p:cBhvr>
+                                        <p:cTn id="14" dur="1" fill="hold">
+                                          <p:stCondLst>
+                                            <p:cond delay="0"/>
+                                          </p:stCondLst>
+                                        </p:cTn>
+                                        <p:tgtEl>
+                                          <p:spTgt spid="3">
+                                            <p:txEl>
+                                              <p:pRg st="5" end="5"/>
+                                            </p:txEl>
+                                          </p:spTgt>
+                                        </p:tgtEl>
+                                        <p:attrNameLst>
+                                          <p:attrName>style.visibility</p:attrName>
+                                        </p:attrNameLst>
+                                      </p:cBhvr>
+                                      <p:to>
+                                        <p:strVal val="visible"/>
+                                      </p:to>
+                                    </p:set>
+                                  </p:childTnLst>
+                                </p:cTn>
+                              </p:par>
+                              <p:par>
+                                <p:cTn id="15" presetID="1" presetClass="entr" presetSubtype="0" fill="hold" nodeType="withEffect">
+                                  <p:stCondLst>
+                                    <p:cond delay="0"/>
+                                  </p:stCondLst>
+                                  <p:childTnLst>
+                                    <p:set>
+                                      <p:cBhvr>
+                                        <p:cTn id="16" dur="1" fill="hold">
+                                          <p:stCondLst>
+                                            <p:cond delay="0"/>
+                                          </p:stCondLst>
+                                        </p:cTn>
+                                        <p:tgtEl>
+                                          <p:spTgt spid="3">
+                                            <p:txEl>
+                                              <p:pRg st="6" end="6"/>
+                                            </p:txEl>
+                                          </p:spTgt>
+                                        </p:tgtEl>
+                                        <p:attrNameLst>
+                                          <p:attrName>style.visibility</p:attrName>
+                                        </p:attrNameLst>
+                                      </p:cBhvr>
+                                      <p:to>
+                                        <p:strVal val="visible"/>
+                                      </p:to>
+                                    </p:set>
+                                  </p:childTnLst>
+                                </p:cTn>
+                              </p:par>
+                              <p:par>
+                                <p:cTn id="17" presetID="1" presetClass="entr" presetSubtype="0" fill="hold" nodeType="withEffect">
+                                  <p:stCondLst>
+                                    <p:cond delay="0"/>
+                                  </p:stCondLst>
+                                  <p:childTnLst>
+                                    <p:set>
+                                      <p:cBhvr>
+                                        <p:cTn id="18" dur="1" fill="hold">
+                                          <p:stCondLst>
+                                            <p:cond delay="0"/>
+                                          </p:stCondLst>
+                                        </p:cTn>
+                                        <p:tgtEl>
+                                          <p:spTgt spid="3">
+                                            <p:txEl>
+                                              <p:pRg st="7" end="7"/>
+                                            </p:txEl>
+                                          </p:spTgt>
+                                        </p:tgtEl>
+                                        <p:attrNameLst>
+                                          <p:attrName>style.visibility</p:attrName>
+                                        </p:attrNameLst>
+                                      </p:cBhvr>
+                                      <p:to>
+                                        <p:strVal val="visible"/>
+                                      </p:to>
+                                    </p:set>
+                                  </p:childTnLst>
+                                </p:cTn>
+                              </p:par>
+                              <p:par>
+                                <p:cTn id="19" presetID="1" presetClass="entr" presetSubtype="0" fill="hold" nodeType="withEffect">
+                                  <p:stCondLst>
+                                    <p:cond delay="0"/>
+                                  </p:stCondLst>
+                                  <p:childTnLst>
+                                    <p:set>
+                                      <p:cBhvr>
+                                        <p:cTn id="20" dur="1" fill="hold">
+                                          <p:stCondLst>
+                                            <p:cond delay="0"/>
+                                          </p:stCondLst>
+                                        </p:cTn>
+                                        <p:tgtEl>
+                                          <p:spTgt spid="3">
+                                            <p:txEl>
+                                              <p:pRg st="8" end="8"/>
+                                            </p:txEl>
+                                          </p:spTgt>
+                                        </p:tgtEl>
+                                        <p:attrNameLst>
+                                          <p:attrName>style.visibility</p:attrName>
+                                        </p:attrNameLst>
+                                      </p:cBhvr>
+                                      <p:to>
+                                        <p:strVal val="visible"/>
+                                      </p:to>
+                                    </p:set>
+                                  </p:childTnLst>
+                                </p:cTn>
+                              </p:par>
+                            </p:childTnLst>
+                          </p:cTn>
+                        </p:par>
+                      </p:childTnLst>
+                    </p:cTn>
+                  </p:par>
+                  <p:par>
+                    <p:cTn id="21" fill="hold">
+                      <p:stCondLst>
+                        <p:cond delay="indefinite"/>
+                      </p:stCondLst>
+                      <p:childTnLst>
+                        <p:par>
+                          <p:cTn id="22" fill="hold">
+                            <p:stCondLst>
+                              <p:cond delay="0"/>
+                            </p:stCondLst>
+                            <p:childTnLst>
+                              <p:par>
+                                <p:cTn id="23" presetID="1" presetClass="entr" presetSubtype="0" fill="hold" nodeType="clickEffect">
+                                  <p:stCondLst>
+                                    <p:cond delay="0"/>
+                                  </p:stCondLst>
+                                  <p:childTnLst>
+                                    <p:set>
+                                      <p:cBhvr>
+                                        <p:cTn id="24" dur="1" fill="hold">
+                                          <p:stCondLst>
+                                            <p:cond delay="0"/>
+                                          </p:stCondLst>
+                                        </p:cTn>
+                                        <p:tgtEl>
+                                          <p:spTgt spid="3">
+                                            <p:txEl>
+                                              <p:pRg st="9" end="9"/>
+                                            </p:txEl>
+                                          </p:spTgt>
+                                        </p:tgtEl>
+                                        <p:attrNameLst>
+                                          <p:attrName>style.visibility</p:attrName>
+                                        </p:attrNameLst>
+                                      </p:cBhvr>
+                                      <p:to>
+                                        <p:strVal val="visible"/>
+                                      </p:to>
+                                    </p:set>
                                   </p:childTnLst>
                                 </p:cTn>
                               </p:par>
@@ -8434,33 +9187,1996 @@
                 </p:cond>
               </p:nextCondLst>
             </p:seq>
-            <p:audio>
-              <p:cMediaNode vol="80000">
-                <p:cTn id="11" fill="hold" display="0">
-                  <p:stCondLst>
-                    <p:cond delay="indefinite"/>
-                  </p:stCondLst>
-                  <p:endCondLst>
-                    <p:cond evt="onStopAudio" delay="0">
-                      <p:tgtEl>
-                        <p:sldTgt/>
-                      </p:tgtEl>
-                    </p:cond>
-                  </p:endCondLst>
-                </p:cTn>
-                <p:tgtEl>
-                  <p:spTgt spid="3"/>
-                </p:tgtEl>
-              </p:cMediaNode>
-            </p:audio>
           </p:childTnLst>
         </p:cTn>
       </p:par>
     </p:tnLst>
-    <p:bldLst>
-      <p:bldP spid="4" grpId="0"/>
-    </p:bldLst>
   </p:timing>
+</p:sld>
+</file>
+
+<file path=ppt/slides/slide5.xml><?xml version="1.0" encoding="utf-8"?>
+<p:sld xmlns:a="http://schemas.openxmlformats.org/drawingml/2006/main" xmlns:r="http://schemas.openxmlformats.org/officeDocument/2006/relationships" xmlns:p="http://schemas.openxmlformats.org/presentationml/2006/main" show="0">
+  <p:cSld>
+    <p:spTree>
+      <p:nvGrpSpPr>
+        <p:cNvPr id="1" name=""/>
+        <p:cNvGrpSpPr/>
+        <p:nvPr/>
+      </p:nvGrpSpPr>
+      <p:grpSpPr>
+        <a:xfrm>
+          <a:off x="0" y="0"/>
+          <a:ext cx="0" cy="0"/>
+          <a:chOff x="0" y="0"/>
+          <a:chExt cx="0" cy="0"/>
+        </a:xfrm>
+      </p:grpSpPr>
+      <p:sp>
+        <p:nvSpPr>
+          <p:cNvPr id="2" name="Titel 1">
+            <a:extLst>
+              <a:ext uri="{FF2B5EF4-FFF2-40B4-BE49-F238E27FC236}">
+                <a16:creationId xmlns:a16="http://schemas.microsoft.com/office/drawing/2014/main" id="{943144D0-897A-4AA8-B059-E1E0154457B3}"/>
+              </a:ext>
+            </a:extLst>
+          </p:cNvPr>
+          <p:cNvSpPr>
+            <a:spLocks noGrp="1"/>
+          </p:cNvSpPr>
+          <p:nvPr>
+            <p:ph type="title"/>
+          </p:nvPr>
+        </p:nvSpPr>
+        <p:spPr/>
+        <p:txBody>
+          <a:bodyPr/>
+          <a:lstStyle/>
+          <a:p>
+            <a:r>
+              <a:rPr lang="nl-NL" dirty="0" err="1"/>
+              <a:t>Greedy</a:t>
+            </a:r>
+            <a:r>
+              <a:rPr lang="nl-NL" dirty="0"/>
+              <a:t> “Algoritme”</a:t>
+            </a:r>
+          </a:p>
+        </p:txBody>
+      </p:sp>
+      <p:sp>
+        <p:nvSpPr>
+          <p:cNvPr id="3" name="Tijdelijke aanduiding voor inhoud 2">
+            <a:extLst>
+              <a:ext uri="{FF2B5EF4-FFF2-40B4-BE49-F238E27FC236}">
+                <a16:creationId xmlns:a16="http://schemas.microsoft.com/office/drawing/2014/main" id="{7042BEE0-95CD-4090-8698-41DD4AFCB6C6}"/>
+              </a:ext>
+            </a:extLst>
+          </p:cNvPr>
+          <p:cNvSpPr>
+            <a:spLocks noGrp="1"/>
+          </p:cNvSpPr>
+          <p:nvPr>
+            <p:ph idx="1"/>
+          </p:nvPr>
+        </p:nvSpPr>
+        <p:spPr>
+          <a:xfrm>
+            <a:off x="677334" y="2160589"/>
+            <a:ext cx="6343576" cy="3880773"/>
+          </a:xfrm>
+        </p:spPr>
+        <p:txBody>
+          <a:bodyPr/>
+          <a:lstStyle/>
+          <a:p>
+            <a:r>
+              <a:rPr lang="nl-NL" dirty="0"/>
+              <a:t>Maximale </a:t>
+            </a:r>
+            <a:r>
+              <a:rPr lang="nl-NL" dirty="0" err="1"/>
+              <a:t>vrijstand</a:t>
+            </a:r>
+            <a:r>
+              <a:rPr lang="nl-NL" dirty="0"/>
+              <a:t> voor </a:t>
+            </a:r>
+            <a:r>
+              <a:rPr lang="nl-NL" dirty="0" err="1"/>
+              <a:t>maisons</a:t>
+            </a:r>
+            <a:r>
+              <a:rPr lang="nl-NL" dirty="0"/>
+              <a:t> (44 m)</a:t>
+            </a:r>
+          </a:p>
+          <a:p>
+            <a:r>
+              <a:rPr lang="nl-NL" dirty="0"/>
+              <a:t>Maximale </a:t>
+            </a:r>
+            <a:r>
+              <a:rPr lang="nl-NL" dirty="0" err="1"/>
+              <a:t>vrijstand</a:t>
+            </a:r>
+            <a:r>
+              <a:rPr lang="nl-NL" dirty="0"/>
+              <a:t> voor bungalows</a:t>
+            </a:r>
+          </a:p>
+          <a:p>
+            <a:r>
+              <a:rPr lang="nl-NL" dirty="0"/>
+              <a:t>Eengezinswoningen verwaarloosbare </a:t>
+            </a:r>
+            <a:r>
+              <a:rPr lang="nl-NL" dirty="0" err="1"/>
+              <a:t>vrijstand</a:t>
+            </a:r>
+            <a:endParaRPr lang="nl-NL" dirty="0"/>
+          </a:p>
+          <a:p>
+            <a:r>
+              <a:rPr lang="nl-NL" dirty="0"/>
+              <a:t>ca. € 12.566.520</a:t>
+            </a:r>
+          </a:p>
+          <a:p>
+            <a:r>
+              <a:rPr lang="nl-NL" dirty="0"/>
+              <a:t>Ogen en haken </a:t>
+            </a:r>
+          </a:p>
+        </p:txBody>
+      </p:sp>
+      <p:pic>
+        <p:nvPicPr>
+          <p:cNvPr id="5" name="Afbeelding 4" descr="cid:334eee87-3bd0-47fc-b57f-65f397155307">
+            <a:extLst>
+              <a:ext uri="{FF2B5EF4-FFF2-40B4-BE49-F238E27FC236}">
+                <a16:creationId xmlns:a16="http://schemas.microsoft.com/office/drawing/2014/main" id="{62A67B38-DB78-42A5-AB97-D4451FA11AD6}"/>
+              </a:ext>
+            </a:extLst>
+          </p:cNvPr>
+          <p:cNvPicPr/>
+          <p:nvPr/>
+        </p:nvPicPr>
+        <p:blipFill>
+          <a:blip r:embed="rId2" r:link="rId3">
+            <a:extLst>
+              <a:ext uri="{28A0092B-C50C-407E-A947-70E740481C1C}">
+                <a14:useLocalDpi xmlns:a14="http://schemas.microsoft.com/office/drawing/2010/main" val="0"/>
+              </a:ext>
+            </a:extLst>
+          </a:blip>
+          <a:srcRect/>
+          <a:stretch>
+            <a:fillRect/>
+          </a:stretch>
+        </p:blipFill>
+        <p:spPr bwMode="auto">
+          <a:xfrm>
+            <a:off x="5990895" y="1520496"/>
+            <a:ext cx="5892073" cy="4833401"/>
+          </a:xfrm>
+          <a:prstGeom prst="rect">
+            <a:avLst/>
+          </a:prstGeom>
+          <a:noFill/>
+          <a:ln>
+            <a:noFill/>
+          </a:ln>
+        </p:spPr>
+      </p:pic>
+    </p:spTree>
+    <p:extLst>
+      <p:ext uri="{BB962C8B-B14F-4D97-AF65-F5344CB8AC3E}">
+        <p14:creationId xmlns:p14="http://schemas.microsoft.com/office/powerpoint/2010/main" val="1512266678"/>
+      </p:ext>
+    </p:extLst>
+  </p:cSld>
+  <p:clrMapOvr>
+    <a:masterClrMapping/>
+  </p:clrMapOvr>
+</p:sld>
+</file>
+
+<file path=ppt/slides/slide6.xml><?xml version="1.0" encoding="utf-8"?>
+<p:sld xmlns:a="http://schemas.openxmlformats.org/drawingml/2006/main" xmlns:r="http://schemas.openxmlformats.org/officeDocument/2006/relationships" xmlns:p="http://schemas.openxmlformats.org/presentationml/2006/main">
+  <p:cSld>
+    <p:bg>
+      <p:bgPr>
+        <a:solidFill>
+          <a:schemeClr val="bg1"/>
+        </a:solidFill>
+        <a:effectLst/>
+      </p:bgPr>
+    </p:bg>
+    <p:spTree>
+      <p:nvGrpSpPr>
+        <p:cNvPr id="1" name=""/>
+        <p:cNvGrpSpPr/>
+        <p:nvPr/>
+      </p:nvGrpSpPr>
+      <p:grpSpPr>
+        <a:xfrm>
+          <a:off x="0" y="0"/>
+          <a:ext cx="0" cy="0"/>
+          <a:chOff x="0" y="0"/>
+          <a:chExt cx="0" cy="0"/>
+        </a:xfrm>
+      </p:grpSpPr>
+      <p:sp>
+        <p:nvSpPr>
+          <p:cNvPr id="2" name="Titel 1">
+            <a:extLst>
+              <a:ext uri="{FF2B5EF4-FFF2-40B4-BE49-F238E27FC236}">
+                <a16:creationId xmlns:a16="http://schemas.microsoft.com/office/drawing/2014/main" id="{E7E760FB-FAAD-470C-868E-18C90A334CEE}"/>
+              </a:ext>
+            </a:extLst>
+          </p:cNvPr>
+          <p:cNvSpPr>
+            <a:spLocks noGrp="1"/>
+          </p:cNvSpPr>
+          <p:nvPr>
+            <p:ph type="title"/>
+          </p:nvPr>
+        </p:nvSpPr>
+        <p:spPr>
+          <a:xfrm>
+            <a:off x="677333" y="609600"/>
+            <a:ext cx="4209977" cy="1320800"/>
+          </a:xfrm>
+        </p:spPr>
+        <p:txBody>
+          <a:bodyPr>
+            <a:normAutofit/>
+          </a:bodyPr>
+          <a:lstStyle/>
+          <a:p>
+            <a:r>
+              <a:rPr lang="nl-NL" dirty="0"/>
+              <a:t>Doelen van week 2 en 3 </a:t>
+            </a:r>
+          </a:p>
+        </p:txBody>
+      </p:sp>
+      <p:sp>
+        <p:nvSpPr>
+          <p:cNvPr id="3" name="Tijdelijke aanduiding voor inhoud 2">
+            <a:extLst>
+              <a:ext uri="{FF2B5EF4-FFF2-40B4-BE49-F238E27FC236}">
+                <a16:creationId xmlns:a16="http://schemas.microsoft.com/office/drawing/2014/main" id="{78DB1EAC-5548-47F6-8CF8-7C2EA9106A7B}"/>
+              </a:ext>
+            </a:extLst>
+          </p:cNvPr>
+          <p:cNvSpPr>
+            <a:spLocks noGrp="1"/>
+          </p:cNvSpPr>
+          <p:nvPr>
+            <p:ph idx="1"/>
+          </p:nvPr>
+        </p:nvSpPr>
+        <p:spPr>
+          <a:xfrm>
+            <a:off x="677334" y="2160589"/>
+            <a:ext cx="3851122" cy="3880773"/>
+          </a:xfrm>
+        </p:spPr>
+        <p:txBody>
+          <a:bodyPr>
+            <a:normAutofit/>
+          </a:bodyPr>
+          <a:lstStyle/>
+          <a:p>
+            <a:r>
+              <a:rPr lang="nl-NL" dirty="0"/>
+              <a:t>Random “Algoritme”</a:t>
+            </a:r>
+          </a:p>
+          <a:p>
+            <a:r>
+              <a:rPr lang="nl-NL" dirty="0"/>
+              <a:t>Controlefuncties</a:t>
+            </a:r>
+          </a:p>
+          <a:p>
+            <a:r>
+              <a:rPr lang="nl-NL" dirty="0"/>
+              <a:t>Uitrekenen van score</a:t>
+            </a:r>
+          </a:p>
+          <a:p>
+            <a:r>
+              <a:rPr lang="nl-NL" dirty="0" err="1"/>
+              <a:t>Bokeh</a:t>
+            </a:r>
+            <a:r>
+              <a:rPr lang="nl-NL" dirty="0"/>
+              <a:t> Library</a:t>
+            </a:r>
+          </a:p>
+          <a:p>
+            <a:pPr lvl="1"/>
+            <a:r>
+              <a:rPr lang="nl-NL" dirty="0"/>
+              <a:t>Lijst maken van de plattegrond</a:t>
+            </a:r>
+          </a:p>
+          <a:p>
+            <a:pPr lvl="1"/>
+            <a:r>
+              <a:rPr lang="nl-NL" dirty="0"/>
+              <a:t>Water plaatsen</a:t>
+            </a:r>
+          </a:p>
+          <a:p>
+            <a:pPr lvl="1"/>
+            <a:r>
+              <a:rPr lang="nl-NL" dirty="0"/>
+              <a:t>Huizen plaatsen</a:t>
+            </a:r>
+          </a:p>
+        </p:txBody>
+      </p:sp>
+      <p:cxnSp>
+        <p:nvCxnSpPr>
+          <p:cNvPr id="10" name="Straight Connector 9">
+            <a:extLst>
+              <a:ext uri="{FF2B5EF4-FFF2-40B4-BE49-F238E27FC236}">
+                <a16:creationId xmlns:a16="http://schemas.microsoft.com/office/drawing/2014/main" id="{64FA5DFF-7FE6-4855-84E6-DFA78EE978BD}"/>
+              </a:ext>
+              <a:ext uri="{C183D7F6-B498-43B3-948B-1728B52AA6E4}">
+                <adec:decorative xmlns:adec="http://schemas.microsoft.com/office/drawing/2017/decorative" val="1"/>
+              </a:ext>
+            </a:extLst>
+          </p:cNvPr>
+          <p:cNvCxnSpPr>
+            <a:cxnSpLocks noGrp="1" noRot="1" noChangeAspect="1" noMove="1" noResize="1" noEditPoints="1" noAdjustHandles="1" noChangeArrowheads="1" noChangeShapeType="1"/>
+          </p:cNvCxnSpPr>
+          <p:nvPr>
+            <p:extLst>
+              <p:ext uri="{386F3935-93C4-4BCD-93E2-E3B085C9AB24}">
+                <p16:designElem xmlns:p16="http://schemas.microsoft.com/office/powerpoint/2015/main" val="1"/>
+              </p:ext>
+            </p:extLst>
+          </p:nvPr>
+        </p:nvCxnSpPr>
+        <p:spPr>
+          <a:xfrm>
+            <a:off x="9371012" y="0"/>
+            <a:ext cx="1219200" cy="6858000"/>
+          </a:xfrm>
+          <a:prstGeom prst="line">
+            <a:avLst/>
+          </a:prstGeom>
+          <a:ln w="9525">
+            <a:solidFill>
+              <a:schemeClr val="bg1">
+                <a:lumMod val="75000"/>
+              </a:schemeClr>
+            </a:solidFill>
+          </a:ln>
+        </p:spPr>
+        <p:style>
+          <a:lnRef idx="2">
+            <a:schemeClr val="accent1"/>
+          </a:lnRef>
+          <a:fillRef idx="0">
+            <a:schemeClr val="accent1"/>
+          </a:fillRef>
+          <a:effectRef idx="1">
+            <a:schemeClr val="accent1"/>
+          </a:effectRef>
+          <a:fontRef idx="minor">
+            <a:schemeClr val="tx1"/>
+          </a:fontRef>
+        </p:style>
+      </p:cxnSp>
+      <p:cxnSp>
+        <p:nvCxnSpPr>
+          <p:cNvPr id="12" name="Straight Connector 11">
+            <a:extLst>
+              <a:ext uri="{FF2B5EF4-FFF2-40B4-BE49-F238E27FC236}">
+                <a16:creationId xmlns:a16="http://schemas.microsoft.com/office/drawing/2014/main" id="{2AFD8CBA-54A3-4363-991B-B9C631BBFA74}"/>
+              </a:ext>
+              <a:ext uri="{C183D7F6-B498-43B3-948B-1728B52AA6E4}">
+                <adec:decorative xmlns:adec="http://schemas.microsoft.com/office/drawing/2017/decorative" val="1"/>
+              </a:ext>
+            </a:extLst>
+          </p:cNvPr>
+          <p:cNvCxnSpPr>
+            <a:cxnSpLocks noGrp="1" noRot="1" noChangeAspect="1" noMove="1" noResize="1" noEditPoints="1" noAdjustHandles="1" noChangeArrowheads="1" noChangeShapeType="1"/>
+          </p:cNvCxnSpPr>
+          <p:nvPr>
+            <p:extLst>
+              <p:ext uri="{386F3935-93C4-4BCD-93E2-E3B085C9AB24}">
+                <p16:designElem xmlns:p16="http://schemas.microsoft.com/office/powerpoint/2015/main" val="1"/>
+              </p:ext>
+            </p:extLst>
+          </p:nvPr>
+        </p:nvCxnSpPr>
+        <p:spPr>
+          <a:xfrm flipH="1">
+            <a:off x="7425267" y="3681413"/>
+            <a:ext cx="4763558" cy="3176587"/>
+          </a:xfrm>
+          <a:prstGeom prst="line">
+            <a:avLst/>
+          </a:prstGeom>
+          <a:ln w="9525">
+            <a:solidFill>
+              <a:schemeClr val="bg1">
+                <a:lumMod val="85000"/>
+              </a:schemeClr>
+            </a:solidFill>
+          </a:ln>
+        </p:spPr>
+        <p:style>
+          <a:lnRef idx="2">
+            <a:schemeClr val="accent1"/>
+          </a:lnRef>
+          <a:fillRef idx="0">
+            <a:schemeClr val="accent1"/>
+          </a:fillRef>
+          <a:effectRef idx="1">
+            <a:schemeClr val="accent1"/>
+          </a:effectRef>
+          <a:fontRef idx="minor">
+            <a:schemeClr val="tx1"/>
+          </a:fontRef>
+        </p:style>
+      </p:cxnSp>
+      <p:sp>
+        <p:nvSpPr>
+          <p:cNvPr id="14" name="Rectangle 23">
+            <a:extLst>
+              <a:ext uri="{FF2B5EF4-FFF2-40B4-BE49-F238E27FC236}">
+                <a16:creationId xmlns:a16="http://schemas.microsoft.com/office/drawing/2014/main" id="{3F088236-D655-4F88-B238-E16762358025}"/>
+              </a:ext>
+              <a:ext uri="{C183D7F6-B498-43B3-948B-1728B52AA6E4}">
+                <adec:decorative xmlns:adec="http://schemas.microsoft.com/office/drawing/2017/decorative" val="1"/>
+              </a:ext>
+            </a:extLst>
+          </p:cNvPr>
+          <p:cNvSpPr>
+            <a:spLocks noGrp="1" noRot="1" noChangeAspect="1" noMove="1" noResize="1" noEditPoints="1" noAdjustHandles="1" noChangeArrowheads="1" noChangeShapeType="1" noTextEdit="1"/>
+          </p:cNvSpPr>
+          <p:nvPr>
+            <p:extLst>
+              <p:ext uri="{386F3935-93C4-4BCD-93E2-E3B085C9AB24}">
+                <p16:designElem xmlns:p16="http://schemas.microsoft.com/office/powerpoint/2015/main" val="1"/>
+              </p:ext>
+            </p:extLst>
+          </p:nvPr>
+        </p:nvSpPr>
+        <p:spPr>
+          <a:xfrm>
+            <a:off x="9181476" y="-8467"/>
+            <a:ext cx="3007349" cy="6866467"/>
+          </a:xfrm>
+          <a:custGeom>
+            <a:avLst/>
+            <a:gdLst/>
+            <a:ahLst/>
+            <a:cxnLst/>
+            <a:rect l="l" t="t" r="r" b="b"/>
+            <a:pathLst>
+              <a:path w="3007349" h="6866467">
+                <a:moveTo>
+                  <a:pt x="2045532" y="0"/>
+                </a:moveTo>
+                <a:lnTo>
+                  <a:pt x="3007349" y="0"/>
+                </a:lnTo>
+                <a:lnTo>
+                  <a:pt x="3007349" y="6866467"/>
+                </a:lnTo>
+                <a:lnTo>
+                  <a:pt x="0" y="6866467"/>
+                </a:lnTo>
+                <a:lnTo>
+                  <a:pt x="2045532" y="0"/>
+                </a:lnTo>
+                <a:close/>
+              </a:path>
+            </a:pathLst>
+          </a:custGeom>
+          <a:solidFill>
+            <a:schemeClr val="accent1">
+              <a:alpha val="30000"/>
+            </a:schemeClr>
+          </a:solidFill>
+          <a:ln>
+            <a:noFill/>
+          </a:ln>
+          <a:effectLst/>
+        </p:spPr>
+        <p:style>
+          <a:lnRef idx="1">
+            <a:schemeClr val="accent1"/>
+          </a:lnRef>
+          <a:fillRef idx="3">
+            <a:schemeClr val="accent1"/>
+          </a:fillRef>
+          <a:effectRef idx="2">
+            <a:schemeClr val="accent1"/>
+          </a:effectRef>
+          <a:fontRef idx="minor">
+            <a:schemeClr val="lt1"/>
+          </a:fontRef>
+        </p:style>
+      </p:sp>
+      <p:sp>
+        <p:nvSpPr>
+          <p:cNvPr id="16" name="Rectangle 25">
+            <a:extLst>
+              <a:ext uri="{FF2B5EF4-FFF2-40B4-BE49-F238E27FC236}">
+                <a16:creationId xmlns:a16="http://schemas.microsoft.com/office/drawing/2014/main" id="{3DAC0C92-199E-475C-9390-119A9B027276}"/>
+              </a:ext>
+              <a:ext uri="{C183D7F6-B498-43B3-948B-1728B52AA6E4}">
+                <adec:decorative xmlns:adec="http://schemas.microsoft.com/office/drawing/2017/decorative" val="1"/>
+              </a:ext>
+            </a:extLst>
+          </p:cNvPr>
+          <p:cNvSpPr>
+            <a:spLocks noGrp="1" noRot="1" noChangeAspect="1" noMove="1" noResize="1" noEditPoints="1" noAdjustHandles="1" noChangeArrowheads="1" noChangeShapeType="1" noTextEdit="1"/>
+          </p:cNvSpPr>
+          <p:nvPr>
+            <p:extLst>
+              <p:ext uri="{386F3935-93C4-4BCD-93E2-E3B085C9AB24}">
+                <p16:designElem xmlns:p16="http://schemas.microsoft.com/office/powerpoint/2015/main" val="1"/>
+              </p:ext>
+            </p:extLst>
+          </p:nvPr>
+        </p:nvSpPr>
+        <p:spPr>
+          <a:xfrm>
+            <a:off x="9603442" y="-8467"/>
+            <a:ext cx="2588558" cy="6866467"/>
+          </a:xfrm>
+          <a:custGeom>
+            <a:avLst/>
+            <a:gdLst/>
+            <a:ahLst/>
+            <a:cxnLst/>
+            <a:rect l="l" t="t" r="r" b="b"/>
+            <a:pathLst>
+              <a:path w="2573311" h="6866467">
+                <a:moveTo>
+                  <a:pt x="0" y="0"/>
+                </a:moveTo>
+                <a:lnTo>
+                  <a:pt x="2573311" y="0"/>
+                </a:lnTo>
+                <a:lnTo>
+                  <a:pt x="2573311" y="6866467"/>
+                </a:lnTo>
+                <a:lnTo>
+                  <a:pt x="1202336" y="6866467"/>
+                </a:lnTo>
+                <a:lnTo>
+                  <a:pt x="0" y="0"/>
+                </a:lnTo>
+                <a:close/>
+              </a:path>
+            </a:pathLst>
+          </a:custGeom>
+          <a:solidFill>
+            <a:schemeClr val="accent1">
+              <a:alpha val="20000"/>
+            </a:schemeClr>
+          </a:solidFill>
+          <a:ln>
+            <a:noFill/>
+          </a:ln>
+          <a:effectLst/>
+        </p:spPr>
+        <p:style>
+          <a:lnRef idx="1">
+            <a:schemeClr val="accent1"/>
+          </a:lnRef>
+          <a:fillRef idx="3">
+            <a:schemeClr val="accent1"/>
+          </a:fillRef>
+          <a:effectRef idx="2">
+            <a:schemeClr val="accent1"/>
+          </a:effectRef>
+          <a:fontRef idx="minor">
+            <a:schemeClr val="lt1"/>
+          </a:fontRef>
+        </p:style>
+      </p:sp>
+      <p:sp>
+        <p:nvSpPr>
+          <p:cNvPr id="18" name="Isosceles Triangle 24">
+            <a:extLst>
+              <a:ext uri="{FF2B5EF4-FFF2-40B4-BE49-F238E27FC236}">
+                <a16:creationId xmlns:a16="http://schemas.microsoft.com/office/drawing/2014/main" id="{C4CFB339-0ED8-4FE2-9EF1-6D1375B8499B}"/>
+              </a:ext>
+              <a:ext uri="{C183D7F6-B498-43B3-948B-1728B52AA6E4}">
+                <adec:decorative xmlns:adec="http://schemas.microsoft.com/office/drawing/2017/decorative" val="1"/>
+              </a:ext>
+            </a:extLst>
+          </p:cNvPr>
+          <p:cNvSpPr>
+            <a:spLocks noGrp="1" noRot="1" noChangeAspect="1" noMove="1" noResize="1" noEditPoints="1" noAdjustHandles="1" noChangeArrowheads="1" noChangeShapeType="1" noTextEdit="1"/>
+          </p:cNvSpPr>
+          <p:nvPr>
+            <p:extLst>
+              <p:ext uri="{386F3935-93C4-4BCD-93E2-E3B085C9AB24}">
+                <p16:designElem xmlns:p16="http://schemas.microsoft.com/office/powerpoint/2015/main" val="1"/>
+              </p:ext>
+            </p:extLst>
+          </p:nvPr>
+        </p:nvSpPr>
+        <p:spPr>
+          <a:xfrm>
+            <a:off x="8932333" y="3048000"/>
+            <a:ext cx="3259667" cy="3810000"/>
+          </a:xfrm>
+          <a:prstGeom prst="triangle">
+            <a:avLst>
+              <a:gd name="adj" fmla="val 100000"/>
+            </a:avLst>
+          </a:prstGeom>
+          <a:solidFill>
+            <a:schemeClr val="accent2">
+              <a:alpha val="72000"/>
+            </a:schemeClr>
+          </a:solidFill>
+          <a:ln>
+            <a:noFill/>
+          </a:ln>
+          <a:effectLst/>
+        </p:spPr>
+        <p:style>
+          <a:lnRef idx="1">
+            <a:schemeClr val="accent1"/>
+          </a:lnRef>
+          <a:fillRef idx="3">
+            <a:schemeClr val="accent1"/>
+          </a:fillRef>
+          <a:effectRef idx="2">
+            <a:schemeClr val="accent1"/>
+          </a:effectRef>
+          <a:fontRef idx="minor">
+            <a:schemeClr val="lt1"/>
+          </a:fontRef>
+        </p:style>
+      </p:sp>
+      <p:sp>
+        <p:nvSpPr>
+          <p:cNvPr id="20" name="Rectangle 27">
+            <a:extLst>
+              <a:ext uri="{FF2B5EF4-FFF2-40B4-BE49-F238E27FC236}">
+                <a16:creationId xmlns:a16="http://schemas.microsoft.com/office/drawing/2014/main" id="{31896C80-2069-4431-9C19-83B913734490}"/>
+              </a:ext>
+              <a:ext uri="{C183D7F6-B498-43B3-948B-1728B52AA6E4}">
+                <adec:decorative xmlns:adec="http://schemas.microsoft.com/office/drawing/2017/decorative" val="1"/>
+              </a:ext>
+            </a:extLst>
+          </p:cNvPr>
+          <p:cNvSpPr>
+            <a:spLocks noGrp="1" noRot="1" noChangeAspect="1" noMove="1" noResize="1" noEditPoints="1" noAdjustHandles="1" noChangeArrowheads="1" noChangeShapeType="1" noTextEdit="1"/>
+          </p:cNvSpPr>
+          <p:nvPr>
+            <p:extLst>
+              <p:ext uri="{386F3935-93C4-4BCD-93E2-E3B085C9AB24}">
+                <p16:designElem xmlns:p16="http://schemas.microsoft.com/office/powerpoint/2015/main" val="1"/>
+              </p:ext>
+            </p:extLst>
+          </p:nvPr>
+        </p:nvSpPr>
+        <p:spPr>
+          <a:xfrm>
+            <a:off x="9334500" y="-8467"/>
+            <a:ext cx="2854326" cy="6866467"/>
+          </a:xfrm>
+          <a:custGeom>
+            <a:avLst/>
+            <a:gdLst/>
+            <a:ahLst/>
+            <a:cxnLst/>
+            <a:rect l="l" t="t" r="r" b="b"/>
+            <a:pathLst>
+              <a:path w="2858013" h="6866467">
+                <a:moveTo>
+                  <a:pt x="0" y="0"/>
+                </a:moveTo>
+                <a:lnTo>
+                  <a:pt x="2858013" y="0"/>
+                </a:lnTo>
+                <a:lnTo>
+                  <a:pt x="2858013" y="6866467"/>
+                </a:lnTo>
+                <a:lnTo>
+                  <a:pt x="2473942" y="6866467"/>
+                </a:lnTo>
+                <a:lnTo>
+                  <a:pt x="0" y="0"/>
+                </a:lnTo>
+                <a:close/>
+              </a:path>
+            </a:pathLst>
+          </a:custGeom>
+          <a:solidFill>
+            <a:schemeClr val="accent2">
+              <a:lumMod val="75000"/>
+              <a:alpha val="47000"/>
+            </a:schemeClr>
+          </a:solidFill>
+          <a:ln>
+            <a:noFill/>
+          </a:ln>
+          <a:effectLst/>
+        </p:spPr>
+        <p:style>
+          <a:lnRef idx="1">
+            <a:schemeClr val="accent1"/>
+          </a:lnRef>
+          <a:fillRef idx="3">
+            <a:schemeClr val="accent1"/>
+          </a:fillRef>
+          <a:effectRef idx="2">
+            <a:schemeClr val="accent1"/>
+          </a:effectRef>
+          <a:fontRef idx="minor">
+            <a:schemeClr val="lt1"/>
+          </a:fontRef>
+        </p:style>
+      </p:sp>
+      <p:sp>
+        <p:nvSpPr>
+          <p:cNvPr id="22" name="Rectangle 28">
+            <a:extLst>
+              <a:ext uri="{FF2B5EF4-FFF2-40B4-BE49-F238E27FC236}">
+                <a16:creationId xmlns:a16="http://schemas.microsoft.com/office/drawing/2014/main" id="{BF120A21-0841-4823-B0C4-28AEBCEF9B78}"/>
+              </a:ext>
+              <a:ext uri="{C183D7F6-B498-43B3-948B-1728B52AA6E4}">
+                <adec:decorative xmlns:adec="http://schemas.microsoft.com/office/drawing/2017/decorative" val="1"/>
+              </a:ext>
+            </a:extLst>
+          </p:cNvPr>
+          <p:cNvSpPr>
+            <a:spLocks noGrp="1" noRot="1" noChangeAspect="1" noMove="1" noResize="1" noEditPoints="1" noAdjustHandles="1" noChangeArrowheads="1" noChangeShapeType="1" noTextEdit="1"/>
+          </p:cNvSpPr>
+          <p:nvPr>
+            <p:extLst>
+              <p:ext uri="{386F3935-93C4-4BCD-93E2-E3B085C9AB24}">
+                <p16:designElem xmlns:p16="http://schemas.microsoft.com/office/powerpoint/2015/main" val="1"/>
+              </p:ext>
+            </p:extLst>
+          </p:nvPr>
+        </p:nvSpPr>
+        <p:spPr>
+          <a:xfrm>
+            <a:off x="10898730" y="-8467"/>
+            <a:ext cx="1290094" cy="6866467"/>
+          </a:xfrm>
+          <a:custGeom>
+            <a:avLst/>
+            <a:gdLst/>
+            <a:ahLst/>
+            <a:cxnLst/>
+            <a:rect l="l" t="t" r="r" b="b"/>
+            <a:pathLst>
+              <a:path w="1290094" h="6858000">
+                <a:moveTo>
+                  <a:pt x="1019735" y="0"/>
+                </a:moveTo>
+                <a:lnTo>
+                  <a:pt x="1290094" y="0"/>
+                </a:lnTo>
+                <a:lnTo>
+                  <a:pt x="1290094" y="6858000"/>
+                </a:lnTo>
+                <a:lnTo>
+                  <a:pt x="0" y="6858000"/>
+                </a:lnTo>
+                <a:lnTo>
+                  <a:pt x="1019735" y="0"/>
+                </a:lnTo>
+                <a:close/>
+              </a:path>
+            </a:pathLst>
+          </a:custGeom>
+          <a:solidFill>
+            <a:schemeClr val="accent1">
+              <a:lumMod val="60000"/>
+              <a:lumOff val="40000"/>
+              <a:alpha val="70000"/>
+            </a:schemeClr>
+          </a:solidFill>
+          <a:ln>
+            <a:noFill/>
+          </a:ln>
+          <a:effectLst/>
+        </p:spPr>
+        <p:style>
+          <a:lnRef idx="1">
+            <a:schemeClr val="accent1"/>
+          </a:lnRef>
+          <a:fillRef idx="3">
+            <a:schemeClr val="accent1"/>
+          </a:fillRef>
+          <a:effectRef idx="2">
+            <a:schemeClr val="accent1"/>
+          </a:effectRef>
+          <a:fontRef idx="minor">
+            <a:schemeClr val="lt1"/>
+          </a:fontRef>
+        </p:style>
+      </p:sp>
+      <p:sp>
+        <p:nvSpPr>
+          <p:cNvPr id="24" name="Rectangle 29">
+            <a:extLst>
+              <a:ext uri="{FF2B5EF4-FFF2-40B4-BE49-F238E27FC236}">
+                <a16:creationId xmlns:a16="http://schemas.microsoft.com/office/drawing/2014/main" id="{DBB05BAE-BBD3-4289-899F-A6851503C6B0}"/>
+              </a:ext>
+              <a:ext uri="{C183D7F6-B498-43B3-948B-1728B52AA6E4}">
+                <adec:decorative xmlns:adec="http://schemas.microsoft.com/office/drawing/2017/decorative" val="1"/>
+              </a:ext>
+            </a:extLst>
+          </p:cNvPr>
+          <p:cNvSpPr>
+            <a:spLocks noGrp="1" noRot="1" noChangeAspect="1" noMove="1" noResize="1" noEditPoints="1" noAdjustHandles="1" noChangeArrowheads="1" noChangeShapeType="1" noTextEdit="1"/>
+          </p:cNvSpPr>
+          <p:nvPr>
+            <p:extLst>
+              <p:ext uri="{386F3935-93C4-4BCD-93E2-E3B085C9AB24}">
+                <p16:designElem xmlns:p16="http://schemas.microsoft.com/office/powerpoint/2015/main" val="1"/>
+              </p:ext>
+            </p:extLst>
+          </p:nvPr>
+        </p:nvSpPr>
+        <p:spPr>
+          <a:xfrm>
+            <a:off x="10938999" y="-8467"/>
+            <a:ext cx="1249825" cy="6866467"/>
+          </a:xfrm>
+          <a:custGeom>
+            <a:avLst/>
+            <a:gdLst/>
+            <a:ahLst/>
+            <a:cxnLst/>
+            <a:rect l="l" t="t" r="r" b="b"/>
+            <a:pathLst>
+              <a:path w="1249825" h="6858000">
+                <a:moveTo>
+                  <a:pt x="0" y="0"/>
+                </a:moveTo>
+                <a:lnTo>
+                  <a:pt x="1249825" y="0"/>
+                </a:lnTo>
+                <a:lnTo>
+                  <a:pt x="1249825" y="6858000"/>
+                </a:lnTo>
+                <a:lnTo>
+                  <a:pt x="1109382" y="6858000"/>
+                </a:lnTo>
+                <a:lnTo>
+                  <a:pt x="0" y="0"/>
+                </a:lnTo>
+                <a:close/>
+              </a:path>
+            </a:pathLst>
+          </a:custGeom>
+          <a:solidFill>
+            <a:schemeClr val="accent1">
+              <a:alpha val="65000"/>
+            </a:schemeClr>
+          </a:solidFill>
+          <a:ln>
+            <a:noFill/>
+          </a:ln>
+          <a:effectLst/>
+        </p:spPr>
+        <p:style>
+          <a:lnRef idx="1">
+            <a:schemeClr val="accent1"/>
+          </a:lnRef>
+          <a:fillRef idx="3">
+            <a:schemeClr val="accent1"/>
+          </a:fillRef>
+          <a:effectRef idx="2">
+            <a:schemeClr val="accent1"/>
+          </a:effectRef>
+          <a:fontRef idx="minor">
+            <a:schemeClr val="lt1"/>
+          </a:fontRef>
+        </p:style>
+      </p:sp>
+      <p:sp>
+        <p:nvSpPr>
+          <p:cNvPr id="26" name="Isosceles Triangle 29">
+            <a:extLst>
+              <a:ext uri="{FF2B5EF4-FFF2-40B4-BE49-F238E27FC236}">
+                <a16:creationId xmlns:a16="http://schemas.microsoft.com/office/drawing/2014/main" id="{9874D11C-36F5-4BBE-A490-019A54E953B0}"/>
+              </a:ext>
+              <a:ext uri="{C183D7F6-B498-43B3-948B-1728B52AA6E4}">
+                <adec:decorative xmlns:adec="http://schemas.microsoft.com/office/drawing/2017/decorative" val="1"/>
+              </a:ext>
+            </a:extLst>
+          </p:cNvPr>
+          <p:cNvSpPr>
+            <a:spLocks noGrp="1" noRot="1" noChangeAspect="1" noMove="1" noResize="1" noEditPoints="1" noAdjustHandles="1" noChangeArrowheads="1" noChangeShapeType="1" noTextEdit="1"/>
+          </p:cNvSpPr>
+          <p:nvPr>
+            <p:extLst>
+              <p:ext uri="{386F3935-93C4-4BCD-93E2-E3B085C9AB24}">
+                <p16:designElem xmlns:p16="http://schemas.microsoft.com/office/powerpoint/2015/main" val="1"/>
+              </p:ext>
+            </p:extLst>
+          </p:nvPr>
+        </p:nvSpPr>
+        <p:spPr>
+          <a:xfrm>
+            <a:off x="10371666" y="3589867"/>
+            <a:ext cx="1817159" cy="3268133"/>
+          </a:xfrm>
+          <a:prstGeom prst="triangle">
+            <a:avLst>
+              <a:gd name="adj" fmla="val 100000"/>
+            </a:avLst>
+          </a:prstGeom>
+          <a:solidFill>
+            <a:schemeClr val="accent1">
+              <a:alpha val="80000"/>
+            </a:schemeClr>
+          </a:solidFill>
+          <a:ln>
+            <a:noFill/>
+          </a:ln>
+          <a:effectLst/>
+        </p:spPr>
+        <p:style>
+          <a:lnRef idx="1">
+            <a:schemeClr val="accent1"/>
+          </a:lnRef>
+          <a:fillRef idx="3">
+            <a:schemeClr val="accent1"/>
+          </a:fillRef>
+          <a:effectRef idx="2">
+            <a:schemeClr val="accent1"/>
+          </a:effectRef>
+          <a:fontRef idx="minor">
+            <a:schemeClr val="lt1"/>
+          </a:fontRef>
+        </p:style>
+      </p:sp>
+      <p:pic>
+        <p:nvPicPr>
+          <p:cNvPr id="5" name="Afbeelding 4" descr="Afbeelding met vliegtuig, regen, buiten, natuur&#10;&#10;Automatisch gegenereerde beschrijving">
+            <a:extLst>
+              <a:ext uri="{FF2B5EF4-FFF2-40B4-BE49-F238E27FC236}">
+                <a16:creationId xmlns:a16="http://schemas.microsoft.com/office/drawing/2014/main" id="{BC74A977-092E-488F-9CCD-8B954ECAB986}"/>
+              </a:ext>
+            </a:extLst>
+          </p:cNvPr>
+          <p:cNvPicPr>
+            <a:picLocks noChangeAspect="1"/>
+          </p:cNvPicPr>
+          <p:nvPr/>
+        </p:nvPicPr>
+        <p:blipFill rotWithShape="1">
+          <a:blip r:embed="rId2"/>
+          <a:srcRect l="16400" r="15282" b="-2"/>
+          <a:stretch/>
+        </p:blipFill>
+        <p:spPr>
+          <a:xfrm>
+            <a:off x="4269854" y="-1"/>
+            <a:ext cx="7922146" cy="6858001"/>
+          </a:xfrm>
+          <a:custGeom>
+            <a:avLst/>
+            <a:gdLst>
+              <a:gd name="connsiteX0" fmla="*/ 379987 w 7922146"/>
+              <a:gd name="connsiteY0" fmla="*/ 0 h 6858001"/>
+              <a:gd name="connsiteX1" fmla="*/ 5304971 w 7922146"/>
+              <a:gd name="connsiteY1" fmla="*/ 0 h 6858001"/>
+              <a:gd name="connsiteX2" fmla="*/ 7065281 w 7922146"/>
+              <a:gd name="connsiteY2" fmla="*/ 0 h 6858001"/>
+              <a:gd name="connsiteX3" fmla="*/ 7397540 w 7922146"/>
+              <a:gd name="connsiteY3" fmla="*/ 0 h 6858001"/>
+              <a:gd name="connsiteX4" fmla="*/ 7397540 w 7922146"/>
+              <a:gd name="connsiteY4" fmla="*/ 1 h 6858001"/>
+              <a:gd name="connsiteX5" fmla="*/ 7922146 w 7922146"/>
+              <a:gd name="connsiteY5" fmla="*/ 1 h 6858001"/>
+              <a:gd name="connsiteX6" fmla="*/ 7922146 w 7922146"/>
+              <a:gd name="connsiteY6" fmla="*/ 6858001 h 6858001"/>
+              <a:gd name="connsiteX7" fmla="*/ 7065281 w 7922146"/>
+              <a:gd name="connsiteY7" fmla="*/ 6858001 h 6858001"/>
+              <a:gd name="connsiteX8" fmla="*/ 7065281 w 7922146"/>
+              <a:gd name="connsiteY8" fmla="*/ 6858000 h 6858001"/>
+              <a:gd name="connsiteX9" fmla="*/ 5932989 w 7922146"/>
+              <a:gd name="connsiteY9" fmla="*/ 6858000 h 6858001"/>
+              <a:gd name="connsiteX10" fmla="*/ 5932989 w 7922146"/>
+              <a:gd name="connsiteY10" fmla="*/ 6858001 h 6858001"/>
+              <a:gd name="connsiteX11" fmla="*/ 27809 w 7922146"/>
+              <a:gd name="connsiteY11" fmla="*/ 6858001 h 6858001"/>
+              <a:gd name="connsiteX12" fmla="*/ 1803228 w 7922146"/>
+              <a:gd name="connsiteY12" fmla="*/ 4521201 h 6858001"/>
+              <a:gd name="connsiteX13" fmla="*/ 0 w 7922146"/>
+              <a:gd name="connsiteY13" fmla="*/ 0 h 6858001"/>
+              <a:gd name="connsiteX14" fmla="*/ 379987 w 7922146"/>
+              <a:gd name="connsiteY14" fmla="*/ 0 h 6858001"/>
+              <a:gd name="connsiteX15" fmla="*/ 0 w 7922146"/>
+              <a:gd name="connsiteY15" fmla="*/ 407 h 6858001"/>
+            </a:gdLst>
+            <a:ahLst/>
+            <a:cxnLst>
+              <a:cxn ang="0">
+                <a:pos x="connsiteX0" y="connsiteY0"/>
+              </a:cxn>
+              <a:cxn ang="0">
+                <a:pos x="connsiteX1" y="connsiteY1"/>
+              </a:cxn>
+              <a:cxn ang="0">
+                <a:pos x="connsiteX2" y="connsiteY2"/>
+              </a:cxn>
+              <a:cxn ang="0">
+                <a:pos x="connsiteX3" y="connsiteY3"/>
+              </a:cxn>
+              <a:cxn ang="0">
+                <a:pos x="connsiteX4" y="connsiteY4"/>
+              </a:cxn>
+              <a:cxn ang="0">
+                <a:pos x="connsiteX5" y="connsiteY5"/>
+              </a:cxn>
+              <a:cxn ang="0">
+                <a:pos x="connsiteX6" y="connsiteY6"/>
+              </a:cxn>
+              <a:cxn ang="0">
+                <a:pos x="connsiteX7" y="connsiteY7"/>
+              </a:cxn>
+              <a:cxn ang="0">
+                <a:pos x="connsiteX8" y="connsiteY8"/>
+              </a:cxn>
+              <a:cxn ang="0">
+                <a:pos x="connsiteX9" y="connsiteY9"/>
+              </a:cxn>
+              <a:cxn ang="0">
+                <a:pos x="connsiteX10" y="connsiteY10"/>
+              </a:cxn>
+              <a:cxn ang="0">
+                <a:pos x="connsiteX11" y="connsiteY11"/>
+              </a:cxn>
+              <a:cxn ang="0">
+                <a:pos x="connsiteX12" y="connsiteY12"/>
+              </a:cxn>
+              <a:cxn ang="0">
+                <a:pos x="connsiteX13" y="connsiteY13"/>
+              </a:cxn>
+              <a:cxn ang="0">
+                <a:pos x="connsiteX14" y="connsiteY14"/>
+              </a:cxn>
+              <a:cxn ang="0">
+                <a:pos x="connsiteX15" y="connsiteY15"/>
+              </a:cxn>
+            </a:cxnLst>
+            <a:rect l="l" t="t" r="r" b="b"/>
+            <a:pathLst>
+              <a:path w="7922146" h="6858001">
+                <a:moveTo>
+                  <a:pt x="379987" y="0"/>
+                </a:moveTo>
+                <a:lnTo>
+                  <a:pt x="5304971" y="0"/>
+                </a:lnTo>
+                <a:lnTo>
+                  <a:pt x="7065281" y="0"/>
+                </a:lnTo>
+                <a:lnTo>
+                  <a:pt x="7397540" y="0"/>
+                </a:lnTo>
+                <a:lnTo>
+                  <a:pt x="7397540" y="1"/>
+                </a:lnTo>
+                <a:lnTo>
+                  <a:pt x="7922146" y="1"/>
+                </a:lnTo>
+                <a:lnTo>
+                  <a:pt x="7922146" y="6858001"/>
+                </a:lnTo>
+                <a:lnTo>
+                  <a:pt x="7065281" y="6858001"/>
+                </a:lnTo>
+                <a:lnTo>
+                  <a:pt x="7065281" y="6858000"/>
+                </a:lnTo>
+                <a:lnTo>
+                  <a:pt x="5932989" y="6858000"/>
+                </a:lnTo>
+                <a:lnTo>
+                  <a:pt x="5932989" y="6858001"/>
+                </a:lnTo>
+                <a:lnTo>
+                  <a:pt x="27809" y="6858001"/>
+                </a:lnTo>
+                <a:lnTo>
+                  <a:pt x="1803228" y="4521201"/>
+                </a:lnTo>
+                <a:close/>
+                <a:moveTo>
+                  <a:pt x="0" y="0"/>
+                </a:moveTo>
+                <a:lnTo>
+                  <a:pt x="379987" y="0"/>
+                </a:lnTo>
+                <a:lnTo>
+                  <a:pt x="0" y="407"/>
+                </a:lnTo>
+                <a:close/>
+              </a:path>
+            </a:pathLst>
+          </a:custGeom>
+        </p:spPr>
+      </p:pic>
+    </p:spTree>
+    <p:extLst>
+      <p:ext uri="{BB962C8B-B14F-4D97-AF65-F5344CB8AC3E}">
+        <p14:creationId xmlns:p14="http://schemas.microsoft.com/office/powerpoint/2010/main" val="512347333"/>
+      </p:ext>
+    </p:extLst>
+  </p:cSld>
+  <p:clrMapOvr>
+    <a:masterClrMapping/>
+  </p:clrMapOvr>
+  <p:timing>
+    <p:tnLst>
+      <p:par>
+        <p:cTn id="1" dur="indefinite" restart="never" nodeType="tmRoot">
+          <p:childTnLst>
+            <p:seq concurrent="1" nextAc="seek">
+              <p:cTn id="2" dur="indefinite" nodeType="mainSeq">
+                <p:childTnLst>
+                  <p:par>
+                    <p:cTn id="3" fill="hold">
+                      <p:stCondLst>
+                        <p:cond delay="indefinite"/>
+                      </p:stCondLst>
+                      <p:childTnLst>
+                        <p:par>
+                          <p:cTn id="4" fill="hold">
+                            <p:stCondLst>
+                              <p:cond delay="0"/>
+                            </p:stCondLst>
+                            <p:childTnLst>
+                              <p:par>
+                                <p:cTn id="5" presetID="1" presetClass="entr" presetSubtype="0" fill="hold" nodeType="clickEffect">
+                                  <p:stCondLst>
+                                    <p:cond delay="0"/>
+                                  </p:stCondLst>
+                                  <p:childTnLst>
+                                    <p:set>
+                                      <p:cBhvr>
+                                        <p:cTn id="6" dur="1" fill="hold">
+                                          <p:stCondLst>
+                                            <p:cond delay="0"/>
+                                          </p:stCondLst>
+                                        </p:cTn>
+                                        <p:tgtEl>
+                                          <p:spTgt spid="3">
+                                            <p:txEl>
+                                              <p:pRg st="1" end="1"/>
+                                            </p:txEl>
+                                          </p:spTgt>
+                                        </p:tgtEl>
+                                        <p:attrNameLst>
+                                          <p:attrName>style.visibility</p:attrName>
+                                        </p:attrNameLst>
+                                      </p:cBhvr>
+                                      <p:to>
+                                        <p:strVal val="visible"/>
+                                      </p:to>
+                                    </p:set>
+                                  </p:childTnLst>
+                                </p:cTn>
+                              </p:par>
+                            </p:childTnLst>
+                          </p:cTn>
+                        </p:par>
+                      </p:childTnLst>
+                    </p:cTn>
+                  </p:par>
+                  <p:par>
+                    <p:cTn id="7" fill="hold">
+                      <p:stCondLst>
+                        <p:cond delay="indefinite"/>
+                      </p:stCondLst>
+                      <p:childTnLst>
+                        <p:par>
+                          <p:cTn id="8" fill="hold">
+                            <p:stCondLst>
+                              <p:cond delay="0"/>
+                            </p:stCondLst>
+                            <p:childTnLst>
+                              <p:par>
+                                <p:cTn id="9" presetID="1" presetClass="entr" presetSubtype="0" fill="hold" nodeType="clickEffect">
+                                  <p:stCondLst>
+                                    <p:cond delay="0"/>
+                                  </p:stCondLst>
+                                  <p:childTnLst>
+                                    <p:set>
+                                      <p:cBhvr>
+                                        <p:cTn id="10" dur="1" fill="hold">
+                                          <p:stCondLst>
+                                            <p:cond delay="0"/>
+                                          </p:stCondLst>
+                                        </p:cTn>
+                                        <p:tgtEl>
+                                          <p:spTgt spid="3">
+                                            <p:txEl>
+                                              <p:pRg st="2" end="2"/>
+                                            </p:txEl>
+                                          </p:spTgt>
+                                        </p:tgtEl>
+                                        <p:attrNameLst>
+                                          <p:attrName>style.visibility</p:attrName>
+                                        </p:attrNameLst>
+                                      </p:cBhvr>
+                                      <p:to>
+                                        <p:strVal val="visible"/>
+                                      </p:to>
+                                    </p:set>
+                                  </p:childTnLst>
+                                </p:cTn>
+                              </p:par>
+                            </p:childTnLst>
+                          </p:cTn>
+                        </p:par>
+                      </p:childTnLst>
+                    </p:cTn>
+                  </p:par>
+                  <p:par>
+                    <p:cTn id="11" fill="hold">
+                      <p:stCondLst>
+                        <p:cond delay="indefinite"/>
+                      </p:stCondLst>
+                      <p:childTnLst>
+                        <p:par>
+                          <p:cTn id="12" fill="hold">
+                            <p:stCondLst>
+                              <p:cond delay="0"/>
+                            </p:stCondLst>
+                            <p:childTnLst>
+                              <p:par>
+                                <p:cTn id="13" presetID="1" presetClass="entr" presetSubtype="0" fill="hold" nodeType="clickEffect">
+                                  <p:stCondLst>
+                                    <p:cond delay="0"/>
+                                  </p:stCondLst>
+                                  <p:childTnLst>
+                                    <p:set>
+                                      <p:cBhvr>
+                                        <p:cTn id="14" dur="1" fill="hold">
+                                          <p:stCondLst>
+                                            <p:cond delay="0"/>
+                                          </p:stCondLst>
+                                        </p:cTn>
+                                        <p:tgtEl>
+                                          <p:spTgt spid="3">
+                                            <p:txEl>
+                                              <p:pRg st="3" end="3"/>
+                                            </p:txEl>
+                                          </p:spTgt>
+                                        </p:tgtEl>
+                                        <p:attrNameLst>
+                                          <p:attrName>style.visibility</p:attrName>
+                                        </p:attrNameLst>
+                                      </p:cBhvr>
+                                      <p:to>
+                                        <p:strVal val="visible"/>
+                                      </p:to>
+                                    </p:set>
+                                  </p:childTnLst>
+                                </p:cTn>
+                              </p:par>
+                              <p:par>
+                                <p:cTn id="15" presetID="1" presetClass="entr" presetSubtype="0" fill="hold" nodeType="withEffect">
+                                  <p:stCondLst>
+                                    <p:cond delay="0"/>
+                                  </p:stCondLst>
+                                  <p:childTnLst>
+                                    <p:set>
+                                      <p:cBhvr>
+                                        <p:cTn id="16" dur="1" fill="hold">
+                                          <p:stCondLst>
+                                            <p:cond delay="0"/>
+                                          </p:stCondLst>
+                                        </p:cTn>
+                                        <p:tgtEl>
+                                          <p:spTgt spid="3">
+                                            <p:txEl>
+                                              <p:pRg st="4" end="4"/>
+                                            </p:txEl>
+                                          </p:spTgt>
+                                        </p:tgtEl>
+                                        <p:attrNameLst>
+                                          <p:attrName>style.visibility</p:attrName>
+                                        </p:attrNameLst>
+                                      </p:cBhvr>
+                                      <p:to>
+                                        <p:strVal val="visible"/>
+                                      </p:to>
+                                    </p:set>
+                                  </p:childTnLst>
+                                </p:cTn>
+                              </p:par>
+                              <p:par>
+                                <p:cTn id="17" presetID="1" presetClass="entr" presetSubtype="0" fill="hold" nodeType="withEffect">
+                                  <p:stCondLst>
+                                    <p:cond delay="0"/>
+                                  </p:stCondLst>
+                                  <p:childTnLst>
+                                    <p:set>
+                                      <p:cBhvr>
+                                        <p:cTn id="18" dur="1" fill="hold">
+                                          <p:stCondLst>
+                                            <p:cond delay="0"/>
+                                          </p:stCondLst>
+                                        </p:cTn>
+                                        <p:tgtEl>
+                                          <p:spTgt spid="3">
+                                            <p:txEl>
+                                              <p:pRg st="5" end="5"/>
+                                            </p:txEl>
+                                          </p:spTgt>
+                                        </p:tgtEl>
+                                        <p:attrNameLst>
+                                          <p:attrName>style.visibility</p:attrName>
+                                        </p:attrNameLst>
+                                      </p:cBhvr>
+                                      <p:to>
+                                        <p:strVal val="visible"/>
+                                      </p:to>
+                                    </p:set>
+                                  </p:childTnLst>
+                                </p:cTn>
+                              </p:par>
+                              <p:par>
+                                <p:cTn id="19" presetID="1" presetClass="entr" presetSubtype="0" fill="hold" nodeType="withEffect">
+                                  <p:stCondLst>
+                                    <p:cond delay="0"/>
+                                  </p:stCondLst>
+                                  <p:childTnLst>
+                                    <p:set>
+                                      <p:cBhvr>
+                                        <p:cTn id="20" dur="1" fill="hold">
+                                          <p:stCondLst>
+                                            <p:cond delay="0"/>
+                                          </p:stCondLst>
+                                        </p:cTn>
+                                        <p:tgtEl>
+                                          <p:spTgt spid="3">
+                                            <p:txEl>
+                                              <p:pRg st="6" end="6"/>
+                                            </p:txEl>
+                                          </p:spTgt>
+                                        </p:tgtEl>
+                                        <p:attrNameLst>
+                                          <p:attrName>style.visibility</p:attrName>
+                                        </p:attrNameLst>
+                                      </p:cBhvr>
+                                      <p:to>
+                                        <p:strVal val="visible"/>
+                                      </p:to>
+                                    </p:set>
+                                  </p:childTnLst>
+                                </p:cTn>
+                              </p:par>
+                            </p:childTnLst>
+                          </p:cTn>
+                        </p:par>
+                      </p:childTnLst>
+                    </p:cTn>
+                  </p:par>
+                </p:childTnLst>
+              </p:cTn>
+              <p:prevCondLst>
+                <p:cond evt="onPrev" delay="0">
+                  <p:tgtEl>
+                    <p:sldTgt/>
+                  </p:tgtEl>
+                </p:cond>
+              </p:prevCondLst>
+              <p:nextCondLst>
+                <p:cond evt="onNext" delay="0">
+                  <p:tgtEl>
+                    <p:sldTgt/>
+                  </p:tgtEl>
+                </p:cond>
+              </p:nextCondLst>
+            </p:seq>
+          </p:childTnLst>
+        </p:cTn>
+      </p:par>
+    </p:tnLst>
+  </p:timing>
+</p:sld>
+</file>
+
+<file path=ppt/slides/slide7.xml><?xml version="1.0" encoding="utf-8"?>
+<p:sld xmlns:a="http://schemas.openxmlformats.org/drawingml/2006/main" xmlns:r="http://schemas.openxmlformats.org/officeDocument/2006/relationships" xmlns:p="http://schemas.openxmlformats.org/presentationml/2006/main">
+  <p:cSld>
+    <p:spTree>
+      <p:nvGrpSpPr>
+        <p:cNvPr id="1" name=""/>
+        <p:cNvGrpSpPr/>
+        <p:nvPr/>
+      </p:nvGrpSpPr>
+      <p:grpSpPr>
+        <a:xfrm>
+          <a:off x="0" y="0"/>
+          <a:ext cx="0" cy="0"/>
+          <a:chOff x="0" y="0"/>
+          <a:chExt cx="0" cy="0"/>
+        </a:xfrm>
+      </p:grpSpPr>
+      <p:sp>
+        <p:nvSpPr>
+          <p:cNvPr id="2" name="Titel 1">
+            <a:extLst>
+              <a:ext uri="{FF2B5EF4-FFF2-40B4-BE49-F238E27FC236}">
+                <a16:creationId xmlns:a16="http://schemas.microsoft.com/office/drawing/2014/main" id="{19521285-8621-400A-8640-0B6C43FD0B15}"/>
+              </a:ext>
+            </a:extLst>
+          </p:cNvPr>
+          <p:cNvSpPr>
+            <a:spLocks noGrp="1"/>
+          </p:cNvSpPr>
+          <p:nvPr>
+            <p:ph type="title"/>
+          </p:nvPr>
+        </p:nvSpPr>
+        <p:spPr>
+          <a:xfrm>
+            <a:off x="677334" y="609600"/>
+            <a:ext cx="8596668" cy="1320800"/>
+          </a:xfrm>
+        </p:spPr>
+        <p:txBody>
+          <a:bodyPr/>
+          <a:lstStyle/>
+          <a:p>
+            <a:r>
+              <a:rPr lang="nl-NL"/>
+              <a:t>Doelen van week 2 en 3</a:t>
+            </a:r>
+            <a:endParaRPr lang="nl-NL" dirty="0"/>
+          </a:p>
+        </p:txBody>
+      </p:sp>
+      <p:pic>
+        <p:nvPicPr>
+          <p:cNvPr id="4" name="Tijdelijke aanduiding voor inhoud 3">
+            <a:extLst>
+              <a:ext uri="{FF2B5EF4-FFF2-40B4-BE49-F238E27FC236}">
+                <a16:creationId xmlns:a16="http://schemas.microsoft.com/office/drawing/2014/main" id="{A5A0F3A1-3DC6-4E91-A320-2B8F1A4F8D32}"/>
+              </a:ext>
+            </a:extLst>
+          </p:cNvPr>
+          <p:cNvPicPr>
+            <a:picLocks noGrp="1" noChangeAspect="1"/>
+          </p:cNvPicPr>
+          <p:nvPr>
+            <p:ph idx="1"/>
+          </p:nvPr>
+        </p:nvPicPr>
+        <p:blipFill rotWithShape="1">
+          <a:blip r:embed="rId2"/>
+          <a:srcRect l="278" t="11490" r="54348" b="5920"/>
+          <a:stretch/>
+        </p:blipFill>
+        <p:spPr>
+          <a:xfrm>
+            <a:off x="705570" y="1270000"/>
+            <a:ext cx="5253796" cy="5379100"/>
+          </a:xfrm>
+          <a:prstGeom prst="rect">
+            <a:avLst/>
+          </a:prstGeom>
+        </p:spPr>
+      </p:pic>
+    </p:spTree>
+    <p:extLst>
+      <p:ext uri="{BB962C8B-B14F-4D97-AF65-F5344CB8AC3E}">
+        <p14:creationId xmlns:p14="http://schemas.microsoft.com/office/powerpoint/2010/main" val="439447985"/>
+      </p:ext>
+    </p:extLst>
+  </p:cSld>
+  <p:clrMapOvr>
+    <a:masterClrMapping/>
+  </p:clrMapOvr>
+</p:sld>
+</file>
+
+<file path=ppt/slides/slide8.xml><?xml version="1.0" encoding="utf-8"?>
+<p:sld xmlns:a="http://schemas.openxmlformats.org/drawingml/2006/main" xmlns:r="http://schemas.openxmlformats.org/officeDocument/2006/relationships" xmlns:p="http://schemas.openxmlformats.org/presentationml/2006/main">
+  <p:cSld>
+    <p:spTree>
+      <p:nvGrpSpPr>
+        <p:cNvPr id="1" name=""/>
+        <p:cNvGrpSpPr/>
+        <p:nvPr/>
+      </p:nvGrpSpPr>
+      <p:grpSpPr>
+        <a:xfrm>
+          <a:off x="0" y="0"/>
+          <a:ext cx="0" cy="0"/>
+          <a:chOff x="0" y="0"/>
+          <a:chExt cx="0" cy="0"/>
+        </a:xfrm>
+      </p:grpSpPr>
+      <p:sp>
+        <p:nvSpPr>
+          <p:cNvPr id="2" name="Titel 1">
+            <a:extLst>
+              <a:ext uri="{FF2B5EF4-FFF2-40B4-BE49-F238E27FC236}">
+                <a16:creationId xmlns:a16="http://schemas.microsoft.com/office/drawing/2014/main" id="{720D3B42-B582-444A-9BE0-9AF7B03FB834}"/>
+              </a:ext>
+            </a:extLst>
+          </p:cNvPr>
+          <p:cNvSpPr>
+            <a:spLocks noGrp="1"/>
+          </p:cNvSpPr>
+          <p:nvPr>
+            <p:ph type="title"/>
+          </p:nvPr>
+        </p:nvSpPr>
+        <p:spPr>
+          <a:xfrm>
+            <a:off x="677334" y="609600"/>
+            <a:ext cx="8596668" cy="1320800"/>
+          </a:xfrm>
+        </p:spPr>
+        <p:txBody>
+          <a:bodyPr/>
+          <a:lstStyle/>
+          <a:p>
+            <a:r>
+              <a:rPr lang="nl-NL" dirty="0"/>
+              <a:t>Doelen van week 2 en 3</a:t>
+            </a:r>
+          </a:p>
+        </p:txBody>
+      </p:sp>
+      <p:sp>
+        <p:nvSpPr>
+          <p:cNvPr id="11" name="Tijdelijke aanduiding voor inhoud 2">
+            <a:extLst>
+              <a:ext uri="{FF2B5EF4-FFF2-40B4-BE49-F238E27FC236}">
+                <a16:creationId xmlns:a16="http://schemas.microsoft.com/office/drawing/2014/main" id="{DAB3D4E9-2485-40A8-AE5E-1D7338D5C40E}"/>
+              </a:ext>
+            </a:extLst>
+          </p:cNvPr>
+          <p:cNvSpPr txBox="1">
+            <a:spLocks/>
+          </p:cNvSpPr>
+          <p:nvPr/>
+        </p:nvSpPr>
+        <p:spPr>
+          <a:xfrm>
+            <a:off x="6933229" y="1348123"/>
+            <a:ext cx="3851122" cy="3880773"/>
+          </a:xfrm>
+          <a:prstGeom prst="rect">
+            <a:avLst/>
+          </a:prstGeom>
+        </p:spPr>
+        <p:txBody>
+          <a:bodyPr vert="horz" lIns="91440" tIns="45720" rIns="91440" bIns="45720" rtlCol="0">
+            <a:normAutofit/>
+          </a:bodyPr>
+          <a:lstStyle>
+            <a:lvl1pPr marL="342900" indent="-342900" algn="l" defTabSz="457200" rtl="0" eaLnBrk="1" latinLnBrk="0" hangingPunct="1">
+              <a:spcBef>
+                <a:spcPts val="1000"/>
+              </a:spcBef>
+              <a:spcAft>
+                <a:spcPts val="0"/>
+              </a:spcAft>
+              <a:buClr>
+                <a:schemeClr val="accent1">
+                  <a:lumMod val="75000"/>
+                </a:schemeClr>
+              </a:buClr>
+              <a:buSzPct val="80000"/>
+              <a:buFont typeface="Wingdings 3" charset="2"/>
+              <a:buChar char=""/>
+              <a:defRPr sz="1800" kern="1200">
+                <a:solidFill>
+                  <a:schemeClr val="tx1">
+                    <a:lumMod val="75000"/>
+                    <a:lumOff val="25000"/>
+                  </a:schemeClr>
+                </a:solidFill>
+                <a:latin typeface="+mn-lt"/>
+                <a:ea typeface="+mn-ea"/>
+                <a:cs typeface="+mn-cs"/>
+              </a:defRPr>
+            </a:lvl1pPr>
+            <a:lvl2pPr marL="742950" indent="-285750" algn="l" defTabSz="457200" rtl="0" eaLnBrk="1" latinLnBrk="0" hangingPunct="1">
+              <a:spcBef>
+                <a:spcPts val="1000"/>
+              </a:spcBef>
+              <a:spcAft>
+                <a:spcPts val="0"/>
+              </a:spcAft>
+              <a:buClr>
+                <a:schemeClr val="accent1">
+                  <a:lumMod val="75000"/>
+                </a:schemeClr>
+              </a:buClr>
+              <a:buSzPct val="80000"/>
+              <a:buFont typeface="Wingdings 3" charset="2"/>
+              <a:buChar char=""/>
+              <a:defRPr sz="1600" kern="1200">
+                <a:solidFill>
+                  <a:schemeClr val="tx1">
+                    <a:lumMod val="75000"/>
+                    <a:lumOff val="25000"/>
+                  </a:schemeClr>
+                </a:solidFill>
+                <a:latin typeface="+mn-lt"/>
+                <a:ea typeface="+mn-ea"/>
+                <a:cs typeface="+mn-cs"/>
+              </a:defRPr>
+            </a:lvl2pPr>
+            <a:lvl3pPr marL="1143000" indent="-228600" algn="l" defTabSz="457200" rtl="0" eaLnBrk="1" latinLnBrk="0" hangingPunct="1">
+              <a:spcBef>
+                <a:spcPts val="1000"/>
+              </a:spcBef>
+              <a:spcAft>
+                <a:spcPts val="0"/>
+              </a:spcAft>
+              <a:buClr>
+                <a:schemeClr val="accent1">
+                  <a:lumMod val="75000"/>
+                </a:schemeClr>
+              </a:buClr>
+              <a:buSzPct val="80000"/>
+              <a:buFont typeface="Wingdings 3" charset="2"/>
+              <a:buChar char=""/>
+              <a:defRPr sz="1400" kern="1200">
+                <a:solidFill>
+                  <a:schemeClr val="tx1">
+                    <a:lumMod val="75000"/>
+                    <a:lumOff val="25000"/>
+                  </a:schemeClr>
+                </a:solidFill>
+                <a:latin typeface="+mn-lt"/>
+                <a:ea typeface="+mn-ea"/>
+                <a:cs typeface="+mn-cs"/>
+              </a:defRPr>
+            </a:lvl3pPr>
+            <a:lvl4pPr marL="1600200" indent="-228600" algn="l" defTabSz="457200" rtl="0" eaLnBrk="1" latinLnBrk="0" hangingPunct="1">
+              <a:spcBef>
+                <a:spcPts val="1000"/>
+              </a:spcBef>
+              <a:spcAft>
+                <a:spcPts val="0"/>
+              </a:spcAft>
+              <a:buClr>
+                <a:schemeClr val="accent1">
+                  <a:lumMod val="75000"/>
+                </a:schemeClr>
+              </a:buClr>
+              <a:buSzPct val="80000"/>
+              <a:buFont typeface="Wingdings 3" charset="2"/>
+              <a:buChar char=""/>
+              <a:defRPr sz="1200" kern="1200">
+                <a:solidFill>
+                  <a:schemeClr val="tx1">
+                    <a:lumMod val="75000"/>
+                    <a:lumOff val="25000"/>
+                  </a:schemeClr>
+                </a:solidFill>
+                <a:latin typeface="+mn-lt"/>
+                <a:ea typeface="+mn-ea"/>
+                <a:cs typeface="+mn-cs"/>
+              </a:defRPr>
+            </a:lvl4pPr>
+            <a:lvl5pPr marL="2057400" indent="-228600" algn="l" defTabSz="457200" rtl="0" eaLnBrk="1" latinLnBrk="0" hangingPunct="1">
+              <a:spcBef>
+                <a:spcPts val="1000"/>
+              </a:spcBef>
+              <a:spcAft>
+                <a:spcPts val="0"/>
+              </a:spcAft>
+              <a:buClr>
+                <a:schemeClr val="accent1">
+                  <a:lumMod val="75000"/>
+                </a:schemeClr>
+              </a:buClr>
+              <a:buSzPct val="80000"/>
+              <a:buFont typeface="Wingdings 3" charset="2"/>
+              <a:buChar char=""/>
+              <a:defRPr sz="1200" kern="1200">
+                <a:solidFill>
+                  <a:schemeClr val="tx1">
+                    <a:lumMod val="75000"/>
+                    <a:lumOff val="25000"/>
+                  </a:schemeClr>
+                </a:solidFill>
+                <a:latin typeface="+mn-lt"/>
+                <a:ea typeface="+mn-ea"/>
+                <a:cs typeface="+mn-cs"/>
+              </a:defRPr>
+            </a:lvl5pPr>
+            <a:lvl6pPr marL="2514600" indent="-228600" algn="l" defTabSz="457200" rtl="0" eaLnBrk="1" latinLnBrk="0" hangingPunct="1">
+              <a:spcBef>
+                <a:spcPts val="1000"/>
+              </a:spcBef>
+              <a:spcAft>
+                <a:spcPts val="0"/>
+              </a:spcAft>
+              <a:buClr>
+                <a:schemeClr val="accent1">
+                  <a:lumMod val="75000"/>
+                </a:schemeClr>
+              </a:buClr>
+              <a:buSzPct val="80000"/>
+              <a:buFont typeface="Wingdings 3" charset="2"/>
+              <a:buChar char=""/>
+              <a:defRPr sz="1200" kern="1200">
+                <a:solidFill>
+                  <a:schemeClr val="tx1">
+                    <a:lumMod val="75000"/>
+                    <a:lumOff val="25000"/>
+                  </a:schemeClr>
+                </a:solidFill>
+                <a:latin typeface="+mn-lt"/>
+                <a:ea typeface="+mn-ea"/>
+                <a:cs typeface="+mn-cs"/>
+              </a:defRPr>
+            </a:lvl6pPr>
+            <a:lvl7pPr marL="2971800" indent="-228600" algn="l" defTabSz="457200" rtl="0" eaLnBrk="1" latinLnBrk="0" hangingPunct="1">
+              <a:spcBef>
+                <a:spcPts val="1000"/>
+              </a:spcBef>
+              <a:spcAft>
+                <a:spcPts val="0"/>
+              </a:spcAft>
+              <a:buClr>
+                <a:schemeClr val="accent1">
+                  <a:lumMod val="75000"/>
+                </a:schemeClr>
+              </a:buClr>
+              <a:buSzPct val="80000"/>
+              <a:buFont typeface="Wingdings 3" charset="2"/>
+              <a:buChar char=""/>
+              <a:defRPr sz="1200" kern="1200">
+                <a:solidFill>
+                  <a:schemeClr val="tx1">
+                    <a:lumMod val="75000"/>
+                    <a:lumOff val="25000"/>
+                  </a:schemeClr>
+                </a:solidFill>
+                <a:latin typeface="+mn-lt"/>
+                <a:ea typeface="+mn-ea"/>
+                <a:cs typeface="+mn-cs"/>
+              </a:defRPr>
+            </a:lvl7pPr>
+            <a:lvl8pPr marL="3429000" indent="-228600" algn="l" defTabSz="457200" rtl="0" eaLnBrk="1" latinLnBrk="0" hangingPunct="1">
+              <a:spcBef>
+                <a:spcPts val="1000"/>
+              </a:spcBef>
+              <a:spcAft>
+                <a:spcPts val="0"/>
+              </a:spcAft>
+              <a:buClr>
+                <a:schemeClr val="accent1">
+                  <a:lumMod val="75000"/>
+                </a:schemeClr>
+              </a:buClr>
+              <a:buSzPct val="80000"/>
+              <a:buFont typeface="Wingdings 3" charset="2"/>
+              <a:buChar char=""/>
+              <a:defRPr sz="1200" kern="1200">
+                <a:solidFill>
+                  <a:schemeClr val="tx1">
+                    <a:lumMod val="75000"/>
+                    <a:lumOff val="25000"/>
+                  </a:schemeClr>
+                </a:solidFill>
+                <a:latin typeface="+mn-lt"/>
+                <a:ea typeface="+mn-ea"/>
+                <a:cs typeface="+mn-cs"/>
+              </a:defRPr>
+            </a:lvl8pPr>
+            <a:lvl9pPr marL="3886200" indent="-228600" algn="l" defTabSz="457200" rtl="0" eaLnBrk="1" latinLnBrk="0" hangingPunct="1">
+              <a:spcBef>
+                <a:spcPts val="1000"/>
+              </a:spcBef>
+              <a:spcAft>
+                <a:spcPts val="0"/>
+              </a:spcAft>
+              <a:buClr>
+                <a:schemeClr val="accent1">
+                  <a:lumMod val="75000"/>
+                </a:schemeClr>
+              </a:buClr>
+              <a:buSzPct val="80000"/>
+              <a:buFont typeface="Wingdings 3" charset="2"/>
+              <a:buChar char=""/>
+              <a:defRPr sz="1200" kern="1200">
+                <a:solidFill>
+                  <a:schemeClr val="tx1">
+                    <a:lumMod val="75000"/>
+                    <a:lumOff val="25000"/>
+                  </a:schemeClr>
+                </a:solidFill>
+                <a:latin typeface="+mn-lt"/>
+                <a:ea typeface="+mn-ea"/>
+                <a:cs typeface="+mn-cs"/>
+              </a:defRPr>
+            </a:lvl9pPr>
+          </a:lstStyle>
+          <a:p>
+            <a:endParaRPr lang="nl-NL" dirty="0"/>
+          </a:p>
+        </p:txBody>
+      </p:sp>
+      <p:sp>
+        <p:nvSpPr>
+          <p:cNvPr id="4" name="Tijdelijke aanduiding voor inhoud 3">
+            <a:extLst>
+              <a:ext uri="{FF2B5EF4-FFF2-40B4-BE49-F238E27FC236}">
+                <a16:creationId xmlns:a16="http://schemas.microsoft.com/office/drawing/2014/main" id="{F4CA8750-D6F8-47D5-BFE7-238DBF9FB3A1}"/>
+              </a:ext>
+            </a:extLst>
+          </p:cNvPr>
+          <p:cNvSpPr>
+            <a:spLocks noGrp="1"/>
+          </p:cNvSpPr>
+          <p:nvPr>
+            <p:ph idx="1"/>
+          </p:nvPr>
+        </p:nvSpPr>
+        <p:spPr/>
+        <p:txBody>
+          <a:bodyPr/>
+          <a:lstStyle/>
+          <a:p>
+            <a:r>
+              <a:rPr lang="nl-NL" dirty="0"/>
+              <a:t>1200 “juiste” uitkomsten</a:t>
+            </a:r>
+          </a:p>
+          <a:p>
+            <a:r>
+              <a:rPr lang="nl-NL" dirty="0"/>
+              <a:t>€ 15.070.540,19</a:t>
+            </a:r>
+          </a:p>
+          <a:p>
+            <a:endParaRPr lang="nl-NL" dirty="0"/>
+          </a:p>
+        </p:txBody>
+      </p:sp>
+    </p:spTree>
+    <p:extLst>
+      <p:ext uri="{BB962C8B-B14F-4D97-AF65-F5344CB8AC3E}">
+        <p14:creationId xmlns:p14="http://schemas.microsoft.com/office/powerpoint/2010/main" val="2419183952"/>
+      </p:ext>
+    </p:extLst>
+  </p:cSld>
+  <p:clrMapOvr>
+    <a:masterClrMapping/>
+  </p:clrMapOvr>
+</p:sld>
+</file>
+
+<file path=ppt/slides/slide9.xml><?xml version="1.0" encoding="utf-8"?>
+<p:sld xmlns:a="http://schemas.openxmlformats.org/drawingml/2006/main" xmlns:r="http://schemas.openxmlformats.org/officeDocument/2006/relationships" xmlns:p="http://schemas.openxmlformats.org/presentationml/2006/main">
+  <p:cSld>
+    <p:spTree>
+      <p:nvGrpSpPr>
+        <p:cNvPr id="1" name=""/>
+        <p:cNvGrpSpPr/>
+        <p:nvPr/>
+      </p:nvGrpSpPr>
+      <p:grpSpPr>
+        <a:xfrm>
+          <a:off x="0" y="0"/>
+          <a:ext cx="0" cy="0"/>
+          <a:chOff x="0" y="0"/>
+          <a:chExt cx="0" cy="0"/>
+        </a:xfrm>
+      </p:grpSpPr>
+      <p:sp>
+        <p:nvSpPr>
+          <p:cNvPr id="2" name="Titel 1">
+            <a:extLst>
+              <a:ext uri="{FF2B5EF4-FFF2-40B4-BE49-F238E27FC236}">
+                <a16:creationId xmlns:a16="http://schemas.microsoft.com/office/drawing/2014/main" id="{EE923E43-3BDA-403D-9D51-EAB2F8DE15EB}"/>
+              </a:ext>
+            </a:extLst>
+          </p:cNvPr>
+          <p:cNvSpPr>
+            <a:spLocks noGrp="1"/>
+          </p:cNvSpPr>
+          <p:nvPr>
+            <p:ph type="title"/>
+          </p:nvPr>
+        </p:nvSpPr>
+        <p:spPr/>
+        <p:txBody>
+          <a:bodyPr/>
+          <a:lstStyle/>
+          <a:p>
+            <a:r>
+              <a:rPr lang="nl-NL" dirty="0"/>
+              <a:t>Doelen voor week 4</a:t>
+            </a:r>
+          </a:p>
+        </p:txBody>
+      </p:sp>
+      <p:sp>
+        <p:nvSpPr>
+          <p:cNvPr id="3" name="Tijdelijke aanduiding voor inhoud 2">
+            <a:extLst>
+              <a:ext uri="{FF2B5EF4-FFF2-40B4-BE49-F238E27FC236}">
+                <a16:creationId xmlns:a16="http://schemas.microsoft.com/office/drawing/2014/main" id="{082F8E5A-26F2-49DD-9A4C-3FD8820D0EDD}"/>
+              </a:ext>
+            </a:extLst>
+          </p:cNvPr>
+          <p:cNvSpPr>
+            <a:spLocks noGrp="1"/>
+          </p:cNvSpPr>
+          <p:nvPr>
+            <p:ph idx="1"/>
+          </p:nvPr>
+        </p:nvSpPr>
+        <p:spPr/>
+        <p:txBody>
+          <a:bodyPr/>
+          <a:lstStyle/>
+          <a:p>
+            <a:r>
+              <a:rPr lang="nl-NL" dirty="0"/>
+              <a:t>Waterfunctie </a:t>
+            </a:r>
+          </a:p>
+          <a:p>
+            <a:r>
+              <a:rPr lang="nl-NL" dirty="0" err="1"/>
+              <a:t>Greedy</a:t>
+            </a:r>
+            <a:r>
+              <a:rPr lang="nl-NL" dirty="0"/>
+              <a:t> Algoritme implementeren</a:t>
+            </a:r>
+          </a:p>
+          <a:p>
+            <a:r>
+              <a:rPr lang="nl-NL" dirty="0"/>
+              <a:t>Algoritme </a:t>
+            </a:r>
+            <a:r>
+              <a:rPr lang="nl-NL" dirty="0">
+                <a:sym typeface="Wingdings" panose="05000000000000000000" pitchFamily="2" charset="2"/>
+              </a:rPr>
+              <a:t> controlefunctie  scorefunctie  visualisatie </a:t>
+            </a:r>
+            <a:endParaRPr lang="nl-NL" dirty="0"/>
+          </a:p>
+        </p:txBody>
+      </p:sp>
+    </p:spTree>
+    <p:extLst>
+      <p:ext uri="{BB962C8B-B14F-4D97-AF65-F5344CB8AC3E}">
+        <p14:creationId xmlns:p14="http://schemas.microsoft.com/office/powerpoint/2010/main" val="2087692485"/>
+      </p:ext>
+    </p:extLst>
+  </p:cSld>
+  <p:clrMapOvr>
+    <a:masterClrMapping/>
+  </p:clrMapOvr>
 </p:sld>
 </file>
 

--- a/powerpoints/Amstelhaege PP 2.pptx
+++ b/powerpoints/Amstelhaege PP 2.pptx
@@ -678,6 +678,30 @@
       </pc:sldChg>
     </pc:docChg>
   </pc:docChgLst>
+  <pc:docChgLst>
+    <pc:chgData name="Eveline Tiekink" userId="6058ae45eb5242b7" providerId="LiveId" clId="{37C6B3A9-C949-4AED-BED5-BBA274FEFC81}"/>
+    <pc:docChg chg="custSel modSld">
+      <pc:chgData name="Eveline Tiekink" userId="6058ae45eb5242b7" providerId="LiveId" clId="{37C6B3A9-C949-4AED-BED5-BBA274FEFC81}" dt="2018-11-16T15:21:29.324" v="14" actId="768"/>
+      <pc:docMkLst>
+        <pc:docMk/>
+      </pc:docMkLst>
+      <pc:sldChg chg="modSp">
+        <pc:chgData name="Eveline Tiekink" userId="6058ae45eb5242b7" providerId="LiveId" clId="{37C6B3A9-C949-4AED-BED5-BBA274FEFC81}" dt="2018-11-16T15:21:29.324" v="14" actId="768"/>
+        <pc:sldMkLst>
+          <pc:docMk/>
+          <pc:sldMk cId="2010605495" sldId="256"/>
+        </pc:sldMkLst>
+        <pc:spChg chg="mod">
+          <ac:chgData name="Eveline Tiekink" userId="6058ae45eb5242b7" providerId="LiveId" clId="{37C6B3A9-C949-4AED-BED5-BBA274FEFC81}" dt="2018-11-16T15:21:29.324" v="14" actId="768"/>
+          <ac:spMkLst>
+            <pc:docMk/>
+            <pc:sldMk cId="2010605495" sldId="256"/>
+            <ac:spMk id="3" creationId="{5CC4032A-E48A-464D-9FA6-FAF2E332B93F}"/>
+          </ac:spMkLst>
+        </pc:spChg>
+      </pc:sldChg>
+    </pc:docChg>
+  </pc:docChgLst>
 </pc:chgInfo>
 </file>
 
@@ -6947,7 +6971,7 @@
                   </a:schemeClr>
                 </a:solidFill>
               </a:rPr>
-              <a:t> 16/11/2018</a:t>
+              <a:t> 16-11-2018</a:t>
             </a:r>
           </a:p>
           <a:p>

--- a/powerpoints/Amstelhaege PP 2.pptx
+++ b/powerpoints/Amstelhaege PP 2.pptx
@@ -681,7 +681,7 @@
   <pc:docChgLst>
     <pc:chgData name="Eveline Tiekink" userId="6058ae45eb5242b7" providerId="LiveId" clId="{37C6B3A9-C949-4AED-BED5-BBA274FEFC81}"/>
     <pc:docChg chg="custSel modSld">
-      <pc:chgData name="Eveline Tiekink" userId="6058ae45eb5242b7" providerId="LiveId" clId="{37C6B3A9-C949-4AED-BED5-BBA274FEFC81}" dt="2018-11-16T15:21:29.324" v="14" actId="768"/>
+      <pc:chgData name="Eveline Tiekink" userId="6058ae45eb5242b7" providerId="LiveId" clId="{37C6B3A9-C949-4AED-BED5-BBA274FEFC81}" dt="2018-11-16T15:53:05.590" v="24" actId="20577"/>
       <pc:docMkLst>
         <pc:docMk/>
       </pc:docMkLst>
@@ -697,6 +697,21 @@
             <pc:docMk/>
             <pc:sldMk cId="2010605495" sldId="256"/>
             <ac:spMk id="3" creationId="{5CC4032A-E48A-464D-9FA6-FAF2E332B93F}"/>
+          </ac:spMkLst>
+        </pc:spChg>
+      </pc:sldChg>
+      <pc:sldChg chg="modSp">
+        <pc:chgData name="Eveline Tiekink" userId="6058ae45eb5242b7" providerId="LiveId" clId="{37C6B3A9-C949-4AED-BED5-BBA274FEFC81}" dt="2018-11-16T15:53:05.590" v="24" actId="20577"/>
+        <pc:sldMkLst>
+          <pc:docMk/>
+          <pc:sldMk cId="2419183952" sldId="273"/>
+        </pc:sldMkLst>
+        <pc:spChg chg="mod">
+          <ac:chgData name="Eveline Tiekink" userId="6058ae45eb5242b7" providerId="LiveId" clId="{37C6B3A9-C949-4AED-BED5-BBA274FEFC81}" dt="2018-11-16T15:53:05.590" v="24" actId="20577"/>
+          <ac:spMkLst>
+            <pc:docMk/>
+            <pc:sldMk cId="2419183952" sldId="273"/>
+            <ac:spMk id="4" creationId="{F4CA8750-D6F8-47D5-BFE7-238DBF9FB3A1}"/>
           </ac:spMkLst>
         </pc:spChg>
       </pc:sldChg>
@@ -11073,9 +11088,10 @@
           </a:p>
           <a:p>
             <a:r>
-              <a:rPr lang="nl-NL" dirty="0"/>
-              <a:t>€ 15.070.540,19</a:t>
-            </a:r>
+              <a:rPr lang="nl-NL"/>
+              <a:t>€ 15.076.945,45</a:t>
+            </a:r>
+            <a:endParaRPr lang="nl-NL" dirty="0"/>
           </a:p>
           <a:p>
             <a:endParaRPr lang="nl-NL" dirty="0"/>

--- a/powerpoints/Amstelhaege PP 2.pptx
+++ b/powerpoints/Amstelhaege PP 2.pptx
@@ -128,7 +128,7 @@
 <file path=ppt/revisionInfo.xml><?xml version="1.0" encoding="utf-8"?>
 <p1510:revInfo xmlns:a="http://schemas.openxmlformats.org/drawingml/2006/main" xmlns:r="http://schemas.openxmlformats.org/officeDocument/2006/relationships" xmlns:p1510="http://schemas.microsoft.com/office/powerpoint/2015/10/main">
   <p1510:revLst>
-    <p1510:client id="{17347822-A3AA-4E09-8D72-9B39D786E58C}" v="199" dt="2018-11-16T13:59:33.594"/>
+    <p1510:client id="{37C6B3A9-C949-4AED-BED5-BBA274FEFC81}" v="4" dt="2018-11-17T17:32:38.661"/>
   </p1510:revLst>
 </p1510:revInfo>
 </file>
@@ -681,7 +681,7 @@
   <pc:docChgLst>
     <pc:chgData name="Eveline Tiekink" userId="6058ae45eb5242b7" providerId="LiveId" clId="{37C6B3A9-C949-4AED-BED5-BBA274FEFC81}"/>
     <pc:docChg chg="custSel modSld">
-      <pc:chgData name="Eveline Tiekink" userId="6058ae45eb5242b7" providerId="LiveId" clId="{37C6B3A9-C949-4AED-BED5-BBA274FEFC81}" dt="2018-11-16T15:53:05.590" v="24" actId="20577"/>
+      <pc:chgData name="Eveline Tiekink" userId="6058ae45eb5242b7" providerId="LiveId" clId="{37C6B3A9-C949-4AED-BED5-BBA274FEFC81}" dt="2018-11-17T17:32:53.771" v="86" actId="5793"/>
       <pc:docMkLst>
         <pc:docMk/>
       </pc:docMkLst>
@@ -701,13 +701,13 @@
         </pc:spChg>
       </pc:sldChg>
       <pc:sldChg chg="modSp">
-        <pc:chgData name="Eveline Tiekink" userId="6058ae45eb5242b7" providerId="LiveId" clId="{37C6B3A9-C949-4AED-BED5-BBA274FEFC81}" dt="2018-11-16T15:53:05.590" v="24" actId="20577"/>
+        <pc:chgData name="Eveline Tiekink" userId="6058ae45eb5242b7" providerId="LiveId" clId="{37C6B3A9-C949-4AED-BED5-BBA274FEFC81}" dt="2018-11-17T17:32:53.771" v="86" actId="5793"/>
         <pc:sldMkLst>
           <pc:docMk/>
           <pc:sldMk cId="2419183952" sldId="273"/>
         </pc:sldMkLst>
         <pc:spChg chg="mod">
-          <ac:chgData name="Eveline Tiekink" userId="6058ae45eb5242b7" providerId="LiveId" clId="{37C6B3A9-C949-4AED-BED5-BBA274FEFC81}" dt="2018-11-16T15:53:05.590" v="24" actId="20577"/>
+          <ac:chgData name="Eveline Tiekink" userId="6058ae45eb5242b7" providerId="LiveId" clId="{37C6B3A9-C949-4AED-BED5-BBA274FEFC81}" dt="2018-11-17T17:32:53.771" v="86" actId="5793"/>
           <ac:spMkLst>
             <pc:docMk/>
             <pc:sldMk cId="2419183952" sldId="273"/>
@@ -802,7 +802,7 @@
           <a:p>
             <a:fld id="{6E4CFFD8-571C-48B2-909E-9B5FE253D121}" type="datetimeFigureOut">
               <a:rPr lang="nl-NL" smtClean="0"/>
-              <a:t>16-11-2018</a:t>
+              <a:t>17-11-2018</a:t>
             </a:fld>
             <a:endParaRPr lang="nl-NL"/>
           </a:p>
@@ -1883,7 +1883,7 @@
             <a:fld id="{B61BEF0D-F0BB-DE4B-95CE-6DB70DBA9567}" type="datetimeFigureOut">
               <a:rPr lang="en-US" smtClean="0"/>
               <a:pPr/>
-              <a:t>11/16/2018</a:t>
+              <a:t>11/17/2018</a:t>
             </a:fld>
             <a:endParaRPr lang="en-US" dirty="0"/>
           </a:p>
@@ -2136,7 +2136,7 @@
             <a:fld id="{B61BEF0D-F0BB-DE4B-95CE-6DB70DBA9567}" type="datetimeFigureOut">
               <a:rPr lang="en-US" smtClean="0"/>
               <a:pPr/>
-              <a:t>11/16/2018</a:t>
+              <a:t>11/17/2018</a:t>
             </a:fld>
             <a:endParaRPr lang="en-US" dirty="0"/>
           </a:p>
@@ -2452,7 +2452,7 @@
             <a:fld id="{B61BEF0D-F0BB-DE4B-95CE-6DB70DBA9567}" type="datetimeFigureOut">
               <a:rPr lang="en-US" smtClean="0"/>
               <a:pPr/>
-              <a:t>11/16/2018</a:t>
+              <a:t>11/17/2018</a:t>
             </a:fld>
             <a:endParaRPr lang="en-US" dirty="0"/>
           </a:p>
@@ -2781,7 +2781,7 @@
             <a:fld id="{B61BEF0D-F0BB-DE4B-95CE-6DB70DBA9567}" type="datetimeFigureOut">
               <a:rPr lang="en-US" smtClean="0"/>
               <a:pPr/>
-              <a:t>11/16/2018</a:t>
+              <a:t>11/17/2018</a:t>
             </a:fld>
             <a:endParaRPr lang="en-US" dirty="0"/>
           </a:p>
@@ -3097,7 +3097,7 @@
             <a:fld id="{B61BEF0D-F0BB-DE4B-95CE-6DB70DBA9567}" type="datetimeFigureOut">
               <a:rPr lang="en-US" smtClean="0"/>
               <a:pPr/>
-              <a:t>11/16/2018</a:t>
+              <a:t>11/17/2018</a:t>
             </a:fld>
             <a:endParaRPr lang="en-US" dirty="0"/>
           </a:p>
@@ -3486,7 +3486,7 @@
             <a:fld id="{B61BEF0D-F0BB-DE4B-95CE-6DB70DBA9567}" type="datetimeFigureOut">
               <a:rPr lang="en-US" smtClean="0"/>
               <a:pPr/>
-              <a:t>11/16/2018</a:t>
+              <a:t>11/17/2018</a:t>
             </a:fld>
             <a:endParaRPr lang="en-US" dirty="0"/>
           </a:p>
@@ -3657,7 +3657,7 @@
           <a:p>
             <a:fld id="{55C6B4A9-1611-4792-9094-5F34BCA07E0B}" type="datetimeFigureOut">
               <a:rPr lang="en-US" smtClean="0"/>
-              <a:t>11/16/2018</a:t>
+              <a:t>11/17/2018</a:t>
             </a:fld>
             <a:endParaRPr lang="en-US" dirty="0"/>
           </a:p>
@@ -3838,7 +3838,7 @@
             <a:fld id="{B61BEF0D-F0BB-DE4B-95CE-6DB70DBA9567}" type="datetimeFigureOut">
               <a:rPr lang="en-US" smtClean="0"/>
               <a:pPr/>
-              <a:t>11/16/2018</a:t>
+              <a:t>11/17/2018</a:t>
             </a:fld>
             <a:endParaRPr lang="en-US" dirty="0"/>
           </a:p>
@@ -4009,7 +4009,7 @@
           <a:p>
             <a:fld id="{42A54C80-263E-416B-A8E0-580EDEADCBDC}" type="datetimeFigureOut">
               <a:rPr lang="en-US" smtClean="0"/>
-              <a:t>11/16/2018</a:t>
+              <a:t>11/17/2018</a:t>
             </a:fld>
             <a:endParaRPr lang="en-US" dirty="0"/>
           </a:p>
@@ -4257,7 +4257,7 @@
             <a:fld id="{B61BEF0D-F0BB-DE4B-95CE-6DB70DBA9567}" type="datetimeFigureOut">
               <a:rPr lang="en-US" smtClean="0"/>
               <a:pPr/>
-              <a:t>11/16/2018</a:t>
+              <a:t>11/17/2018</a:t>
             </a:fld>
             <a:endParaRPr lang="en-US" dirty="0"/>
           </a:p>
@@ -4490,7 +4490,7 @@
           <a:p>
             <a:fld id="{42A54C80-263E-416B-A8E0-580EDEADCBDC}" type="datetimeFigureOut">
               <a:rPr lang="en-US" smtClean="0"/>
-              <a:t>11/16/2018</a:t>
+              <a:t>11/17/2018</a:t>
             </a:fld>
             <a:endParaRPr lang="en-US" dirty="0"/>
           </a:p>
@@ -4865,7 +4865,7 @@
             <a:fld id="{B61BEF0D-F0BB-DE4B-95CE-6DB70DBA9567}" type="datetimeFigureOut">
               <a:rPr lang="en-US" smtClean="0"/>
               <a:pPr/>
-              <a:t>11/16/2018</a:t>
+              <a:t>11/17/2018</a:t>
             </a:fld>
             <a:endParaRPr lang="en-US" dirty="0"/>
           </a:p>
@@ -4990,7 +4990,7 @@
             <a:fld id="{B61BEF0D-F0BB-DE4B-95CE-6DB70DBA9567}" type="datetimeFigureOut">
               <a:rPr lang="en-US" smtClean="0"/>
               <a:pPr/>
-              <a:t>11/16/2018</a:t>
+              <a:t>11/17/2018</a:t>
             </a:fld>
             <a:endParaRPr lang="en-US" dirty="0"/>
           </a:p>
@@ -5087,7 +5087,7 @@
             <a:fld id="{B61BEF0D-F0BB-DE4B-95CE-6DB70DBA9567}" type="datetimeFigureOut">
               <a:rPr lang="en-US" smtClean="0"/>
               <a:pPr/>
-              <a:t>11/16/2018</a:t>
+              <a:t>11/17/2018</a:t>
             </a:fld>
             <a:endParaRPr lang="en-US" dirty="0"/>
           </a:p>
@@ -5343,7 +5343,7 @@
           <a:p>
             <a:fld id="{42A54C80-263E-416B-A8E0-580EDEADCBDC}" type="datetimeFigureOut">
               <a:rPr lang="en-US" smtClean="0"/>
-              <a:t>11/16/2018</a:t>
+              <a:t>11/17/2018</a:t>
             </a:fld>
             <a:endParaRPr lang="en-US" dirty="0"/>
           </a:p>
@@ -5607,7 +5607,7 @@
             <a:fld id="{B61BEF0D-F0BB-DE4B-95CE-6DB70DBA9567}" type="datetimeFigureOut">
               <a:rPr lang="en-US" smtClean="0"/>
               <a:pPr/>
-              <a:t>11/16/2018</a:t>
+              <a:t>11/17/2018</a:t>
             </a:fld>
             <a:endParaRPr lang="en-US" dirty="0"/>
           </a:p>
@@ -6354,7 +6354,7 @@
             <a:fld id="{B61BEF0D-F0BB-DE4B-95CE-6DB70DBA9567}" type="datetimeFigureOut">
               <a:rPr lang="en-US" smtClean="0"/>
               <a:pPr/>
-              <a:t>11/16/2018</a:t>
+              <a:t>11/17/2018</a:t>
             </a:fld>
             <a:endParaRPr lang="en-US" dirty="0"/>
           </a:p>
@@ -11078,7 +11078,9 @@
         </p:nvSpPr>
         <p:spPr/>
         <p:txBody>
-          <a:bodyPr/>
+          <a:bodyPr>
+            <a:normAutofit lnSpcReduction="10000"/>
+          </a:bodyPr>
           <a:lstStyle/>
           <a:p>
             <a:r>
@@ -11089,12 +11091,36 @@
           <a:p>
             <a:r>
               <a:rPr lang="nl-NL"/>
-              <a:t>€ 15.076.945,45</a:t>
+              <a:t>€ 15.438.992.71</a:t>
+            </a:r>
+          </a:p>
+          <a:p>
+            <a:pPr marL="0" indent="0">
+              <a:buNone/>
+            </a:pPr>
+            <a:r>
+              <a:rPr lang="nl-NL"/>
+              <a:t>15438992.707992705</a:t>
             </a:r>
             <a:endParaRPr lang="nl-NL" dirty="0"/>
           </a:p>
           <a:p>
-            <a:endParaRPr lang="nl-NL" dirty="0"/>
+            <a:pPr marL="0" indent="0">
+              <a:buNone/>
+            </a:pPr>
+            <a:r>
+              <a:rPr lang="nl-NL" dirty="0"/>
+              <a:t>[{'y': 93, 'x': 67}, {'y': 120, 'x': 29}, {'y': 39, 'x': 69}, {'y': 37, 'x': 111}, {'y': 41, 'x': 94}, {'y': 78, 'x': 80}, {'y': 139, 'x': 103}, {'y': 20, 'x': 31}, {'y': 116, 'x': 66}, {'y': 43, 'x': 15}, {'y': 147, 'x': 114}, {'y': 91, 'x': 67}, {'y': 74, 'x': 104}, {'y': 59, 'x': 21}, {'y': 122, 'x': 116}, {'y': 50, 'x': 0}, {'y': 119, 'x': 132}, {'y': 55, 'x': 117}, {'y': 155, 'x': 71}, {'y': 63, 'x': 68}]</a:t>
+            </a:r>
+          </a:p>
+          <a:p>
+            <a:pPr marL="0" indent="0">
+              <a:buNone/>
+            </a:pPr>
+            <a:r>
+              <a:rPr lang="nl-NL" dirty="0"/>
+              <a:t>[76, 38.53894134508627, 43.04648650006177, 39.11521443121589, 10.307764064044152, 11.180339887498949, 31, 30, 20.303940504246953, 22.47220505424423, 12.971121771072847, 5.5901699437494745, 24.82438317461282, 17.08800749063506, 16.224980739587952, 8, 16.278820596099706, 17.029386365926403, 17, 8.06225774829855]</a:t>
+            </a:r>
           </a:p>
         </p:txBody>
       </p:sp>
